--- a/卒業論文/2016/中村真悟/中間発表/卒論中間発表ポスター.pptx
+++ b/卒業論文/2016/中村真悟/中間発表/卒論中間発表ポスター.pptx
@@ -2,13 +2,13 @@
 <file path=ppt/presentation.xml><?xml version="1.0" encoding="utf-8"?>
 <p:presentation xmlns:a="http://schemas.openxmlformats.org/drawingml/2006/main" xmlns:r="http://schemas.openxmlformats.org/officeDocument/2006/relationships" xmlns:p="http://schemas.openxmlformats.org/presentationml/2006/main" saveSubsetFonts="1">
   <p:sldMasterIdLst>
-    <p:sldMasterId id="2147483672" r:id="rId1"/>
+    <p:sldMasterId id="2147483684" r:id="rId1"/>
   </p:sldMasterIdLst>
   <p:sldIdLst>
     <p:sldId id="256" r:id="rId2"/>
   </p:sldIdLst>
-  <p:sldSz cx="6858000" cy="9144000" type="screen4x3"/>
-  <p:notesSz cx="6858000" cy="9144000"/>
+  <p:sldSz cx="6858000" cy="9906000" type="A4"/>
+  <p:notesSz cx="6797675" cy="9926638"/>
   <p:defaultTextStyle>
     <a:defPPr>
       <a:defRPr lang="ja-JP"/>
@@ -107,7 +107,7 @@
   <p:extLst>
     <p:ext uri="{EFAFB233-063F-42B5-8137-9DF3F51BA10A}">
       <p15:sldGuideLst xmlns:p15="http://schemas.microsoft.com/office/powerpoint/2012/main">
-        <p15:guide id="1" orient="horz" pos="2880" userDrawn="1">
+        <p15:guide id="1" orient="horz" pos="3120" userDrawn="1">
           <p15:clr>
             <a:srgbClr val="A4A3A4"/>
           </p15:clr>
@@ -152,8 +152,8 @@
         </p:nvSpPr>
         <p:spPr>
           <a:xfrm>
-            <a:off x="514350" y="1496484"/>
-            <a:ext cx="5829300" cy="3183467"/>
+            <a:off x="514350" y="1621191"/>
+            <a:ext cx="5829300" cy="3448756"/>
           </a:xfrm>
         </p:spPr>
         <p:txBody>
@@ -184,8 +184,8 @@
         </p:nvSpPr>
         <p:spPr>
           <a:xfrm>
-            <a:off x="857250" y="4802717"/>
-            <a:ext cx="5143500" cy="2207683"/>
+            <a:off x="857250" y="5202944"/>
+            <a:ext cx="5143500" cy="2391656"/>
           </a:xfrm>
         </p:spPr>
         <p:txBody>
@@ -254,7 +254,7 @@
           <a:p>
             <a:fld id="{53970A59-9AA5-44B2-9C95-CD8BBDB4EB8E}" type="datetimeFigureOut">
               <a:rPr kumimoji="1" lang="ja-JP" altLang="en-US" smtClean="0"/>
-              <a:t>2017/10/4</a:t>
+              <a:t>2017/10/6</a:t>
             </a:fld>
             <a:endParaRPr kumimoji="1" lang="ja-JP" altLang="en-US"/>
           </a:p>
@@ -305,7 +305,7 @@
     </p:spTree>
     <p:extLst>
       <p:ext uri="{BB962C8B-B14F-4D97-AF65-F5344CB8AC3E}">
-        <p14:creationId xmlns:p14="http://schemas.microsoft.com/office/powerpoint/2010/main" val="2826903464"/>
+        <p14:creationId xmlns:p14="http://schemas.microsoft.com/office/powerpoint/2010/main" val="2522394743"/>
       </p:ext>
     </p:extLst>
   </p:cSld>
@@ -456,7 +456,7 @@
           <a:p>
             <a:fld id="{53970A59-9AA5-44B2-9C95-CD8BBDB4EB8E}" type="datetimeFigureOut">
               <a:rPr kumimoji="1" lang="ja-JP" altLang="en-US" smtClean="0"/>
-              <a:t>2017/10/4</a:t>
+              <a:t>2017/10/6</a:t>
             </a:fld>
             <a:endParaRPr kumimoji="1" lang="ja-JP" altLang="en-US"/>
           </a:p>
@@ -507,7 +507,7 @@
     </p:spTree>
     <p:extLst>
       <p:ext uri="{BB962C8B-B14F-4D97-AF65-F5344CB8AC3E}">
-        <p14:creationId xmlns:p14="http://schemas.microsoft.com/office/powerpoint/2010/main" val="1107848561"/>
+        <p14:creationId xmlns:p14="http://schemas.microsoft.com/office/powerpoint/2010/main" val="2061500148"/>
       </p:ext>
     </p:extLst>
   </p:cSld>
@@ -546,8 +546,8 @@
         </p:nvSpPr>
         <p:spPr>
           <a:xfrm>
-            <a:off x="4907757" y="486834"/>
-            <a:ext cx="1478756" cy="7749117"/>
+            <a:off x="4907757" y="527403"/>
+            <a:ext cx="1478756" cy="8394877"/>
           </a:xfrm>
         </p:spPr>
         <p:txBody>
@@ -574,8 +574,8 @@
         </p:nvSpPr>
         <p:spPr>
           <a:xfrm>
-            <a:off x="471488" y="486834"/>
-            <a:ext cx="4350544" cy="7749117"/>
+            <a:off x="471488" y="527403"/>
+            <a:ext cx="4350544" cy="8394877"/>
           </a:xfrm>
         </p:spPr>
         <p:txBody>
@@ -668,7 +668,7 @@
           <a:p>
             <a:fld id="{53970A59-9AA5-44B2-9C95-CD8BBDB4EB8E}" type="datetimeFigureOut">
               <a:rPr kumimoji="1" lang="ja-JP" altLang="en-US" smtClean="0"/>
-              <a:t>2017/10/4</a:t>
+              <a:t>2017/10/6</a:t>
             </a:fld>
             <a:endParaRPr kumimoji="1" lang="ja-JP" altLang="en-US"/>
           </a:p>
@@ -719,7 +719,7 @@
     </p:spTree>
     <p:extLst>
       <p:ext uri="{BB962C8B-B14F-4D97-AF65-F5344CB8AC3E}">
-        <p14:creationId xmlns:p14="http://schemas.microsoft.com/office/powerpoint/2010/main" val="3515858377"/>
+        <p14:creationId xmlns:p14="http://schemas.microsoft.com/office/powerpoint/2010/main" val="2719390696"/>
       </p:ext>
     </p:extLst>
   </p:cSld>
@@ -870,7 +870,7 @@
           <a:p>
             <a:fld id="{53970A59-9AA5-44B2-9C95-CD8BBDB4EB8E}" type="datetimeFigureOut">
               <a:rPr kumimoji="1" lang="ja-JP" altLang="en-US" smtClean="0"/>
-              <a:t>2017/10/4</a:t>
+              <a:t>2017/10/6</a:t>
             </a:fld>
             <a:endParaRPr kumimoji="1" lang="ja-JP" altLang="en-US"/>
           </a:p>
@@ -921,7 +921,7 @@
     </p:spTree>
     <p:extLst>
       <p:ext uri="{BB962C8B-B14F-4D97-AF65-F5344CB8AC3E}">
-        <p14:creationId xmlns:p14="http://schemas.microsoft.com/office/powerpoint/2010/main" val="340918485"/>
+        <p14:creationId xmlns:p14="http://schemas.microsoft.com/office/powerpoint/2010/main" val="500307012"/>
       </p:ext>
     </p:extLst>
   </p:cSld>
@@ -960,8 +960,8 @@
         </p:nvSpPr>
         <p:spPr>
           <a:xfrm>
-            <a:off x="467916" y="2279653"/>
-            <a:ext cx="5915025" cy="3803649"/>
+            <a:off x="467916" y="2469624"/>
+            <a:ext cx="5915025" cy="4120620"/>
           </a:xfrm>
         </p:spPr>
         <p:txBody>
@@ -992,8 +992,8 @@
         </p:nvSpPr>
         <p:spPr>
           <a:xfrm>
-            <a:off x="467916" y="6119286"/>
-            <a:ext cx="5915025" cy="2000249"/>
+            <a:off x="467916" y="6629226"/>
+            <a:ext cx="5915025" cy="2166937"/>
           </a:xfrm>
         </p:spPr>
         <p:txBody>
@@ -1114,7 +1114,7 @@
           <a:p>
             <a:fld id="{53970A59-9AA5-44B2-9C95-CD8BBDB4EB8E}" type="datetimeFigureOut">
               <a:rPr kumimoji="1" lang="ja-JP" altLang="en-US" smtClean="0"/>
-              <a:t>2017/10/4</a:t>
+              <a:t>2017/10/6</a:t>
             </a:fld>
             <a:endParaRPr kumimoji="1" lang="ja-JP" altLang="en-US"/>
           </a:p>
@@ -1165,7 +1165,7 @@
     </p:spTree>
     <p:extLst>
       <p:ext uri="{BB962C8B-B14F-4D97-AF65-F5344CB8AC3E}">
-        <p14:creationId xmlns:p14="http://schemas.microsoft.com/office/powerpoint/2010/main" val="1539197569"/>
+        <p14:creationId xmlns:p14="http://schemas.microsoft.com/office/powerpoint/2010/main" val="3595548021"/>
       </p:ext>
     </p:extLst>
   </p:cSld>
@@ -1227,8 +1227,8 @@
         </p:nvSpPr>
         <p:spPr>
           <a:xfrm>
-            <a:off x="471488" y="2434167"/>
-            <a:ext cx="2914650" cy="5801784"/>
+            <a:off x="471488" y="2637014"/>
+            <a:ext cx="2914650" cy="6285266"/>
           </a:xfrm>
         </p:spPr>
         <p:txBody>
@@ -1316,8 +1316,8 @@
         </p:nvSpPr>
         <p:spPr>
           <a:xfrm>
-            <a:off x="3471863" y="2434167"/>
-            <a:ext cx="2914650" cy="5801784"/>
+            <a:off x="3471863" y="2637014"/>
+            <a:ext cx="2914650" cy="6285266"/>
           </a:xfrm>
         </p:spPr>
         <p:txBody>
@@ -1410,7 +1410,7 @@
           <a:p>
             <a:fld id="{53970A59-9AA5-44B2-9C95-CD8BBDB4EB8E}" type="datetimeFigureOut">
               <a:rPr kumimoji="1" lang="ja-JP" altLang="en-US" smtClean="0"/>
-              <a:t>2017/10/4</a:t>
+              <a:t>2017/10/6</a:t>
             </a:fld>
             <a:endParaRPr kumimoji="1" lang="ja-JP" altLang="en-US"/>
           </a:p>
@@ -1461,7 +1461,7 @@
     </p:spTree>
     <p:extLst>
       <p:ext uri="{BB962C8B-B14F-4D97-AF65-F5344CB8AC3E}">
-        <p14:creationId xmlns:p14="http://schemas.microsoft.com/office/powerpoint/2010/main" val="1989674672"/>
+        <p14:creationId xmlns:p14="http://schemas.microsoft.com/office/powerpoint/2010/main" val="3721319292"/>
       </p:ext>
     </p:extLst>
   </p:cSld>
@@ -1500,8 +1500,8 @@
         </p:nvSpPr>
         <p:spPr>
           <a:xfrm>
-            <a:off x="472381" y="486836"/>
-            <a:ext cx="5915025" cy="1767417"/>
+            <a:off x="472381" y="527405"/>
+            <a:ext cx="5915025" cy="1914702"/>
           </a:xfrm>
         </p:spPr>
         <p:txBody>
@@ -1528,8 +1528,8 @@
         </p:nvSpPr>
         <p:spPr>
           <a:xfrm>
-            <a:off x="472381" y="2241551"/>
-            <a:ext cx="2901255" cy="1098549"/>
+            <a:off x="472381" y="2428347"/>
+            <a:ext cx="2901255" cy="1190095"/>
           </a:xfrm>
         </p:spPr>
         <p:txBody>
@@ -1593,8 +1593,8 @@
         </p:nvSpPr>
         <p:spPr>
           <a:xfrm>
-            <a:off x="472381" y="3340100"/>
-            <a:ext cx="2901255" cy="4912784"/>
+            <a:off x="472381" y="3618442"/>
+            <a:ext cx="2901255" cy="5322183"/>
           </a:xfrm>
         </p:spPr>
         <p:txBody>
@@ -1682,8 +1682,8 @@
         </p:nvSpPr>
         <p:spPr>
           <a:xfrm>
-            <a:off x="3471863" y="2241551"/>
-            <a:ext cx="2915543" cy="1098549"/>
+            <a:off x="3471863" y="2428347"/>
+            <a:ext cx="2915543" cy="1190095"/>
           </a:xfrm>
         </p:spPr>
         <p:txBody>
@@ -1747,8 +1747,8 @@
         </p:nvSpPr>
         <p:spPr>
           <a:xfrm>
-            <a:off x="3471863" y="3340100"/>
-            <a:ext cx="2915543" cy="4912784"/>
+            <a:off x="3471863" y="3618442"/>
+            <a:ext cx="2915543" cy="5322183"/>
           </a:xfrm>
         </p:spPr>
         <p:txBody>
@@ -1841,7 +1841,7 @@
           <a:p>
             <a:fld id="{53970A59-9AA5-44B2-9C95-CD8BBDB4EB8E}" type="datetimeFigureOut">
               <a:rPr kumimoji="1" lang="ja-JP" altLang="en-US" smtClean="0"/>
-              <a:t>2017/10/4</a:t>
+              <a:t>2017/10/6</a:t>
             </a:fld>
             <a:endParaRPr kumimoji="1" lang="ja-JP" altLang="en-US"/>
           </a:p>
@@ -1892,7 +1892,7 @@
     </p:spTree>
     <p:extLst>
       <p:ext uri="{BB962C8B-B14F-4D97-AF65-F5344CB8AC3E}">
-        <p14:creationId xmlns:p14="http://schemas.microsoft.com/office/powerpoint/2010/main" val="1040508302"/>
+        <p14:creationId xmlns:p14="http://schemas.microsoft.com/office/powerpoint/2010/main" val="1382582742"/>
       </p:ext>
     </p:extLst>
   </p:cSld>
@@ -1959,7 +1959,7 @@
           <a:p>
             <a:fld id="{53970A59-9AA5-44B2-9C95-CD8BBDB4EB8E}" type="datetimeFigureOut">
               <a:rPr kumimoji="1" lang="ja-JP" altLang="en-US" smtClean="0"/>
-              <a:t>2017/10/4</a:t>
+              <a:t>2017/10/6</a:t>
             </a:fld>
             <a:endParaRPr kumimoji="1" lang="ja-JP" altLang="en-US"/>
           </a:p>
@@ -2010,7 +2010,7 @@
     </p:spTree>
     <p:extLst>
       <p:ext uri="{BB962C8B-B14F-4D97-AF65-F5344CB8AC3E}">
-        <p14:creationId xmlns:p14="http://schemas.microsoft.com/office/powerpoint/2010/main" val="461547377"/>
+        <p14:creationId xmlns:p14="http://schemas.microsoft.com/office/powerpoint/2010/main" val="3994555400"/>
       </p:ext>
     </p:extLst>
   </p:cSld>
@@ -2054,7 +2054,7 @@
           <a:p>
             <a:fld id="{53970A59-9AA5-44B2-9C95-CD8BBDB4EB8E}" type="datetimeFigureOut">
               <a:rPr kumimoji="1" lang="ja-JP" altLang="en-US" smtClean="0"/>
-              <a:t>2017/10/4</a:t>
+              <a:t>2017/10/6</a:t>
             </a:fld>
             <a:endParaRPr kumimoji="1" lang="ja-JP" altLang="en-US"/>
           </a:p>
@@ -2105,7 +2105,7 @@
     </p:spTree>
     <p:extLst>
       <p:ext uri="{BB962C8B-B14F-4D97-AF65-F5344CB8AC3E}">
-        <p14:creationId xmlns:p14="http://schemas.microsoft.com/office/powerpoint/2010/main" val="1246181816"/>
+        <p14:creationId xmlns:p14="http://schemas.microsoft.com/office/powerpoint/2010/main" val="2714281697"/>
       </p:ext>
     </p:extLst>
   </p:cSld>
@@ -2144,8 +2144,8 @@
         </p:nvSpPr>
         <p:spPr>
           <a:xfrm>
-            <a:off x="472381" y="609600"/>
-            <a:ext cx="2211884" cy="2133600"/>
+            <a:off x="472381" y="660400"/>
+            <a:ext cx="2211884" cy="2311400"/>
           </a:xfrm>
         </p:spPr>
         <p:txBody>
@@ -2176,8 +2176,8 @@
         </p:nvSpPr>
         <p:spPr>
           <a:xfrm>
-            <a:off x="2915543" y="1316569"/>
-            <a:ext cx="3471863" cy="6498167"/>
+            <a:off x="2915543" y="1426283"/>
+            <a:ext cx="3471863" cy="7039681"/>
           </a:xfrm>
         </p:spPr>
         <p:txBody>
@@ -2293,8 +2293,8 @@
         </p:nvSpPr>
         <p:spPr>
           <a:xfrm>
-            <a:off x="472381" y="2743200"/>
-            <a:ext cx="2211884" cy="5082117"/>
+            <a:off x="472381" y="2971800"/>
+            <a:ext cx="2211884" cy="5505627"/>
           </a:xfrm>
         </p:spPr>
         <p:txBody>
@@ -2363,7 +2363,7 @@
           <a:p>
             <a:fld id="{53970A59-9AA5-44B2-9C95-CD8BBDB4EB8E}" type="datetimeFigureOut">
               <a:rPr kumimoji="1" lang="ja-JP" altLang="en-US" smtClean="0"/>
-              <a:t>2017/10/4</a:t>
+              <a:t>2017/10/6</a:t>
             </a:fld>
             <a:endParaRPr kumimoji="1" lang="ja-JP" altLang="en-US"/>
           </a:p>
@@ -2414,7 +2414,7 @@
     </p:spTree>
     <p:extLst>
       <p:ext uri="{BB962C8B-B14F-4D97-AF65-F5344CB8AC3E}">
-        <p14:creationId xmlns:p14="http://schemas.microsoft.com/office/powerpoint/2010/main" val="1363385897"/>
+        <p14:creationId xmlns:p14="http://schemas.microsoft.com/office/powerpoint/2010/main" val="2844646123"/>
       </p:ext>
     </p:extLst>
   </p:cSld>
@@ -2453,8 +2453,8 @@
         </p:nvSpPr>
         <p:spPr>
           <a:xfrm>
-            <a:off x="472381" y="609600"/>
-            <a:ext cx="2211884" cy="2133600"/>
+            <a:off x="472381" y="660400"/>
+            <a:ext cx="2211884" cy="2311400"/>
           </a:xfrm>
         </p:spPr>
         <p:txBody>
@@ -2485,8 +2485,8 @@
         </p:nvSpPr>
         <p:spPr>
           <a:xfrm>
-            <a:off x="2915543" y="1316569"/>
-            <a:ext cx="3471863" cy="6498167"/>
+            <a:off x="2915543" y="1426283"/>
+            <a:ext cx="3471863" cy="7039681"/>
           </a:xfrm>
         </p:spPr>
         <p:txBody>
@@ -2550,8 +2550,8 @@
         </p:nvSpPr>
         <p:spPr>
           <a:xfrm>
-            <a:off x="472381" y="2743200"/>
-            <a:ext cx="2211884" cy="5082117"/>
+            <a:off x="472381" y="2971800"/>
+            <a:ext cx="2211884" cy="5505627"/>
           </a:xfrm>
         </p:spPr>
         <p:txBody>
@@ -2620,7 +2620,7 @@
           <a:p>
             <a:fld id="{53970A59-9AA5-44B2-9C95-CD8BBDB4EB8E}" type="datetimeFigureOut">
               <a:rPr kumimoji="1" lang="ja-JP" altLang="en-US" smtClean="0"/>
-              <a:t>2017/10/4</a:t>
+              <a:t>2017/10/6</a:t>
             </a:fld>
             <a:endParaRPr kumimoji="1" lang="ja-JP" altLang="en-US"/>
           </a:p>
@@ -2671,7 +2671,7 @@
     </p:spTree>
     <p:extLst>
       <p:ext uri="{BB962C8B-B14F-4D97-AF65-F5344CB8AC3E}">
-        <p14:creationId xmlns:p14="http://schemas.microsoft.com/office/powerpoint/2010/main" val="1709050979"/>
+        <p14:creationId xmlns:p14="http://schemas.microsoft.com/office/powerpoint/2010/main" val="187363476"/>
       </p:ext>
     </p:extLst>
   </p:cSld>
@@ -2715,8 +2715,8 @@
         </p:nvSpPr>
         <p:spPr>
           <a:xfrm>
-            <a:off x="471488" y="486836"/>
-            <a:ext cx="5915025" cy="1767417"/>
+            <a:off x="471488" y="527405"/>
+            <a:ext cx="5915025" cy="1914702"/>
           </a:xfrm>
           <a:prstGeom prst="rect">
             <a:avLst/>
@@ -2748,8 +2748,8 @@
         </p:nvSpPr>
         <p:spPr>
           <a:xfrm>
-            <a:off x="471488" y="2434167"/>
-            <a:ext cx="5915025" cy="5801784"/>
+            <a:off x="471488" y="2637014"/>
+            <a:ext cx="5915025" cy="6285266"/>
           </a:xfrm>
           <a:prstGeom prst="rect">
             <a:avLst/>
@@ -2842,8 +2842,8 @@
         </p:nvSpPr>
         <p:spPr>
           <a:xfrm>
-            <a:off x="471488" y="8475136"/>
-            <a:ext cx="1543050" cy="486833"/>
+            <a:off x="471488" y="9181397"/>
+            <a:ext cx="1543050" cy="527403"/>
           </a:xfrm>
           <a:prstGeom prst="rect">
             <a:avLst/>
@@ -2865,7 +2865,7 @@
           <a:p>
             <a:fld id="{53970A59-9AA5-44B2-9C95-CD8BBDB4EB8E}" type="datetimeFigureOut">
               <a:rPr kumimoji="1" lang="ja-JP" altLang="en-US" smtClean="0"/>
-              <a:t>2017/10/4</a:t>
+              <a:t>2017/10/6</a:t>
             </a:fld>
             <a:endParaRPr kumimoji="1" lang="ja-JP" altLang="en-US"/>
           </a:p>
@@ -2883,8 +2883,8 @@
         </p:nvSpPr>
         <p:spPr>
           <a:xfrm>
-            <a:off x="2271713" y="8475136"/>
-            <a:ext cx="2314575" cy="486833"/>
+            <a:off x="2271713" y="9181397"/>
+            <a:ext cx="2314575" cy="527403"/>
           </a:xfrm>
           <a:prstGeom prst="rect">
             <a:avLst/>
@@ -2920,8 +2920,8 @@
         </p:nvSpPr>
         <p:spPr>
           <a:xfrm>
-            <a:off x="4843463" y="8475136"/>
-            <a:ext cx="1543050" cy="486833"/>
+            <a:off x="4843463" y="9181397"/>
+            <a:ext cx="1543050" cy="527403"/>
           </a:xfrm>
           <a:prstGeom prst="rect">
             <a:avLst/>
@@ -2952,23 +2952,23 @@
     </p:spTree>
     <p:extLst>
       <p:ext uri="{BB962C8B-B14F-4D97-AF65-F5344CB8AC3E}">
-        <p14:creationId xmlns:p14="http://schemas.microsoft.com/office/powerpoint/2010/main" val="3283252310"/>
+        <p14:creationId xmlns:p14="http://schemas.microsoft.com/office/powerpoint/2010/main" val="1358890087"/>
       </p:ext>
     </p:extLst>
   </p:cSld>
   <p:clrMap bg1="lt1" tx1="dk1" bg2="lt2" tx2="dk2" accent1="accent1" accent2="accent2" accent3="accent3" accent4="accent4" accent5="accent5" accent6="accent6" hlink="hlink" folHlink="folHlink"/>
   <p:sldLayoutIdLst>
-    <p:sldLayoutId id="2147483673" r:id="rId1"/>
-    <p:sldLayoutId id="2147483674" r:id="rId2"/>
-    <p:sldLayoutId id="2147483675" r:id="rId3"/>
-    <p:sldLayoutId id="2147483676" r:id="rId4"/>
-    <p:sldLayoutId id="2147483677" r:id="rId5"/>
-    <p:sldLayoutId id="2147483678" r:id="rId6"/>
-    <p:sldLayoutId id="2147483679" r:id="rId7"/>
-    <p:sldLayoutId id="2147483680" r:id="rId8"/>
-    <p:sldLayoutId id="2147483681" r:id="rId9"/>
-    <p:sldLayoutId id="2147483682" r:id="rId10"/>
-    <p:sldLayoutId id="2147483683" r:id="rId11"/>
+    <p:sldLayoutId id="2147483685" r:id="rId1"/>
+    <p:sldLayoutId id="2147483686" r:id="rId2"/>
+    <p:sldLayoutId id="2147483687" r:id="rId3"/>
+    <p:sldLayoutId id="2147483688" r:id="rId4"/>
+    <p:sldLayoutId id="2147483689" r:id="rId5"/>
+    <p:sldLayoutId id="2147483690" r:id="rId6"/>
+    <p:sldLayoutId id="2147483691" r:id="rId7"/>
+    <p:sldLayoutId id="2147483692" r:id="rId8"/>
+    <p:sldLayoutId id="2147483693" r:id="rId9"/>
+    <p:sldLayoutId id="2147483694" r:id="rId10"/>
+    <p:sldLayoutId id="2147483695" r:id="rId11"/>
   </p:sldLayoutIdLst>
   <p:txStyles>
     <p:titleStyle>
@@ -3278,26 +3278,32 @@
         </p:nvSpPr>
         <p:spPr>
           <a:xfrm>
-            <a:off x="3150696" y="1420051"/>
-            <a:ext cx="3443287" cy="618092"/>
+            <a:off x="2960197" y="1470893"/>
+            <a:ext cx="3726355" cy="618092"/>
           </a:xfrm>
           <a:prstGeom prst="wedgeRectCallout">
             <a:avLst>
-              <a:gd name="adj1" fmla="val -75038"/>
-              <a:gd name="adj2" fmla="val -25500"/>
+              <a:gd name="adj1" fmla="val -58464"/>
+              <a:gd name="adj2" fmla="val -23959"/>
             </a:avLst>
           </a:prstGeom>
-          <a:ln/>
+          <a:ln>
+            <a:solidFill>
+              <a:schemeClr val="bg1">
+                <a:lumMod val="65000"/>
+              </a:schemeClr>
+            </a:solidFill>
+          </a:ln>
         </p:spPr>
         <p:style>
           <a:lnRef idx="2">
-            <a:schemeClr val="accent6"/>
+            <a:schemeClr val="accent3"/>
           </a:lnRef>
           <a:fillRef idx="1">
             <a:schemeClr val="lt1"/>
           </a:fillRef>
           <a:effectRef idx="0">
-            <a:schemeClr val="accent6"/>
+            <a:schemeClr val="accent3"/>
           </a:effectRef>
           <a:fontRef idx="minor">
             <a:schemeClr val="dk1"/>
@@ -3309,22 +3315,25 @@
           <a:p>
             <a:pPr algn="ctr"/>
             <a:r>
-              <a:rPr lang="ja-JP" altLang="en-US" dirty="0"/>
-              <a:t>特徴が社交的・現実的・人情家・規則の場合、</a:t>
-            </a:r>
-            <a:r>
-              <a:rPr lang="en-US" altLang="ja-JP" sz="2000" u="sng" dirty="0"/>
+              <a:rPr lang="ja-JP" altLang="en-US" sz="1600" dirty="0"/>
+              <a:t>特徴が社交的・現実的・人情家・規則</a:t>
+            </a:r>
+            <a:endParaRPr lang="en-US" altLang="ja-JP" sz="1600" dirty="0"/>
+          </a:p>
+          <a:p>
+            <a:pPr algn="ctr"/>
+            <a:r>
+              <a:rPr lang="ja-JP" altLang="en-US" sz="1600" dirty="0"/>
+              <a:t>の場合、</a:t>
+            </a:r>
+            <a:r>
+              <a:rPr lang="en-US" altLang="ja-JP" u="sng" dirty="0"/>
               <a:t>ESFJ</a:t>
             </a:r>
             <a:r>
-              <a:rPr lang="ja-JP" altLang="en-US" dirty="0"/>
-              <a:t>と</a:t>
-            </a:r>
-            <a:r>
-              <a:rPr lang="ja-JP" altLang="en-US" dirty="0" smtClean="0"/>
-              <a:t>なる</a:t>
-            </a:r>
-            <a:endParaRPr lang="ja-JP" altLang="en-US" dirty="0"/>
+              <a:rPr lang="ja-JP" altLang="en-US" sz="1600" dirty="0"/>
+              <a:t>となる</a:t>
+            </a:r>
           </a:p>
         </p:txBody>
       </p:sp>
@@ -3336,7 +3345,7 @@
         </p:nvSpPr>
         <p:spPr>
           <a:xfrm>
-            <a:off x="495464" y="131046"/>
+            <a:off x="495464" y="82889"/>
             <a:ext cx="5871642" cy="762907"/>
           </a:xfrm>
           <a:prstGeom prst="flowChartAlternateProcess">
@@ -3371,7 +3380,7 @@
           <a:p>
             <a:pPr algn="ctr"/>
             <a:r>
-              <a:rPr lang="ja-JP" altLang="en-US" sz="2400" dirty="0" smtClean="0">
+              <a:rPr lang="ja-JP" altLang="en-US" sz="2800" dirty="0">
                 <a:solidFill>
                   <a:schemeClr val="tx1"/>
                 </a:solidFill>
@@ -3381,7 +3390,7 @@
               <a:t>プロジェクトで発生するリスクの</a:t>
             </a:r>
             <a:r>
-              <a:rPr lang="en-US" altLang="ja-JP" sz="2400" dirty="0" smtClean="0">
+              <a:rPr lang="en-US" altLang="ja-JP" sz="2800" dirty="0">
                 <a:solidFill>
                   <a:schemeClr val="tx1"/>
                 </a:solidFill>
@@ -3391,7 +3400,7 @@
               <a:t/>
             </a:r>
             <a:br>
-              <a:rPr lang="en-US" altLang="ja-JP" sz="2400" dirty="0" smtClean="0">
+              <a:rPr lang="en-US" altLang="ja-JP" sz="2800" dirty="0">
                 <a:solidFill>
                   <a:schemeClr val="tx1"/>
                 </a:solidFill>
@@ -3400,7 +3409,7 @@
               </a:rPr>
             </a:br>
             <a:r>
-              <a:rPr lang="en-US" altLang="ja-JP" sz="2400" dirty="0" smtClean="0">
+              <a:rPr lang="en-US" altLang="ja-JP" sz="2800" dirty="0">
                 <a:solidFill>
                   <a:schemeClr val="tx1"/>
                 </a:solidFill>
@@ -3410,7 +3419,7 @@
               <a:t>MBTI</a:t>
             </a:r>
             <a:r>
-              <a:rPr lang="ja-JP" altLang="en-US" sz="2400" dirty="0" smtClean="0">
+              <a:rPr lang="ja-JP" altLang="en-US" sz="2800" dirty="0">
                 <a:solidFill>
                   <a:schemeClr val="tx1"/>
                 </a:solidFill>
@@ -3419,7 +3428,7 @@
               </a:rPr>
               <a:t>を用いた事前予測</a:t>
             </a:r>
-            <a:endParaRPr lang="en-US" altLang="ja-JP" sz="2400" dirty="0" smtClean="0">
+            <a:endParaRPr lang="en-US" altLang="ja-JP" sz="2400" dirty="0">
               <a:solidFill>
                 <a:schemeClr val="tx1"/>
               </a:solidFill>
@@ -3441,7 +3450,7 @@
         </p:nvSpPr>
         <p:spPr>
           <a:xfrm>
-            <a:off x="883212" y="892484"/>
+            <a:off x="883213" y="906175"/>
             <a:ext cx="5106307" cy="295370"/>
           </a:xfrm>
         </p:spPr>
@@ -3496,7 +3505,7 @@
         </p:nvSpPr>
         <p:spPr>
           <a:xfrm>
-            <a:off x="465230" y="1197546"/>
+            <a:off x="182445" y="1248388"/>
             <a:ext cx="807474" cy="381000"/>
           </a:xfrm>
           <a:prstGeom prst="rect">
@@ -3504,9 +3513,7 @@
           </a:prstGeom>
           <a:ln>
             <a:solidFill>
-              <a:schemeClr val="accent6">
-                <a:lumMod val="75000"/>
-              </a:schemeClr>
+              <a:srgbClr val="00B050"/>
             </a:solidFill>
           </a:ln>
         </p:spPr>
@@ -3530,10 +3537,9 @@
           <a:p>
             <a:pPr algn="ctr"/>
             <a:r>
-              <a:rPr kumimoji="1" lang="ja-JP" altLang="en-US" dirty="0" smtClean="0"/>
+              <a:rPr lang="ja-JP" altLang="en-US" dirty="0"/>
               <a:t>背景</a:t>
             </a:r>
-            <a:endParaRPr kumimoji="1" lang="ja-JP" altLang="en-US" dirty="0"/>
           </a:p>
         </p:txBody>
       </p:sp>
@@ -3545,7 +3551,7 @@
         </p:nvSpPr>
         <p:spPr>
           <a:xfrm>
-            <a:off x="3615085" y="3649793"/>
+            <a:off x="3510435" y="3841989"/>
             <a:ext cx="1189144" cy="381000"/>
           </a:xfrm>
           <a:prstGeom prst="rect">
@@ -3553,9 +3559,7 @@
           </a:prstGeom>
           <a:ln>
             <a:solidFill>
-              <a:schemeClr val="accent6">
-                <a:lumMod val="75000"/>
-              </a:schemeClr>
+              <a:srgbClr val="00B050"/>
             </a:solidFill>
           </a:ln>
         </p:spPr>
@@ -3579,10 +3583,9 @@
           <a:p>
             <a:pPr algn="ctr"/>
             <a:r>
-              <a:rPr kumimoji="1" lang="ja-JP" altLang="en-US" dirty="0" smtClean="0"/>
+              <a:rPr lang="ja-JP" altLang="en-US" dirty="0"/>
               <a:t>研究方法</a:t>
             </a:r>
-            <a:endParaRPr kumimoji="1" lang="ja-JP" altLang="en-US" dirty="0"/>
           </a:p>
         </p:txBody>
       </p:sp>
@@ -3594,7 +3597,7 @@
         </p:nvSpPr>
         <p:spPr>
           <a:xfrm>
-            <a:off x="495464" y="6624515"/>
+            <a:off x="182445" y="7575440"/>
             <a:ext cx="1127596" cy="381000"/>
           </a:xfrm>
           <a:prstGeom prst="rect">
@@ -3602,9 +3605,7 @@
           </a:prstGeom>
           <a:ln>
             <a:solidFill>
-              <a:schemeClr val="accent6">
-                <a:lumMod val="75000"/>
-              </a:schemeClr>
+              <a:srgbClr val="00B050"/>
             </a:solidFill>
           </a:ln>
         </p:spPr>
@@ -3628,10 +3629,9 @@
           <a:p>
             <a:pPr algn="ctr"/>
             <a:r>
-              <a:rPr kumimoji="1" lang="ja-JP" altLang="en-US" dirty="0" smtClean="0"/>
+              <a:rPr lang="ja-JP" altLang="en-US" dirty="0"/>
               <a:t>進捗状況</a:t>
             </a:r>
-            <a:endParaRPr kumimoji="1" lang="ja-JP" altLang="en-US" dirty="0"/>
           </a:p>
         </p:txBody>
       </p:sp>
@@ -3643,7 +3643,7 @@
         </p:nvSpPr>
         <p:spPr>
           <a:xfrm>
-            <a:off x="465230" y="3649793"/>
+            <a:off x="182445" y="3841989"/>
             <a:ext cx="807474" cy="381000"/>
           </a:xfrm>
           <a:prstGeom prst="rect">
@@ -3651,9 +3651,7 @@
           </a:prstGeom>
           <a:ln>
             <a:solidFill>
-              <a:schemeClr val="accent6">
-                <a:lumMod val="75000"/>
-              </a:schemeClr>
+              <a:srgbClr val="00B050"/>
             </a:solidFill>
           </a:ln>
         </p:spPr>
@@ -3677,10 +3675,9 @@
           <a:p>
             <a:pPr algn="ctr"/>
             <a:r>
-              <a:rPr kumimoji="1" lang="ja-JP" altLang="en-US" dirty="0" smtClean="0"/>
+              <a:rPr lang="ja-JP" altLang="en-US" dirty="0"/>
               <a:t>目的</a:t>
             </a:r>
-            <a:endParaRPr kumimoji="1" lang="ja-JP" altLang="en-US" dirty="0"/>
           </a:p>
         </p:txBody>
       </p:sp>
@@ -3692,7 +3689,7 @@
         </p:nvSpPr>
         <p:spPr>
           <a:xfrm>
-            <a:off x="3615085" y="6624515"/>
+            <a:off x="3481860" y="7575440"/>
             <a:ext cx="1455174" cy="381000"/>
           </a:xfrm>
           <a:prstGeom prst="rect">
@@ -3700,9 +3697,7 @@
           </a:prstGeom>
           <a:ln>
             <a:solidFill>
-              <a:schemeClr val="accent6">
-                <a:lumMod val="75000"/>
-              </a:schemeClr>
+              <a:srgbClr val="00B050"/>
             </a:solidFill>
           </a:ln>
         </p:spPr>
@@ -3726,10 +3721,9 @@
           <a:p>
             <a:pPr algn="ctr"/>
             <a:r>
-              <a:rPr kumimoji="1" lang="ja-JP" altLang="en-US" dirty="0" smtClean="0"/>
+              <a:rPr lang="ja-JP" altLang="en-US" dirty="0"/>
               <a:t>今後の計画</a:t>
             </a:r>
-            <a:endParaRPr kumimoji="1" lang="ja-JP" altLang="en-US" dirty="0"/>
           </a:p>
         </p:txBody>
       </p:sp>
@@ -3741,7 +3735,7 @@
         </p:nvGrpSpPr>
         <p:grpSpPr>
           <a:xfrm>
-            <a:off x="507062" y="1367431"/>
+            <a:off x="228738" y="1418274"/>
             <a:ext cx="2543011" cy="1518381"/>
             <a:chOff x="254000" y="1094473"/>
             <a:chExt cx="2341563" cy="1418592"/>
@@ -3793,6 +3787,13 @@
                   <a:avLst/>
                 </a:prstGeom>
                 <a:grpFill/>
+                <a:ln>
+                  <a:solidFill>
+                    <a:schemeClr val="accent1">
+                      <a:lumMod val="75000"/>
+                    </a:schemeClr>
+                  </a:solidFill>
+                </a:ln>
               </p:spPr>
               <p:style>
                 <a:lnRef idx="2">
@@ -3814,14 +3815,14 @@
                 <a:p>
                   <a:pPr algn="ctr"/>
                   <a:r>
-                    <a:rPr lang="ja-JP" altLang="en-US" sz="1600" dirty="0" smtClean="0"/>
+                    <a:rPr lang="ja-JP" altLang="en-US" sz="1600" dirty="0"/>
                     <a:t>内向</a:t>
                   </a:r>
                   <a:r>
-                    <a:rPr lang="en-US" altLang="ja-JP" sz="1600" dirty="0" smtClean="0"/>
+                    <a:rPr lang="en-US" altLang="ja-JP" sz="1600" dirty="0"/>
                     <a:t>:I</a:t>
                   </a:r>
-                  <a:endParaRPr kumimoji="1" lang="ja-JP" altLang="en-US" sz="1600" dirty="0"/>
+                  <a:endParaRPr lang="ja-JP" altLang="en-US" sz="1600" dirty="0"/>
                 </a:p>
               </p:txBody>
             </p:sp>
@@ -3840,6 +3841,11 @@
                   <a:avLst/>
                 </a:prstGeom>
                 <a:grpFill/>
+                <a:ln>
+                  <a:solidFill>
+                    <a:srgbClr val="FF0000"/>
+                  </a:solidFill>
+                </a:ln>
               </p:spPr>
               <p:style>
                 <a:lnRef idx="2">
@@ -3861,14 +3867,14 @@
                 <a:p>
                   <a:pPr algn="ctr"/>
                   <a:r>
-                    <a:rPr lang="ja-JP" altLang="en-US" sz="1600" dirty="0" smtClean="0"/>
+                    <a:rPr lang="ja-JP" altLang="en-US" sz="1600" dirty="0"/>
                     <a:t>外向</a:t>
                   </a:r>
                   <a:r>
-                    <a:rPr lang="en-US" altLang="ja-JP" sz="1600" dirty="0" smtClean="0"/>
+                    <a:rPr lang="en-US" altLang="ja-JP" sz="1600" dirty="0"/>
                     <a:t>:E</a:t>
                   </a:r>
-                  <a:endParaRPr kumimoji="1" lang="ja-JP" altLang="en-US" sz="1600" dirty="0"/>
+                  <a:endParaRPr lang="ja-JP" altLang="en-US" sz="1600" dirty="0"/>
                 </a:p>
               </p:txBody>
             </p:sp>
@@ -3912,10 +3918,10 @@
                 <a:lstStyle/>
                 <a:p>
                   <a:r>
-                    <a:rPr kumimoji="1" lang="en-US" altLang="ja-JP" dirty="0" smtClean="0"/>
+                    <a:rPr lang="en-US" altLang="ja-JP" dirty="0"/>
                     <a:t>or</a:t>
                   </a:r>
-                  <a:endParaRPr kumimoji="1" lang="ja-JP" altLang="en-US" dirty="0"/>
+                  <a:endParaRPr lang="ja-JP" altLang="en-US" dirty="0"/>
                 </a:p>
               </p:txBody>
             </p:sp>
@@ -3950,6 +3956,13 @@
                   <a:avLst/>
                 </a:prstGeom>
                 <a:grpFill/>
+                <a:ln>
+                  <a:solidFill>
+                    <a:schemeClr val="accent1">
+                      <a:lumMod val="75000"/>
+                    </a:schemeClr>
+                  </a:solidFill>
+                </a:ln>
               </p:spPr>
               <p:style>
                 <a:lnRef idx="2">
@@ -3975,10 +3988,10 @@
                     <a:t>感覚</a:t>
                   </a:r>
                   <a:r>
-                    <a:rPr lang="en-US" altLang="ja-JP" sz="1600" dirty="0" smtClean="0"/>
+                    <a:rPr lang="en-US" altLang="ja-JP" sz="1600" dirty="0"/>
                     <a:t>:S</a:t>
                   </a:r>
-                  <a:endParaRPr kumimoji="1" lang="ja-JP" altLang="en-US" sz="1600" dirty="0"/>
+                  <a:endParaRPr lang="ja-JP" altLang="en-US" sz="1600" dirty="0"/>
                 </a:p>
               </p:txBody>
             </p:sp>
@@ -3997,6 +4010,11 @@
                   <a:avLst/>
                 </a:prstGeom>
                 <a:grpFill/>
+                <a:ln>
+                  <a:solidFill>
+                    <a:srgbClr val="FF0000"/>
+                  </a:solidFill>
+                </a:ln>
               </p:spPr>
               <p:style>
                 <a:lnRef idx="2">
@@ -4018,14 +4036,14 @@
                 <a:p>
                   <a:pPr algn="ctr"/>
                   <a:r>
-                    <a:rPr lang="ja-JP" altLang="en-US" sz="1600" dirty="0" smtClean="0"/>
+                    <a:rPr lang="ja-JP" altLang="en-US" sz="1600" dirty="0"/>
                     <a:t>直感</a:t>
                   </a:r>
                   <a:r>
-                    <a:rPr lang="en-US" altLang="ja-JP" sz="1600" dirty="0" smtClean="0"/>
+                    <a:rPr lang="en-US" altLang="ja-JP" sz="1600" dirty="0"/>
                     <a:t>:N</a:t>
                   </a:r>
-                  <a:endParaRPr kumimoji="1" lang="ja-JP" altLang="en-US" sz="1600" dirty="0"/>
+                  <a:endParaRPr lang="ja-JP" altLang="en-US" sz="1600" dirty="0"/>
                 </a:p>
               </p:txBody>
             </p:sp>
@@ -4069,10 +4087,10 @@
                 <a:lstStyle/>
                 <a:p>
                   <a:r>
-                    <a:rPr kumimoji="1" lang="en-US" altLang="ja-JP" dirty="0" smtClean="0"/>
+                    <a:rPr lang="en-US" altLang="ja-JP" dirty="0"/>
                     <a:t>or</a:t>
                   </a:r>
-                  <a:endParaRPr kumimoji="1" lang="ja-JP" altLang="en-US" dirty="0"/>
+                  <a:endParaRPr lang="ja-JP" altLang="en-US" dirty="0"/>
                 </a:p>
               </p:txBody>
             </p:sp>
@@ -4107,6 +4125,13 @@
                   <a:avLst/>
                 </a:prstGeom>
                 <a:grpFill/>
+                <a:ln>
+                  <a:solidFill>
+                    <a:schemeClr val="accent1">
+                      <a:lumMod val="75000"/>
+                    </a:schemeClr>
+                  </a:solidFill>
+                </a:ln>
               </p:spPr>
               <p:style>
                 <a:lnRef idx="2">
@@ -4132,10 +4157,10 @@
                     <a:t>思考</a:t>
                   </a:r>
                   <a:r>
-                    <a:rPr lang="en-US" altLang="ja-JP" sz="1600" dirty="0" smtClean="0"/>
+                    <a:rPr lang="en-US" altLang="ja-JP" sz="1600" dirty="0"/>
                     <a:t>:T</a:t>
                   </a:r>
-                  <a:endParaRPr kumimoji="1" lang="ja-JP" altLang="en-US" sz="1600" dirty="0"/>
+                  <a:endParaRPr lang="ja-JP" altLang="en-US" sz="1600" dirty="0"/>
                 </a:p>
               </p:txBody>
             </p:sp>
@@ -4154,6 +4179,11 @@
                   <a:avLst/>
                 </a:prstGeom>
                 <a:grpFill/>
+                <a:ln>
+                  <a:solidFill>
+                    <a:srgbClr val="FF0000"/>
+                  </a:solidFill>
+                </a:ln>
               </p:spPr>
               <p:style>
                 <a:lnRef idx="2">
@@ -4179,10 +4209,10 @@
                     <a:t>感情</a:t>
                   </a:r>
                   <a:r>
-                    <a:rPr lang="en-US" altLang="ja-JP" sz="1600" dirty="0" smtClean="0"/>
+                    <a:rPr lang="en-US" altLang="ja-JP" sz="1600" dirty="0"/>
                     <a:t>:F</a:t>
                   </a:r>
-                  <a:endParaRPr kumimoji="1" lang="ja-JP" altLang="en-US" sz="1600" dirty="0"/>
+                  <a:endParaRPr lang="ja-JP" altLang="en-US" sz="1600" dirty="0"/>
                 </a:p>
               </p:txBody>
             </p:sp>
@@ -4226,10 +4256,10 @@
                 <a:lstStyle/>
                 <a:p>
                   <a:r>
-                    <a:rPr kumimoji="1" lang="en-US" altLang="ja-JP" dirty="0" smtClean="0"/>
+                    <a:rPr lang="en-US" altLang="ja-JP" dirty="0"/>
                     <a:t>or</a:t>
                   </a:r>
-                  <a:endParaRPr kumimoji="1" lang="ja-JP" altLang="en-US" dirty="0"/>
+                  <a:endParaRPr lang="ja-JP" altLang="en-US" dirty="0"/>
                 </a:p>
               </p:txBody>
             </p:sp>
@@ -4264,6 +4294,13 @@
                   <a:avLst/>
                 </a:prstGeom>
                 <a:grpFill/>
+                <a:ln>
+                  <a:solidFill>
+                    <a:schemeClr val="accent1">
+                      <a:lumMod val="75000"/>
+                    </a:schemeClr>
+                  </a:solidFill>
+                </a:ln>
               </p:spPr>
               <p:style>
                 <a:lnRef idx="2">
@@ -4289,10 +4326,10 @@
                     <a:t>規則</a:t>
                   </a:r>
                   <a:r>
-                    <a:rPr lang="en-US" altLang="ja-JP" sz="1600" dirty="0" smtClean="0"/>
+                    <a:rPr lang="en-US" altLang="ja-JP" sz="1600" dirty="0"/>
                     <a:t>:J</a:t>
                   </a:r>
-                  <a:endParaRPr kumimoji="1" lang="ja-JP" altLang="en-US" sz="1600" dirty="0"/>
+                  <a:endParaRPr lang="ja-JP" altLang="en-US" sz="1600" dirty="0"/>
                 </a:p>
               </p:txBody>
             </p:sp>
@@ -4311,6 +4348,11 @@
                   <a:avLst/>
                 </a:prstGeom>
                 <a:grpFill/>
+                <a:ln>
+                  <a:solidFill>
+                    <a:srgbClr val="FF0000"/>
+                  </a:solidFill>
+                </a:ln>
               </p:spPr>
               <p:style>
                 <a:lnRef idx="2">
@@ -4332,14 +4374,14 @@
                 <a:p>
                   <a:pPr algn="ctr"/>
                   <a:r>
-                    <a:rPr lang="ja-JP" altLang="en-US" sz="1600" dirty="0" smtClean="0"/>
+                    <a:rPr lang="ja-JP" altLang="en-US" sz="1600" dirty="0"/>
                     <a:t>柔軟</a:t>
                   </a:r>
                   <a:r>
-                    <a:rPr lang="en-US" altLang="ja-JP" sz="1600" dirty="0" smtClean="0"/>
+                    <a:rPr lang="en-US" altLang="ja-JP" sz="1600" dirty="0"/>
                     <a:t>:P</a:t>
                   </a:r>
-                  <a:endParaRPr kumimoji="1" lang="ja-JP" altLang="en-US" sz="1600" dirty="0"/>
+                  <a:endParaRPr lang="ja-JP" altLang="en-US" sz="1600" dirty="0"/>
                 </a:p>
               </p:txBody>
             </p:sp>
@@ -4383,10 +4425,10 @@
                 <a:lstStyle/>
                 <a:p>
                   <a:r>
-                    <a:rPr kumimoji="1" lang="en-US" altLang="ja-JP" dirty="0" smtClean="0"/>
+                    <a:rPr lang="en-US" altLang="ja-JP" dirty="0"/>
                     <a:t>or</a:t>
                   </a:r>
-                  <a:endParaRPr kumimoji="1" lang="ja-JP" altLang="en-US" dirty="0"/>
+                  <a:endParaRPr lang="ja-JP" altLang="en-US" dirty="0"/>
                 </a:p>
               </p:txBody>
             </p:sp>
@@ -4433,7 +4475,15 @@
             <a:p>
               <a:pPr algn="ctr"/>
               <a:r>
-                <a:rPr kumimoji="1" lang="en-US" altLang="ja-JP" sz="2000" dirty="0" smtClean="0"/>
+                <a:rPr lang="en-US" altLang="ja-JP" sz="2000" b="1" dirty="0">
+                  <a:effectLst>
+                    <a:outerShdw blurRad="38100" dist="38100" dir="2700000" algn="tl">
+                      <a:srgbClr val="000000">
+                        <a:alpha val="43137"/>
+                      </a:srgbClr>
+                    </a:outerShdw>
+                  </a:effectLst>
+                </a:rPr>
                 <a:t>MBTI</a:t>
               </a:r>
             </a:p>
@@ -4442,19 +4492,192 @@
       </p:grpSp>
       <p:sp>
         <p:nvSpPr>
-          <p:cNvPr id="32" name="テキスト ボックス 31"/>
+          <p:cNvPr id="33" name="テキスト ボックス 32"/>
           <p:cNvSpPr txBox="1"/>
           <p:nvPr/>
         </p:nvSpPr>
         <p:spPr>
           <a:xfrm>
-            <a:off x="410274" y="2882596"/>
-            <a:ext cx="6037758" cy="677108"/>
+            <a:off x="3093547" y="2239494"/>
+            <a:ext cx="3344961" cy="338554"/>
           </a:xfrm>
           <a:prstGeom prst="rect">
             <a:avLst/>
           </a:prstGeom>
-          <a:ln/>
+          <a:noFill/>
+        </p:spPr>
+        <p:txBody>
+          <a:bodyPr wrap="square" rtlCol="0">
+            <a:spAutoFit/>
+          </a:bodyPr>
+          <a:lstStyle/>
+          <a:p>
+            <a:r>
+              <a:rPr lang="ja-JP" altLang="en-US" sz="1600" b="1" dirty="0"/>
+              <a:t>リスクの</a:t>
+            </a:r>
+            <a:r>
+              <a:rPr lang="ja-JP" altLang="en-US" sz="1600" b="1" u="sng" dirty="0"/>
+              <a:t>事前予測</a:t>
+            </a:r>
+            <a:r>
+              <a:rPr lang="ja-JP" altLang="en-US" sz="1600" b="1" dirty="0"/>
+              <a:t>に活かせないか？</a:t>
+            </a:r>
+          </a:p>
+        </p:txBody>
+      </p:sp>
+      <p:sp>
+        <p:nvSpPr>
+          <p:cNvPr id="34" name="正方形/長方形 33"/>
+          <p:cNvSpPr/>
+          <p:nvPr/>
+        </p:nvSpPr>
+        <p:spPr>
+          <a:xfrm>
+            <a:off x="182446" y="4980114"/>
+            <a:ext cx="2029235" cy="381000"/>
+          </a:xfrm>
+          <a:prstGeom prst="rect">
+            <a:avLst/>
+          </a:prstGeom>
+          <a:ln>
+            <a:solidFill>
+              <a:srgbClr val="00B050"/>
+            </a:solidFill>
+          </a:ln>
+        </p:spPr>
+        <p:style>
+          <a:lnRef idx="2">
+            <a:schemeClr val="accent3"/>
+          </a:lnRef>
+          <a:fillRef idx="1">
+            <a:schemeClr val="lt1"/>
+          </a:fillRef>
+          <a:effectRef idx="0">
+            <a:schemeClr val="accent3"/>
+          </a:effectRef>
+          <a:fontRef idx="minor">
+            <a:schemeClr val="dk1"/>
+          </a:fontRef>
+        </p:style>
+        <p:txBody>
+          <a:bodyPr rtlCol="0" anchor="ctr"/>
+          <a:lstStyle/>
+          <a:p>
+            <a:pPr algn="ctr"/>
+            <a:r>
+              <a:rPr lang="ja-JP" altLang="en-US" dirty="0"/>
+              <a:t>想定される成果物</a:t>
+            </a:r>
+          </a:p>
+        </p:txBody>
+      </p:sp>
+      <p:sp>
+        <p:nvSpPr>
+          <p:cNvPr id="35" name="テキスト ボックス 34"/>
+          <p:cNvSpPr txBox="1"/>
+          <p:nvPr/>
+        </p:nvSpPr>
+        <p:spPr>
+          <a:xfrm>
+            <a:off x="191575" y="4249757"/>
+            <a:ext cx="3225800" cy="584775"/>
+          </a:xfrm>
+          <a:prstGeom prst="rect">
+            <a:avLst/>
+          </a:prstGeom>
+          <a:noFill/>
+        </p:spPr>
+        <p:txBody>
+          <a:bodyPr wrap="square" rtlCol="0">
+            <a:spAutoFit/>
+          </a:bodyPr>
+          <a:lstStyle/>
+          <a:p>
+            <a:r>
+              <a:rPr lang="ja-JP" altLang="en-US" sz="1600" dirty="0"/>
+              <a:t>メンバの</a:t>
+            </a:r>
+            <a:r>
+              <a:rPr lang="en-US" altLang="ja-JP" sz="1600" dirty="0"/>
+              <a:t>MBTI</a:t>
+            </a:r>
+            <a:r>
+              <a:rPr lang="ja-JP" altLang="en-US" sz="1600" dirty="0"/>
+              <a:t>のタイプとプロジェクトのリスクの相関関係を調べる</a:t>
+            </a:r>
+          </a:p>
+        </p:txBody>
+      </p:sp>
+      <p:sp>
+        <p:nvSpPr>
+          <p:cNvPr id="36" name="テキスト ボックス 35"/>
+          <p:cNvSpPr txBox="1"/>
+          <p:nvPr/>
+        </p:nvSpPr>
+        <p:spPr>
+          <a:xfrm>
+            <a:off x="209107" y="5364118"/>
+            <a:ext cx="2824051" cy="584775"/>
+          </a:xfrm>
+          <a:prstGeom prst="rect">
+            <a:avLst/>
+          </a:prstGeom>
+          <a:noFill/>
+        </p:spPr>
+        <p:txBody>
+          <a:bodyPr wrap="square" rtlCol="0">
+            <a:spAutoFit/>
+          </a:bodyPr>
+          <a:lstStyle/>
+          <a:p>
+            <a:r>
+              <a:rPr lang="en-US" altLang="ja-JP" sz="1600" dirty="0"/>
+              <a:t>MBTI</a:t>
+            </a:r>
+            <a:r>
+              <a:rPr lang="ja-JP" altLang="en-US" sz="1600" dirty="0"/>
+              <a:t>を用いたリスク予測リスト</a:t>
+            </a:r>
+            <a:endParaRPr lang="en-US" altLang="ja-JP" sz="1600" dirty="0"/>
+          </a:p>
+          <a:p>
+            <a:r>
+              <a:rPr lang="ja-JP" altLang="en-US" sz="1600" dirty="0"/>
+              <a:t>イメージ</a:t>
+            </a:r>
+          </a:p>
+        </p:txBody>
+      </p:sp>
+      <p:sp>
+        <p:nvSpPr>
+          <p:cNvPr id="37" name="下矢印 36"/>
+          <p:cNvSpPr/>
+          <p:nvPr/>
+        </p:nvSpPr>
+        <p:spPr>
+          <a:xfrm>
+            <a:off x="4044421" y="2649613"/>
+            <a:ext cx="1443210" cy="192724"/>
+          </a:xfrm>
+          <a:prstGeom prst="downArrow">
+            <a:avLst/>
+          </a:prstGeom>
+          <a:solidFill>
+            <a:schemeClr val="accent6">
+              <a:lumMod val="60000"/>
+              <a:lumOff val="40000"/>
+            </a:schemeClr>
+          </a:solidFill>
+          <a:ln>
+            <a:solidFill>
+              <a:schemeClr val="accent6">
+                <a:lumMod val="60000"/>
+                <a:lumOff val="40000"/>
+              </a:schemeClr>
+            </a:solidFill>
+          </a:ln>
         </p:spPr>
         <p:style>
           <a:lnRef idx="2">
@@ -4471,80 +4694,32 @@
           </a:fontRef>
         </p:style>
         <p:txBody>
-          <a:bodyPr wrap="square" rtlCol="0">
-            <a:spAutoFit/>
-          </a:bodyPr>
+          <a:bodyPr rtlCol="0" anchor="ctr"/>
           <a:lstStyle/>
           <a:p>
             <a:pPr algn="ctr"/>
-            <a:r>
-              <a:rPr kumimoji="1" lang="en-US" altLang="ja-JP" sz="2000" dirty="0" smtClean="0"/>
-              <a:t>MBTI</a:t>
-            </a:r>
-            <a:r>
-              <a:rPr kumimoji="1" lang="ja-JP" altLang="en-US" dirty="0" smtClean="0"/>
-              <a:t>を用いてメンバの相互作用が原因となって起きる事象を</a:t>
-            </a:r>
-            <a:endParaRPr kumimoji="1" lang="en-US" altLang="ja-JP" dirty="0" smtClean="0"/>
-          </a:p>
-          <a:p>
-            <a:pPr algn="ctr"/>
-            <a:r>
-              <a:rPr kumimoji="1" lang="ja-JP" altLang="en-US" dirty="0" smtClean="0"/>
-              <a:t>事前に予測したい</a:t>
-            </a:r>
-            <a:endParaRPr kumimoji="1" lang="ja-JP" altLang="en-US" dirty="0"/>
-          </a:p>
-        </p:txBody>
-      </p:sp>
-      <p:sp>
-        <p:nvSpPr>
-          <p:cNvPr id="33" name="テキスト ボックス 32"/>
-          <p:cNvSpPr txBox="1"/>
+            <a:endParaRPr lang="ja-JP" altLang="en-US"/>
+          </a:p>
+        </p:txBody>
+      </p:sp>
+      <p:sp>
+        <p:nvSpPr>
+          <p:cNvPr id="40" name="フローチャート: 代替処理 39"/>
+          <p:cNvSpPr/>
           <p:nvPr/>
         </p:nvSpPr>
         <p:spPr>
           <a:xfrm>
-            <a:off x="3150696" y="2169602"/>
-            <a:ext cx="3344961" cy="338554"/>
+            <a:off x="3557935" y="4288326"/>
+            <a:ext cx="1622491" cy="795684"/>
           </a:xfrm>
-          <a:prstGeom prst="rect">
-            <a:avLst/>
-          </a:prstGeom>
-          <a:noFill/>
-        </p:spPr>
-        <p:txBody>
-          <a:bodyPr wrap="square" rtlCol="0">
-            <a:spAutoFit/>
-          </a:bodyPr>
-          <a:lstStyle/>
-          <a:p>
-            <a:r>
-              <a:rPr lang="ja-JP" altLang="en-US" sz="1600" dirty="0" smtClean="0"/>
-              <a:t>リスクの事前予測に活かせないか？</a:t>
-            </a:r>
-            <a:endParaRPr lang="ja-JP" altLang="en-US" sz="1600" dirty="0"/>
-          </a:p>
-        </p:txBody>
-      </p:sp>
-      <p:sp>
-        <p:nvSpPr>
-          <p:cNvPr id="34" name="正方形/長方形 33"/>
-          <p:cNvSpPr/>
-          <p:nvPr/>
-        </p:nvSpPr>
-        <p:spPr>
-          <a:xfrm>
-            <a:off x="460770" y="4889047"/>
-            <a:ext cx="2029235" cy="381000"/>
-          </a:xfrm>
-          <a:prstGeom prst="rect">
+          <a:prstGeom prst="flowChartAlternateProcess">
             <a:avLst/>
           </a:prstGeom>
           <a:ln>
             <a:solidFill>
-              <a:schemeClr val="accent6">
-                <a:lumMod val="75000"/>
+              <a:schemeClr val="bg1">
+                <a:lumMod val="65000"/>
               </a:schemeClr>
             </a:solidFill>
           </a:ln>
@@ -4564,161 +4739,44 @@
           </a:fontRef>
         </p:style>
         <p:txBody>
-          <a:bodyPr rtlCol="0" anchor="ctr"/>
+          <a:bodyPr tIns="0" rtlCol="0" anchor="t"/>
           <a:lstStyle/>
           <a:p>
             <a:pPr algn="ctr"/>
             <a:r>
-              <a:rPr kumimoji="1" lang="ja-JP" altLang="en-US" dirty="0" smtClean="0"/>
-              <a:t>想定される成果物</a:t>
-            </a:r>
-            <a:endParaRPr kumimoji="1" lang="ja-JP" altLang="en-US" dirty="0"/>
-          </a:p>
-        </p:txBody>
-      </p:sp>
-      <p:sp>
-        <p:nvSpPr>
-          <p:cNvPr id="35" name="テキスト ボックス 34"/>
-          <p:cNvSpPr txBox="1"/>
+              <a:rPr lang="ja-JP" altLang="en-US" sz="1600" dirty="0"/>
+              <a:t>グループワーク</a:t>
+            </a:r>
+            <a:endParaRPr lang="en-US" altLang="ja-JP" sz="1600" dirty="0"/>
+          </a:p>
+          <a:p>
+            <a:pPr algn="ctr"/>
+            <a:endParaRPr lang="en-US" altLang="ja-JP" sz="1600" dirty="0"/>
+          </a:p>
+          <a:p>
+            <a:pPr algn="ctr"/>
+            <a:endParaRPr lang="en-US" altLang="ja-JP" sz="1600" dirty="0"/>
+          </a:p>
+        </p:txBody>
+      </p:sp>
+      <p:sp>
+        <p:nvSpPr>
+          <p:cNvPr id="42" name="フローチャート: 代替処理 41"/>
+          <p:cNvSpPr/>
           <p:nvPr/>
         </p:nvSpPr>
         <p:spPr>
           <a:xfrm>
-            <a:off x="559022" y="4009328"/>
-            <a:ext cx="2832652" cy="830997"/>
-          </a:xfrm>
-          <a:prstGeom prst="rect">
-            <a:avLst/>
-          </a:prstGeom>
-          <a:noFill/>
-        </p:spPr>
-        <p:txBody>
-          <a:bodyPr wrap="square" rtlCol="0">
-            <a:spAutoFit/>
-          </a:bodyPr>
-          <a:lstStyle/>
-          <a:p>
-            <a:r>
-              <a:rPr lang="ja-JP" altLang="en-US" sz="1600" dirty="0" smtClean="0"/>
-              <a:t>メンバの</a:t>
-            </a:r>
-            <a:r>
-              <a:rPr lang="en-US" altLang="ja-JP" sz="1600" dirty="0" smtClean="0"/>
-              <a:t>MBTI</a:t>
-            </a:r>
-            <a:r>
-              <a:rPr lang="ja-JP" altLang="en-US" sz="1600" dirty="0" smtClean="0"/>
-              <a:t>のタイプとプロジェクトのリスクの相関関係を調べる</a:t>
-            </a:r>
-            <a:endParaRPr lang="ja-JP" altLang="en-US" sz="1600" dirty="0"/>
-          </a:p>
-        </p:txBody>
-      </p:sp>
-      <p:sp>
-        <p:nvSpPr>
-          <p:cNvPr id="36" name="テキスト ボックス 35"/>
-          <p:cNvSpPr txBox="1"/>
-          <p:nvPr/>
-        </p:nvSpPr>
-        <p:spPr>
-          <a:xfrm>
-            <a:off x="506481" y="5252946"/>
-            <a:ext cx="3119621" cy="830997"/>
-          </a:xfrm>
-          <a:prstGeom prst="rect">
-            <a:avLst/>
-          </a:prstGeom>
-          <a:noFill/>
-        </p:spPr>
-        <p:txBody>
-          <a:bodyPr wrap="square" rtlCol="0">
-            <a:spAutoFit/>
-          </a:bodyPr>
-          <a:lstStyle/>
-          <a:p>
-            <a:r>
-              <a:rPr lang="en-US" altLang="ja-JP" sz="1600" dirty="0" smtClean="0"/>
-              <a:t>MBTI</a:t>
-            </a:r>
-            <a:r>
-              <a:rPr lang="ja-JP" altLang="en-US" sz="1600" dirty="0" smtClean="0"/>
-              <a:t>を用いたリスク予測リスト</a:t>
-            </a:r>
-            <a:endParaRPr lang="en-US" altLang="ja-JP" sz="1600" dirty="0"/>
-          </a:p>
-          <a:p>
-            <a:r>
-              <a:rPr lang="ja-JP" altLang="en-US" sz="1600" dirty="0" smtClean="0"/>
-              <a:t>イメージ</a:t>
-            </a:r>
-            <a:r>
-              <a:rPr lang="en-US" altLang="ja-JP" sz="1600" dirty="0" smtClean="0"/>
-              <a:t/>
-            </a:r>
-            <a:br>
-              <a:rPr lang="en-US" altLang="ja-JP" sz="1600" dirty="0" smtClean="0"/>
-            </a:br>
-            <a:endParaRPr lang="ja-JP" altLang="en-US" sz="1600" dirty="0"/>
-          </a:p>
-        </p:txBody>
-      </p:sp>
-      <p:sp>
-        <p:nvSpPr>
-          <p:cNvPr id="37" name="下矢印 36"/>
-          <p:cNvSpPr/>
-          <p:nvPr/>
-        </p:nvSpPr>
-        <p:spPr>
-          <a:xfrm>
-            <a:off x="4101571" y="2579721"/>
-            <a:ext cx="1443210" cy="192724"/>
-          </a:xfrm>
-          <a:prstGeom prst="downArrow">
-            <a:avLst/>
-          </a:prstGeom>
-        </p:spPr>
-        <p:style>
-          <a:lnRef idx="2">
-            <a:schemeClr val="accent6"/>
-          </a:lnRef>
-          <a:fillRef idx="1">
-            <a:schemeClr val="lt1"/>
-          </a:fillRef>
-          <a:effectRef idx="0">
-            <a:schemeClr val="accent6"/>
-          </a:effectRef>
-          <a:fontRef idx="minor">
-            <a:schemeClr val="dk1"/>
-          </a:fontRef>
-        </p:style>
-        <p:txBody>
-          <a:bodyPr rtlCol="0" anchor="ctr"/>
-          <a:lstStyle/>
-          <a:p>
-            <a:pPr algn="ctr"/>
-            <a:endParaRPr kumimoji="1" lang="ja-JP" altLang="en-US"/>
-          </a:p>
-        </p:txBody>
-      </p:sp>
-      <p:sp>
-        <p:nvSpPr>
-          <p:cNvPr id="40" name="フローチャート: 代替処理 39"/>
-          <p:cNvSpPr/>
-          <p:nvPr/>
-        </p:nvSpPr>
-        <p:spPr>
-          <a:xfrm>
-            <a:off x="3621538" y="4086605"/>
-            <a:ext cx="1622491" cy="795684"/>
+            <a:off x="3697658" y="4575302"/>
+            <a:ext cx="1330192" cy="482950"/>
           </a:xfrm>
           <a:prstGeom prst="flowChartAlternateProcess">
             <a:avLst/>
           </a:prstGeom>
           <a:ln>
             <a:solidFill>
-              <a:schemeClr val="accent6">
-                <a:lumMod val="60000"/>
-                <a:lumOff val="40000"/>
+              <a:schemeClr val="bg1">
+                <a:lumMod val="65000"/>
               </a:schemeClr>
             </a:solidFill>
           </a:ln>
@@ -4738,84 +4796,25 @@
           </a:fontRef>
         </p:style>
         <p:txBody>
-          <a:bodyPr tIns="0" rtlCol="0" anchor="t"/>
-          <a:lstStyle/>
-          <a:p>
-            <a:pPr algn="ctr"/>
-            <a:r>
-              <a:rPr lang="ja-JP" altLang="en-US" sz="1600" dirty="0" smtClean="0"/>
-              <a:t>グループワーク</a:t>
-            </a:r>
-            <a:endParaRPr lang="en-US" altLang="ja-JP" sz="1600" dirty="0" smtClean="0"/>
-          </a:p>
-          <a:p>
-            <a:pPr algn="ctr"/>
-            <a:endParaRPr lang="en-US" altLang="ja-JP" sz="1600" dirty="0"/>
-          </a:p>
-          <a:p>
-            <a:pPr algn="ctr"/>
-            <a:endParaRPr lang="en-US" altLang="ja-JP" sz="1600" dirty="0" smtClean="0"/>
-          </a:p>
-        </p:txBody>
-      </p:sp>
-      <p:sp>
-        <p:nvSpPr>
-          <p:cNvPr id="42" name="フローチャート: 代替処理 41"/>
-          <p:cNvSpPr/>
-          <p:nvPr/>
-        </p:nvSpPr>
-        <p:spPr>
-          <a:xfrm>
-            <a:off x="3754808" y="4373581"/>
-            <a:ext cx="1330192" cy="482950"/>
-          </a:xfrm>
-          <a:prstGeom prst="flowChartAlternateProcess">
-            <a:avLst/>
-          </a:prstGeom>
-          <a:ln>
-            <a:solidFill>
-              <a:schemeClr val="accent6">
-                <a:lumMod val="60000"/>
-                <a:lumOff val="40000"/>
-              </a:schemeClr>
-            </a:solidFill>
-          </a:ln>
-        </p:spPr>
-        <p:style>
-          <a:lnRef idx="2">
-            <a:schemeClr val="accent3"/>
-          </a:lnRef>
-          <a:fillRef idx="1">
-            <a:schemeClr val="lt1"/>
-          </a:fillRef>
-          <a:effectRef idx="0">
-            <a:schemeClr val="accent3"/>
-          </a:effectRef>
-          <a:fontRef idx="minor">
-            <a:schemeClr val="dk1"/>
-          </a:fontRef>
-        </p:style>
-        <p:txBody>
           <a:bodyPr rtlCol="0" anchor="ctr"/>
           <a:lstStyle/>
           <a:p>
             <a:pPr algn="ctr"/>
             <a:r>
-              <a:rPr lang="ja-JP" altLang="en-US" sz="1600" dirty="0" smtClean="0"/>
+              <a:rPr lang="ja-JP" altLang="en-US" sz="1600" dirty="0"/>
               <a:t>性格検査</a:t>
             </a:r>
             <a:r>
-              <a:rPr lang="en-US" altLang="ja-JP" sz="1600" dirty="0" smtClean="0"/>
+              <a:rPr lang="en-US" altLang="ja-JP" sz="1600" dirty="0"/>
               <a:t/>
             </a:r>
             <a:br>
-              <a:rPr lang="en-US" altLang="ja-JP" sz="1600" dirty="0" smtClean="0"/>
+              <a:rPr lang="en-US" altLang="ja-JP" sz="1600" dirty="0"/>
             </a:br>
             <a:r>
-              <a:rPr lang="ja-JP" altLang="en-US" sz="1600" dirty="0" smtClean="0"/>
+              <a:rPr lang="ja-JP" altLang="en-US" sz="1600" dirty="0"/>
               <a:t>アンケート</a:t>
             </a:r>
-            <a:endParaRPr lang="ja-JP" altLang="en-US" sz="1600" dirty="0"/>
           </a:p>
         </p:txBody>
       </p:sp>
@@ -4828,26 +4827,26 @@
           <p:nvPr>
             <p:extLst>
               <p:ext uri="{D42A27DB-BD31-4B8C-83A1-F6EECF244321}">
-                <p14:modId xmlns:p14="http://schemas.microsoft.com/office/powerpoint/2010/main" val="2288174201"/>
+                <p14:modId xmlns:p14="http://schemas.microsoft.com/office/powerpoint/2010/main" val="991364052"/>
               </p:ext>
             </p:extLst>
           </p:nvPr>
         </p:nvGraphicFramePr>
         <p:xfrm>
-          <a:off x="549340" y="5809609"/>
-          <a:ext cx="2781192" cy="659196"/>
+          <a:off x="271015" y="5908905"/>
+          <a:ext cx="2781192" cy="1488308"/>
         </p:xfrm>
         <a:graphic>
           <a:graphicData uri="http://schemas.openxmlformats.org/drawingml/2006/table">
             <a:tbl>
               <a:tblPr firstRow="1" bandRow="1">
-                <a:tableStyleId>{E8B1032C-EA38-4F05-BA0D-38AFFFC7BED3}</a:tableStyleId>
+                <a:tableStyleId>{2D5ABB26-0587-4C30-8999-92F81FD0307C}</a:tableStyleId>
               </a:tblPr>
               <a:tblGrid>
                 <a:gridCol w="1092173"/>
                 <a:gridCol w="1689019"/>
               </a:tblGrid>
-              <a:tr h="259946">
+              <a:tr h="263295">
                 <a:tc>
                   <a:txBody>
                     <a:bodyPr/>
@@ -4855,13 +4854,50 @@
                     <a:p>
                       <a:pPr algn="ctr"/>
                       <a:r>
-                        <a:rPr kumimoji="1" lang="ja-JP" altLang="en-US" sz="1600" dirty="0" smtClean="0"/>
+                        <a:rPr lang="ja-JP" altLang="en-US" dirty="0" smtClean="0"/>
                         <a:t>タイプ</a:t>
                       </a:r>
-                      <a:endParaRPr kumimoji="1" lang="ja-JP" altLang="en-US" sz="1600" dirty="0"/>
+                      <a:endParaRPr lang="ja-JP" altLang="en-US" dirty="0"/>
                     </a:p>
                   </a:txBody>
-                  <a:tcPr/>
+                  <a:tcPr>
+                    <a:lnL w="12700" cap="flat" cmpd="sng" algn="ctr">
+                      <a:solidFill>
+                        <a:schemeClr val="tx1"/>
+                      </a:solidFill>
+                      <a:prstDash val="solid"/>
+                      <a:round/>
+                      <a:headEnd type="none" w="med" len="med"/>
+                      <a:tailEnd type="none" w="med" len="med"/>
+                    </a:lnL>
+                    <a:lnR w="12700" cap="flat" cmpd="sng" algn="ctr">
+                      <a:solidFill>
+                        <a:schemeClr val="tx1"/>
+                      </a:solidFill>
+                      <a:prstDash val="solid"/>
+                      <a:round/>
+                      <a:headEnd type="none" w="med" len="med"/>
+                      <a:tailEnd type="none" w="med" len="med"/>
+                    </a:lnR>
+                    <a:lnT w="12700" cap="flat" cmpd="sng" algn="ctr">
+                      <a:solidFill>
+                        <a:schemeClr val="tx1"/>
+                      </a:solidFill>
+                      <a:prstDash val="solid"/>
+                      <a:round/>
+                      <a:headEnd type="none" w="med" len="med"/>
+                      <a:tailEnd type="none" w="med" len="med"/>
+                    </a:lnT>
+                    <a:lnB w="12700" cap="flat" cmpd="sng" algn="ctr">
+                      <a:solidFill>
+                        <a:schemeClr val="tx1"/>
+                      </a:solidFill>
+                      <a:prstDash val="solid"/>
+                      <a:round/>
+                      <a:headEnd type="none" w="med" len="med"/>
+                      <a:tailEnd type="none" w="med" len="med"/>
+                    </a:lnB>
+                  </a:tcPr>
                 </a:tc>
                 <a:tc>
                   <a:txBody>
@@ -4870,35 +4906,332 @@
                     <a:p>
                       <a:pPr algn="ctr"/>
                       <a:r>
-                        <a:rPr kumimoji="1" lang="ja-JP" altLang="en-US" sz="1600" dirty="0" smtClean="0"/>
+                        <a:rPr lang="ja-JP" altLang="en-US" dirty="0" smtClean="0"/>
                         <a:t>想定されるリスク</a:t>
                       </a:r>
-                      <a:endParaRPr kumimoji="1" lang="ja-JP" altLang="en-US" sz="1600" dirty="0"/>
+                      <a:endParaRPr lang="ja-JP" altLang="en-US" dirty="0"/>
                     </a:p>
                   </a:txBody>
-                  <a:tcPr/>
+                  <a:tcPr>
+                    <a:lnL w="12700" cap="flat" cmpd="sng" algn="ctr">
+                      <a:solidFill>
+                        <a:schemeClr val="tx1"/>
+                      </a:solidFill>
+                      <a:prstDash val="solid"/>
+                      <a:round/>
+                      <a:headEnd type="none" w="med" len="med"/>
+                      <a:tailEnd type="none" w="med" len="med"/>
+                    </a:lnL>
+                    <a:lnR w="12700" cap="flat" cmpd="sng" algn="ctr">
+                      <a:solidFill>
+                        <a:schemeClr val="tx1"/>
+                      </a:solidFill>
+                      <a:prstDash val="solid"/>
+                      <a:round/>
+                      <a:headEnd type="none" w="med" len="med"/>
+                      <a:tailEnd type="none" w="med" len="med"/>
+                    </a:lnR>
+                    <a:lnT w="12700" cap="flat" cmpd="sng" algn="ctr">
+                      <a:solidFill>
+                        <a:schemeClr val="tx1"/>
+                      </a:solidFill>
+                      <a:prstDash val="solid"/>
+                      <a:round/>
+                      <a:headEnd type="none" w="med" len="med"/>
+                      <a:tailEnd type="none" w="med" len="med"/>
+                    </a:lnT>
+                    <a:lnB w="12700" cap="flat" cmpd="sng" algn="ctr">
+                      <a:solidFill>
+                        <a:schemeClr val="tx1"/>
+                      </a:solidFill>
+                      <a:prstDash val="solid"/>
+                      <a:round/>
+                      <a:headEnd type="none" w="med" len="med"/>
+                      <a:tailEnd type="none" w="med" len="med"/>
+                    </a:lnB>
+                  </a:tcPr>
                 </a:tc>
               </a:tr>
-              <a:tr h="323916">
+              <a:tr h="297782">
                 <a:tc>
                   <a:txBody>
                     <a:bodyPr/>
                     <a:lstStyle/>
                     <a:p>
+                      <a:pPr algn="l"/>
                       <a:r>
-                        <a:rPr lang="en-US" altLang="ja-JP" sz="1400" dirty="0" smtClean="0">
-                          <a:latin typeface="+mn-ea"/>
-                          <a:ea typeface="+mn-ea"/>
-                        </a:rPr>
+                        <a:rPr lang="en-US" altLang="ja-JP" dirty="0" smtClean="0"/>
+                        <a:t>ESTJ,ESFP</a:t>
+                      </a:r>
+                      <a:endParaRPr lang="ja-JP" altLang="en-US" dirty="0"/>
+                    </a:p>
+                  </a:txBody>
+                  <a:tcPr>
+                    <a:lnL w="12700" cap="flat" cmpd="sng" algn="ctr">
+                      <a:solidFill>
+                        <a:schemeClr val="tx1"/>
+                      </a:solidFill>
+                      <a:prstDash val="solid"/>
+                      <a:round/>
+                      <a:headEnd type="none" w="med" len="med"/>
+                      <a:tailEnd type="none" w="med" len="med"/>
+                    </a:lnL>
+                    <a:lnR w="12700" cap="flat" cmpd="sng" algn="ctr">
+                      <a:solidFill>
+                        <a:schemeClr val="tx1"/>
+                      </a:solidFill>
+                      <a:prstDash val="solid"/>
+                      <a:round/>
+                      <a:headEnd type="none" w="med" len="med"/>
+                      <a:tailEnd type="none" w="med" len="med"/>
+                    </a:lnR>
+                    <a:lnT w="12700" cap="flat" cmpd="sng" algn="ctr">
+                      <a:solidFill>
+                        <a:schemeClr val="tx1"/>
+                      </a:solidFill>
+                      <a:prstDash val="solid"/>
+                      <a:round/>
+                      <a:headEnd type="none" w="med" len="med"/>
+                      <a:tailEnd type="none" w="med" len="med"/>
+                    </a:lnT>
+                    <a:lnB w="12700" cap="flat" cmpd="sng" algn="ctr">
+                      <a:solidFill>
+                        <a:schemeClr val="tx1"/>
+                      </a:solidFill>
+                      <a:prstDash val="solid"/>
+                      <a:round/>
+                      <a:headEnd type="none" w="med" len="med"/>
+                      <a:tailEnd type="none" w="med" len="med"/>
+                    </a:lnB>
+                  </a:tcPr>
+                </a:tc>
+                <a:tc>
+                  <a:txBody>
+                    <a:bodyPr/>
+                    <a:lstStyle/>
+                    <a:p>
+                      <a:pPr algn="l"/>
+                      <a:r>
+                        <a:rPr lang="ja-JP" altLang="en-US" dirty="0" smtClean="0"/>
+                        <a:t>情報共有不足</a:t>
+                      </a:r>
+                      <a:endParaRPr lang="ja-JP" altLang="en-US" dirty="0"/>
+                    </a:p>
+                  </a:txBody>
+                  <a:tcPr>
+                    <a:lnL w="12700" cap="flat" cmpd="sng" algn="ctr">
+                      <a:solidFill>
+                        <a:schemeClr val="tx1"/>
+                      </a:solidFill>
+                      <a:prstDash val="solid"/>
+                      <a:round/>
+                      <a:headEnd type="none" w="med" len="med"/>
+                      <a:tailEnd type="none" w="med" len="med"/>
+                    </a:lnL>
+                    <a:lnR w="12700" cap="flat" cmpd="sng" algn="ctr">
+                      <a:solidFill>
+                        <a:schemeClr val="tx1"/>
+                      </a:solidFill>
+                      <a:prstDash val="solid"/>
+                      <a:round/>
+                      <a:headEnd type="none" w="med" len="med"/>
+                      <a:tailEnd type="none" w="med" len="med"/>
+                    </a:lnR>
+                    <a:lnT w="12700" cap="flat" cmpd="sng" algn="ctr">
+                      <a:solidFill>
+                        <a:schemeClr val="tx1"/>
+                      </a:solidFill>
+                      <a:prstDash val="solid"/>
+                      <a:round/>
+                      <a:headEnd type="none" w="med" len="med"/>
+                      <a:tailEnd type="none" w="med" len="med"/>
+                    </a:lnT>
+                    <a:lnB w="12700" cap="flat" cmpd="sng" algn="ctr">
+                      <a:solidFill>
+                        <a:schemeClr val="tx1"/>
+                      </a:solidFill>
+                      <a:prstDash val="solid"/>
+                      <a:round/>
+                      <a:headEnd type="none" w="med" len="med"/>
+                      <a:tailEnd type="none" w="med" len="med"/>
+                    </a:lnB>
+                  </a:tcPr>
+                </a:tc>
+              </a:tr>
+              <a:tr h="297782">
+                <a:tc>
+                  <a:txBody>
+                    <a:bodyPr/>
+                    <a:lstStyle/>
+                    <a:p>
+                      <a:pPr marL="0" marR="0" lvl="0" indent="0" algn="l" defTabSz="685800" rtl="0" eaLnBrk="1" fontAlgn="auto" latinLnBrk="0" hangingPunct="1">
+                        <a:lnSpc>
+                          <a:spcPct val="100000"/>
+                        </a:lnSpc>
+                        <a:spcBef>
+                          <a:spcPts val="0"/>
+                        </a:spcBef>
+                        <a:spcAft>
+                          <a:spcPts val="0"/>
+                        </a:spcAft>
+                        <a:buClrTx/>
+                        <a:buSzTx/>
+                        <a:buFontTx/>
+                        <a:buNone/>
+                        <a:tabLst/>
+                        <a:defRPr/>
+                      </a:pPr>
+                      <a:r>
+                        <a:rPr lang="en-US" altLang="ja-JP" dirty="0" smtClean="0"/>
                         <a:t>ESTP,ISTP</a:t>
                       </a:r>
-                      <a:endParaRPr kumimoji="1" lang="ja-JP" altLang="en-US" sz="1200" dirty="0">
-                        <a:latin typeface="+mn-ea"/>
-                        <a:ea typeface="+mn-ea"/>
-                      </a:endParaRPr>
+                      <a:endParaRPr lang="ja-JP" altLang="en-US" dirty="0" smtClean="0"/>
                     </a:p>
                   </a:txBody>
-                  <a:tcPr/>
+                  <a:tcPr>
+                    <a:lnL w="12700" cap="flat" cmpd="sng" algn="ctr">
+                      <a:solidFill>
+                        <a:schemeClr val="tx1"/>
+                      </a:solidFill>
+                      <a:prstDash val="solid"/>
+                      <a:round/>
+                      <a:headEnd type="none" w="med" len="med"/>
+                      <a:tailEnd type="none" w="med" len="med"/>
+                    </a:lnL>
+                    <a:lnR w="12700" cap="flat" cmpd="sng" algn="ctr">
+                      <a:solidFill>
+                        <a:schemeClr val="tx1"/>
+                      </a:solidFill>
+                      <a:prstDash val="solid"/>
+                      <a:round/>
+                      <a:headEnd type="none" w="med" len="med"/>
+                      <a:tailEnd type="none" w="med" len="med"/>
+                    </a:lnR>
+                    <a:lnT w="12700" cap="flat" cmpd="sng" algn="ctr">
+                      <a:solidFill>
+                        <a:schemeClr val="tx1"/>
+                      </a:solidFill>
+                      <a:prstDash val="solid"/>
+                      <a:round/>
+                      <a:headEnd type="none" w="med" len="med"/>
+                      <a:tailEnd type="none" w="med" len="med"/>
+                    </a:lnT>
+                    <a:lnB w="12700" cap="flat" cmpd="sng" algn="ctr">
+                      <a:solidFill>
+                        <a:schemeClr val="tx1"/>
+                      </a:solidFill>
+                      <a:prstDash val="solid"/>
+                      <a:round/>
+                      <a:headEnd type="none" w="med" len="med"/>
+                      <a:tailEnd type="none" w="med" len="med"/>
+                    </a:lnB>
+                  </a:tcPr>
+                </a:tc>
+                <a:tc>
+                  <a:txBody>
+                    <a:bodyPr/>
+                    <a:lstStyle/>
+                    <a:p>
+                      <a:pPr algn="l"/>
+                      <a:r>
+                        <a:rPr lang="ja-JP" altLang="en-US" dirty="0" smtClean="0"/>
+                        <a:t>提出物の不備</a:t>
+                      </a:r>
+                      <a:endParaRPr lang="ja-JP" altLang="en-US" dirty="0"/>
+                    </a:p>
+                  </a:txBody>
+                  <a:tcPr>
+                    <a:lnL w="12700" cap="flat" cmpd="sng" algn="ctr">
+                      <a:solidFill>
+                        <a:schemeClr val="tx1"/>
+                      </a:solidFill>
+                      <a:prstDash val="solid"/>
+                      <a:round/>
+                      <a:headEnd type="none" w="med" len="med"/>
+                      <a:tailEnd type="none" w="med" len="med"/>
+                    </a:lnL>
+                    <a:lnR w="12700" cap="flat" cmpd="sng" algn="ctr">
+                      <a:solidFill>
+                        <a:schemeClr val="tx1"/>
+                      </a:solidFill>
+                      <a:prstDash val="solid"/>
+                      <a:round/>
+                      <a:headEnd type="none" w="med" len="med"/>
+                      <a:tailEnd type="none" w="med" len="med"/>
+                    </a:lnR>
+                    <a:lnT w="12700" cap="flat" cmpd="sng" algn="ctr">
+                      <a:solidFill>
+                        <a:schemeClr val="tx1"/>
+                      </a:solidFill>
+                      <a:prstDash val="solid"/>
+                      <a:round/>
+                      <a:headEnd type="none" w="med" len="med"/>
+                      <a:tailEnd type="none" w="med" len="med"/>
+                    </a:lnT>
+                    <a:lnB w="12700" cap="flat" cmpd="sng" algn="ctr">
+                      <a:solidFill>
+                        <a:schemeClr val="tx1"/>
+                      </a:solidFill>
+                      <a:prstDash val="solid"/>
+                      <a:round/>
+                      <a:headEnd type="none" w="med" len="med"/>
+                      <a:tailEnd type="none" w="med" len="med"/>
+                    </a:lnB>
+                  </a:tcPr>
+                </a:tc>
+              </a:tr>
+              <a:tr h="297782">
+                <a:tc>
+                  <a:txBody>
+                    <a:bodyPr/>
+                    <a:lstStyle/>
+                    <a:p>
+                      <a:pPr algn="l"/>
+                      <a:r>
+                        <a:rPr lang="en-US" altLang="ja-JP" dirty="0" smtClean="0"/>
+                        <a:t>ESTP,ISFJ</a:t>
+                      </a:r>
+                      <a:endParaRPr lang="ja-JP" altLang="en-US" dirty="0"/>
+                    </a:p>
+                  </a:txBody>
+                  <a:tcPr>
+                    <a:lnL w="12700" cap="flat" cmpd="sng" algn="ctr">
+                      <a:solidFill>
+                        <a:schemeClr val="tx1"/>
+                      </a:solidFill>
+                      <a:prstDash val="solid"/>
+                      <a:round/>
+                      <a:headEnd type="none" w="med" len="med"/>
+                      <a:tailEnd type="none" w="med" len="med"/>
+                    </a:lnL>
+                    <a:lnR w="12700" cap="flat" cmpd="sng" algn="ctr">
+                      <a:solidFill>
+                        <a:schemeClr val="tx1"/>
+                      </a:solidFill>
+                      <a:prstDash val="solid"/>
+                      <a:round/>
+                      <a:headEnd type="none" w="med" len="med"/>
+                      <a:tailEnd type="none" w="med" len="med"/>
+                    </a:lnR>
+                    <a:lnT w="12700" cap="flat" cmpd="sng" algn="ctr">
+                      <a:solidFill>
+                        <a:schemeClr val="tx1"/>
+                      </a:solidFill>
+                      <a:prstDash val="solid"/>
+                      <a:round/>
+                      <a:headEnd type="none" w="med" len="med"/>
+                      <a:tailEnd type="none" w="med" len="med"/>
+                    </a:lnT>
+                    <a:lnB w="12700" cap="flat" cmpd="sng" algn="ctr">
+                      <a:solidFill>
+                        <a:schemeClr val="tx1"/>
+                      </a:solidFill>
+                      <a:prstDash val="solid"/>
+                      <a:round/>
+                      <a:headEnd type="none" w="med" len="med"/>
+                      <a:tailEnd type="none" w="med" len="med"/>
+                    </a:lnB>
+                  </a:tcPr>
                 </a:tc>
                 <a:tc>
                   <a:txBody>
@@ -4923,15 +5256,170 @@
                         <a:defRPr/>
                       </a:pPr>
                       <a:r>
-                        <a:rPr lang="ja-JP" altLang="en-US" sz="1400" dirty="0" smtClean="0">
-                          <a:latin typeface="+mn-ea"/>
-                          <a:ea typeface="+mn-ea"/>
-                        </a:rPr>
+                        <a:rPr lang="ja-JP" altLang="en-US" dirty="0" smtClean="0"/>
                         <a:t>納期遅れ</a:t>
                       </a:r>
                     </a:p>
                   </a:txBody>
-                  <a:tcPr/>
+                  <a:tcPr>
+                    <a:lnL w="12700" cap="flat" cmpd="sng" algn="ctr">
+                      <a:solidFill>
+                        <a:schemeClr val="tx1"/>
+                      </a:solidFill>
+                      <a:prstDash val="solid"/>
+                      <a:round/>
+                      <a:headEnd type="none" w="med" len="med"/>
+                      <a:tailEnd type="none" w="med" len="med"/>
+                    </a:lnL>
+                    <a:lnR w="12700" cap="flat" cmpd="sng" algn="ctr">
+                      <a:solidFill>
+                        <a:schemeClr val="tx1"/>
+                      </a:solidFill>
+                      <a:prstDash val="solid"/>
+                      <a:round/>
+                      <a:headEnd type="none" w="med" len="med"/>
+                      <a:tailEnd type="none" w="med" len="med"/>
+                    </a:lnR>
+                    <a:lnT w="12700" cap="flat" cmpd="sng" algn="ctr">
+                      <a:solidFill>
+                        <a:schemeClr val="tx1"/>
+                      </a:solidFill>
+                      <a:prstDash val="solid"/>
+                      <a:round/>
+                      <a:headEnd type="none" w="med" len="med"/>
+                      <a:tailEnd type="none" w="med" len="med"/>
+                    </a:lnT>
+                    <a:lnB w="12700" cap="flat" cmpd="sng" algn="ctr">
+                      <a:solidFill>
+                        <a:schemeClr val="tx1"/>
+                      </a:solidFill>
+                      <a:prstDash val="solid"/>
+                      <a:round/>
+                      <a:headEnd type="none" w="med" len="med"/>
+                      <a:tailEnd type="none" w="med" len="med"/>
+                    </a:lnB>
+                  </a:tcPr>
+                </a:tc>
+              </a:tr>
+              <a:tr h="297782">
+                <a:tc>
+                  <a:txBody>
+                    <a:bodyPr/>
+                    <a:lstStyle/>
+                    <a:p>
+                      <a:pPr algn="l"/>
+                      <a:r>
+                        <a:rPr lang="en-US" altLang="ja-JP" dirty="0" smtClean="0"/>
+                        <a:t>ESTJ,INTP</a:t>
+                      </a:r>
+                      <a:endParaRPr lang="ja-JP" altLang="en-US" dirty="0"/>
+                    </a:p>
+                  </a:txBody>
+                  <a:tcPr>
+                    <a:lnL w="12700" cap="flat" cmpd="sng" algn="ctr">
+                      <a:solidFill>
+                        <a:schemeClr val="tx1"/>
+                      </a:solidFill>
+                      <a:prstDash val="solid"/>
+                      <a:round/>
+                      <a:headEnd type="none" w="med" len="med"/>
+                      <a:tailEnd type="none" w="med" len="med"/>
+                    </a:lnL>
+                    <a:lnR w="12700" cap="flat" cmpd="sng" algn="ctr">
+                      <a:solidFill>
+                        <a:schemeClr val="tx1"/>
+                      </a:solidFill>
+                      <a:prstDash val="solid"/>
+                      <a:round/>
+                      <a:headEnd type="none" w="med" len="med"/>
+                      <a:tailEnd type="none" w="med" len="med"/>
+                    </a:lnR>
+                    <a:lnT w="12700" cap="flat" cmpd="sng" algn="ctr">
+                      <a:solidFill>
+                        <a:schemeClr val="tx1"/>
+                      </a:solidFill>
+                      <a:prstDash val="solid"/>
+                      <a:round/>
+                      <a:headEnd type="none" w="med" len="med"/>
+                      <a:tailEnd type="none" w="med" len="med"/>
+                    </a:lnT>
+                    <a:lnB w="12700" cap="flat" cmpd="sng" algn="ctr">
+                      <a:solidFill>
+                        <a:schemeClr val="tx1"/>
+                      </a:solidFill>
+                      <a:prstDash val="solid"/>
+                      <a:round/>
+                      <a:headEnd type="none" w="med" len="med"/>
+                      <a:tailEnd type="none" w="med" len="med"/>
+                    </a:lnB>
+                  </a:tcPr>
+                </a:tc>
+                <a:tc>
+                  <a:txBody>
+                    <a:bodyPr/>
+                    <a:lstStyle/>
+                    <a:p>
+                      <a:pPr marL="0" marR="0" lvl="0" indent="0" algn="l" defTabSz="685800" rtl="0" eaLnBrk="1" fontAlgn="auto" latinLnBrk="0" hangingPunct="1">
+                        <a:lnSpc>
+                          <a:spcPct val="100000"/>
+                        </a:lnSpc>
+                        <a:spcBef>
+                          <a:spcPts val="0"/>
+                        </a:spcBef>
+                        <a:spcAft>
+                          <a:spcPts val="0"/>
+                        </a:spcAft>
+                        <a:buClrTx/>
+                        <a:buSzTx/>
+                        <a:buFontTx/>
+                        <a:buNone/>
+                        <a:tabLst/>
+                        <a:defRPr/>
+                      </a:pPr>
+                      <a:r>
+                        <a:rPr lang="ja-JP" altLang="en-US" dirty="0" smtClean="0"/>
+                        <a:t>作業の偏り</a:t>
+                      </a:r>
+                    </a:p>
+                  </a:txBody>
+                  <a:tcPr>
+                    <a:lnL w="12700" cap="flat" cmpd="sng" algn="ctr">
+                      <a:solidFill>
+                        <a:schemeClr val="tx1"/>
+                      </a:solidFill>
+                      <a:prstDash val="solid"/>
+                      <a:round/>
+                      <a:headEnd type="none" w="med" len="med"/>
+                      <a:tailEnd type="none" w="med" len="med"/>
+                    </a:lnL>
+                    <a:lnR w="12700" cap="flat" cmpd="sng" algn="ctr">
+                      <a:solidFill>
+                        <a:schemeClr val="tx1"/>
+                      </a:solidFill>
+                      <a:prstDash val="solid"/>
+                      <a:round/>
+                      <a:headEnd type="none" w="med" len="med"/>
+                      <a:tailEnd type="none" w="med" len="med"/>
+                    </a:lnR>
+                    <a:lnT w="12700" cap="flat" cmpd="sng" algn="ctr">
+                      <a:solidFill>
+                        <a:schemeClr val="tx1"/>
+                      </a:solidFill>
+                      <a:prstDash val="solid"/>
+                      <a:round/>
+                      <a:headEnd type="none" w="med" len="med"/>
+                      <a:tailEnd type="none" w="med" len="med"/>
+                    </a:lnT>
+                    <a:lnB w="12700" cap="flat" cmpd="sng" algn="ctr">
+                      <a:solidFill>
+                        <a:schemeClr val="tx1"/>
+                      </a:solidFill>
+                      <a:prstDash val="solid"/>
+                      <a:round/>
+                      <a:headEnd type="none" w="med" len="med"/>
+                      <a:tailEnd type="none" w="med" len="med"/>
+                    </a:lnB>
+                  </a:tcPr>
                 </a:tc>
               </a:tr>
             </a:tbl>
@@ -4940,67 +5428,13 @@
       </p:graphicFrame>
       <p:sp>
         <p:nvSpPr>
-          <p:cNvPr id="47" name="フローチャート: 代替処理 46"/>
-          <p:cNvSpPr/>
-          <p:nvPr/>
-        </p:nvSpPr>
-        <p:spPr>
-          <a:xfrm>
-            <a:off x="3619390" y="5694316"/>
-            <a:ext cx="1622491" cy="293415"/>
-          </a:xfrm>
-          <a:prstGeom prst="flowChartAlternateProcess">
-            <a:avLst/>
-          </a:prstGeom>
-          <a:ln>
-            <a:solidFill>
-              <a:schemeClr val="accent6">
-                <a:lumMod val="60000"/>
-                <a:lumOff val="40000"/>
-              </a:schemeClr>
-            </a:solidFill>
-          </a:ln>
-        </p:spPr>
-        <p:style>
-          <a:lnRef idx="2">
-            <a:schemeClr val="accent3"/>
-          </a:lnRef>
-          <a:fillRef idx="1">
-            <a:schemeClr val="lt1"/>
-          </a:fillRef>
-          <a:effectRef idx="0">
-            <a:schemeClr val="accent3"/>
-          </a:effectRef>
-          <a:fontRef idx="minor">
-            <a:schemeClr val="dk1"/>
-          </a:fontRef>
-        </p:style>
-        <p:txBody>
-          <a:bodyPr tIns="0" rtlCol="0" anchor="t"/>
-          <a:lstStyle/>
-          <a:p>
-            <a:pPr algn="ctr"/>
-            <a:r>
-              <a:rPr lang="ja-JP" altLang="en-US" sz="1600" dirty="0" smtClean="0"/>
-              <a:t>グループワーク</a:t>
-            </a:r>
-            <a:endParaRPr lang="en-US" altLang="ja-JP" sz="1600" dirty="0"/>
-          </a:p>
-          <a:p>
-            <a:pPr algn="ctr"/>
-            <a:endParaRPr lang="en-US" altLang="ja-JP" sz="1600" dirty="0" smtClean="0"/>
-          </a:p>
-        </p:txBody>
-      </p:sp>
-      <p:sp>
-        <p:nvSpPr>
           <p:cNvPr id="52" name="フローチャート: 代替処理 51"/>
           <p:cNvSpPr/>
           <p:nvPr/>
         </p:nvSpPr>
         <p:spPr>
           <a:xfrm>
-            <a:off x="3621538" y="4942045"/>
+            <a:off x="3557935" y="5170952"/>
             <a:ext cx="3045962" cy="305142"/>
           </a:xfrm>
           <a:prstGeom prst="flowChartAlternateProcess">
@@ -5008,7 +5442,7 @@
           </a:prstGeom>
           <a:ln>
             <a:solidFill>
-              <a:schemeClr val="accent6">
+              <a:schemeClr val="accent1">
                 <a:lumMod val="75000"/>
               </a:schemeClr>
             </a:solidFill>
@@ -5034,10 +5468,10 @@
           <a:p>
             <a:pPr algn="ctr"/>
             <a:r>
-              <a:rPr lang="ja-JP" altLang="en-US" sz="1600" dirty="0" smtClean="0"/>
+              <a:rPr lang="ja-JP" altLang="en-US" sz="1600" dirty="0"/>
               <a:t>タイプとリスクの相関関係の分析</a:t>
             </a:r>
-            <a:endParaRPr lang="en-US" altLang="ja-JP" sz="1600" dirty="0" smtClean="0"/>
+            <a:endParaRPr lang="en-US" altLang="ja-JP" sz="1600" dirty="0"/>
           </a:p>
         </p:txBody>
       </p:sp>
@@ -5049,7 +5483,7 @@
         </p:nvSpPr>
         <p:spPr>
           <a:xfrm>
-            <a:off x="3621538" y="5321457"/>
+            <a:off x="3557935" y="5936690"/>
             <a:ext cx="3045962" cy="305142"/>
           </a:xfrm>
           <a:prstGeom prst="flowChartAlternateProcess">
@@ -5057,7 +5491,7 @@
           </a:prstGeom>
           <a:ln>
             <a:solidFill>
-              <a:schemeClr val="accent6">
+              <a:schemeClr val="accent1">
                 <a:lumMod val="75000"/>
               </a:schemeClr>
             </a:solidFill>
@@ -5083,10 +5517,9 @@
           <a:p>
             <a:pPr algn="ctr"/>
             <a:r>
-              <a:rPr lang="ja-JP" altLang="en-US" sz="1600" dirty="0" smtClean="0"/>
-              <a:t>仮説を立ててグループを決める</a:t>
-            </a:r>
-            <a:endParaRPr lang="ja-JP" altLang="en-US" sz="1600" dirty="0"/>
+              <a:rPr lang="ja-JP" altLang="en-US" sz="1600" dirty="0"/>
+              <a:t>性格検査し、グループを決める</a:t>
+            </a:r>
           </a:p>
         </p:txBody>
       </p:sp>
@@ -5098,18 +5531,149 @@
         </p:nvSpPr>
         <p:spPr>
           <a:xfrm>
-            <a:off x="5318760" y="4114595"/>
-            <a:ext cx="1348740" cy="729831"/>
+            <a:off x="5261610" y="4325842"/>
+            <a:ext cx="1420251" cy="729831"/>
           </a:xfrm>
           <a:prstGeom prst="wedgeRectCallout">
             <a:avLst>
-              <a:gd name="adj1" fmla="val -58538"/>
-              <a:gd name="adj2" fmla="val -43550"/>
+              <a:gd name="adj1" fmla="val -55185"/>
+              <a:gd name="adj2" fmla="val -31804"/>
             </a:avLst>
           </a:prstGeom>
           <a:ln>
             <a:solidFill>
               <a:schemeClr val="bg1">
+                <a:lumMod val="65000"/>
+              </a:schemeClr>
+            </a:solidFill>
+          </a:ln>
+        </p:spPr>
+        <p:style>
+          <a:lnRef idx="2">
+            <a:schemeClr val="accent6"/>
+          </a:lnRef>
+          <a:fillRef idx="1">
+            <a:schemeClr val="lt1"/>
+          </a:fillRef>
+          <a:effectRef idx="0">
+            <a:schemeClr val="accent6"/>
+          </a:effectRef>
+          <a:fontRef idx="minor">
+            <a:schemeClr val="dk1"/>
+          </a:fontRef>
+        </p:style>
+        <p:txBody>
+          <a:bodyPr rtlCol="0" anchor="ctr"/>
+          <a:lstStyle/>
+          <a:p>
+            <a:r>
+              <a:rPr lang="en-US" altLang="ja-JP" sz="1400" dirty="0"/>
+              <a:t>PM</a:t>
+            </a:r>
+            <a:r>
+              <a:rPr lang="ja-JP" altLang="en-US" sz="1400" dirty="0"/>
+              <a:t>実験、演習</a:t>
+            </a:r>
+            <a:r>
+              <a:rPr lang="en-US" altLang="ja-JP" sz="1400" dirty="0"/>
+              <a:t/>
+            </a:r>
+            <a:br>
+              <a:rPr lang="en-US" altLang="ja-JP" sz="1400" dirty="0"/>
+            </a:br>
+            <a:r>
+              <a:rPr lang="en-US" altLang="ja-JP" sz="1400" dirty="0"/>
+              <a:t>P</a:t>
+            </a:r>
+            <a:r>
+              <a:rPr lang="ja-JP" altLang="en-US" sz="1400" dirty="0"/>
+              <a:t>言語とプログラミング</a:t>
+            </a:r>
+          </a:p>
+        </p:txBody>
+      </p:sp>
+      <p:sp>
+        <p:nvSpPr>
+          <p:cNvPr id="55" name="四角形吹き出し 54"/>
+          <p:cNvSpPr/>
+          <p:nvPr/>
+        </p:nvSpPr>
+        <p:spPr>
+          <a:xfrm>
+            <a:off x="5261609" y="6345076"/>
+            <a:ext cx="1420252" cy="703251"/>
+          </a:xfrm>
+          <a:prstGeom prst="wedgeRectCallout">
+            <a:avLst>
+              <a:gd name="adj1" fmla="val -53173"/>
+              <a:gd name="adj2" fmla="val -31360"/>
+            </a:avLst>
+          </a:prstGeom>
+          <a:ln>
+            <a:solidFill>
+              <a:schemeClr val="bg1">
+                <a:lumMod val="65000"/>
+              </a:schemeClr>
+            </a:solidFill>
+          </a:ln>
+        </p:spPr>
+        <p:style>
+          <a:lnRef idx="2">
+            <a:schemeClr val="accent6"/>
+          </a:lnRef>
+          <a:fillRef idx="1">
+            <a:schemeClr val="lt1"/>
+          </a:fillRef>
+          <a:effectRef idx="0">
+            <a:schemeClr val="accent6"/>
+          </a:effectRef>
+          <a:fontRef idx="minor">
+            <a:schemeClr val="dk1"/>
+          </a:fontRef>
+        </p:style>
+        <p:txBody>
+          <a:bodyPr rtlCol="0" anchor="ctr"/>
+          <a:lstStyle/>
+          <a:p>
+            <a:r>
+              <a:rPr lang="en-US" altLang="ja-JP" sz="1400" dirty="0"/>
+              <a:t>PM</a:t>
+            </a:r>
+            <a:r>
+              <a:rPr lang="ja-JP" altLang="en-US" sz="1400" dirty="0"/>
+              <a:t>実験</a:t>
+            </a:r>
+            <a:r>
+              <a:rPr lang="en-US" altLang="ja-JP" sz="1400" dirty="0"/>
+              <a:t/>
+            </a:r>
+            <a:br>
+              <a:rPr lang="en-US" altLang="ja-JP" sz="1400" dirty="0"/>
+            </a:br>
+            <a:r>
+              <a:rPr lang="ja-JP" altLang="en-US" sz="1400" dirty="0"/>
+              <a:t>データマイニング入門</a:t>
+            </a:r>
+          </a:p>
+        </p:txBody>
+      </p:sp>
+      <p:sp>
+        <p:nvSpPr>
+          <p:cNvPr id="56" name="フローチャート: 代替処理 55"/>
+          <p:cNvSpPr/>
+          <p:nvPr/>
+        </p:nvSpPr>
+        <p:spPr>
+          <a:xfrm>
+            <a:off x="3573095" y="7019083"/>
+            <a:ext cx="1611637" cy="305142"/>
+          </a:xfrm>
+          <a:prstGeom prst="flowChartAlternateProcess">
+            <a:avLst/>
+          </a:prstGeom>
+          <a:ln>
+            <a:solidFill>
+              <a:schemeClr val="accent1">
                 <a:lumMod val="75000"/>
               </a:schemeClr>
             </a:solidFill>
@@ -5133,52 +5697,2560 @@
           <a:bodyPr rtlCol="0" anchor="ctr"/>
           <a:lstStyle/>
           <a:p>
-            <a:r>
-              <a:rPr lang="en-US" altLang="ja-JP" sz="1400" dirty="0" smtClean="0"/>
+            <a:pPr algn="ctr"/>
+            <a:r>
+              <a:rPr lang="ja-JP" altLang="en-US" sz="1600" dirty="0"/>
+              <a:t>仮説の実証</a:t>
+            </a:r>
+          </a:p>
+        </p:txBody>
+      </p:sp>
+      <p:sp>
+        <p:nvSpPr>
+          <p:cNvPr id="57" name="テキスト ボックス 56"/>
+          <p:cNvSpPr txBox="1"/>
+          <p:nvPr/>
+        </p:nvSpPr>
+        <p:spPr>
+          <a:xfrm>
+            <a:off x="3498977" y="7956440"/>
+            <a:ext cx="3147259" cy="1815882"/>
+          </a:xfrm>
+          <a:prstGeom prst="rect">
+            <a:avLst/>
+          </a:prstGeom>
+          <a:noFill/>
+        </p:spPr>
+        <p:txBody>
+          <a:bodyPr wrap="square" rtlCol="0">
+            <a:spAutoFit/>
+          </a:bodyPr>
+          <a:lstStyle/>
+          <a:p>
+            <a:pPr marL="285750" indent="-285750">
+              <a:buFont typeface="Arial" panose="020B0604020202020204" pitchFamily="34" charset="0"/>
+              <a:buChar char="•"/>
+            </a:pPr>
+            <a:r>
+              <a:rPr lang="ja-JP" altLang="en-US" sz="1600" dirty="0"/>
+              <a:t>データマイニング入門と</a:t>
+            </a:r>
+            <a:r>
+              <a:rPr lang="en-US" altLang="ja-JP" sz="1600" dirty="0"/>
               <a:t>PM</a:t>
             </a:r>
             <a:r>
-              <a:rPr lang="ja-JP" altLang="en-US" sz="1400" dirty="0" smtClean="0"/>
-              <a:t>実験、演習</a:t>
-            </a:r>
-            <a:r>
-              <a:rPr lang="en-US" altLang="ja-JP" sz="1400" dirty="0"/>
-              <a:t/>
-            </a:r>
-            <a:br>
-              <a:rPr lang="en-US" altLang="ja-JP" sz="1400" dirty="0"/>
-            </a:br>
-            <a:r>
-              <a:rPr lang="en-US" altLang="ja-JP" sz="1400" dirty="0" smtClean="0"/>
-              <a:t>P</a:t>
-            </a:r>
-            <a:r>
-              <a:rPr lang="ja-JP" altLang="en-US" sz="1400" dirty="0"/>
-              <a:t>言語とプログラミング</a:t>
-            </a:r>
-          </a:p>
-        </p:txBody>
-      </p:sp>
-      <p:sp>
-        <p:nvSpPr>
-          <p:cNvPr id="55" name="四角形吹き出し 54"/>
+              <a:rPr lang="ja-JP" altLang="en-US" sz="1600" dirty="0"/>
+              <a:t>実験で性格検査を行う</a:t>
+            </a:r>
+            <a:endParaRPr lang="en-US" altLang="ja-JP" sz="1600" dirty="0"/>
+          </a:p>
+          <a:p>
+            <a:pPr marL="285750" indent="-285750">
+              <a:buFont typeface="Arial" panose="020B0604020202020204" pitchFamily="34" charset="0"/>
+              <a:buChar char="•"/>
+            </a:pPr>
+            <a:r>
+              <a:rPr lang="ja-JP" altLang="en-US" sz="1600" dirty="0"/>
+              <a:t>仮説を元にグループを分ける</a:t>
+            </a:r>
+            <a:endParaRPr lang="en-US" altLang="ja-JP" sz="1600" dirty="0"/>
+          </a:p>
+          <a:p>
+            <a:pPr marL="285750" indent="-285750">
+              <a:buFont typeface="Arial" panose="020B0604020202020204" pitchFamily="34" charset="0"/>
+              <a:buChar char="•"/>
+            </a:pPr>
+            <a:r>
+              <a:rPr lang="ja-JP" altLang="en-US" sz="1600" dirty="0"/>
+              <a:t>グループワーク後、アンケートを行う</a:t>
+            </a:r>
+            <a:endParaRPr lang="en-US" altLang="ja-JP" sz="1600" dirty="0"/>
+          </a:p>
+          <a:p>
+            <a:pPr marL="285750" indent="-285750">
+              <a:buFont typeface="Arial" panose="020B0604020202020204" pitchFamily="34" charset="0"/>
+              <a:buChar char="•"/>
+            </a:pPr>
+            <a:r>
+              <a:rPr lang="ja-JP" altLang="en-US" sz="1600" dirty="0"/>
+              <a:t>そのデータを分析し仮説を実証する</a:t>
+            </a:r>
+            <a:endParaRPr lang="en-US" altLang="ja-JP" sz="1600" dirty="0"/>
+          </a:p>
+        </p:txBody>
+      </p:sp>
+      <p:sp>
+        <p:nvSpPr>
+          <p:cNvPr id="59" name="テキスト ボックス 58"/>
+          <p:cNvSpPr txBox="1"/>
+          <p:nvPr/>
+        </p:nvSpPr>
+        <p:spPr>
+          <a:xfrm>
+            <a:off x="204497" y="7950726"/>
+            <a:ext cx="3022378" cy="1077218"/>
+          </a:xfrm>
+          <a:prstGeom prst="rect">
+            <a:avLst/>
+          </a:prstGeom>
+          <a:noFill/>
+        </p:spPr>
+        <p:txBody>
+          <a:bodyPr wrap="square" rtlCol="0">
+            <a:spAutoFit/>
+          </a:bodyPr>
+          <a:lstStyle/>
+          <a:p>
+            <a:pPr marL="285750" indent="-285750">
+              <a:buFont typeface="Arial" panose="020B0604020202020204" pitchFamily="34" charset="0"/>
+              <a:buChar char="•"/>
+            </a:pPr>
+            <a:r>
+              <a:rPr lang="en-US" altLang="ja-JP" sz="1600" dirty="0"/>
+              <a:t>PM</a:t>
+            </a:r>
+            <a:r>
+              <a:rPr lang="ja-JP" altLang="en-US" sz="1600" dirty="0"/>
+              <a:t>実験などのグループからデータを収集した</a:t>
+            </a:r>
+            <a:endParaRPr lang="en-US" altLang="ja-JP" sz="1600" dirty="0"/>
+          </a:p>
+          <a:p>
+            <a:pPr marL="285750" indent="-285750">
+              <a:buFont typeface="Arial" panose="020B0604020202020204" pitchFamily="34" charset="0"/>
+              <a:buChar char="•"/>
+            </a:pPr>
+            <a:r>
+              <a:rPr lang="ja-JP" altLang="en-US" sz="1600" dirty="0"/>
+              <a:t>性格検査とアンケートの結果をアソシエーション分析した</a:t>
+            </a:r>
+            <a:endParaRPr lang="en-US" altLang="ja-JP" sz="1600" dirty="0"/>
+          </a:p>
+        </p:txBody>
+      </p:sp>
+      <p:graphicFrame>
+        <p:nvGraphicFramePr>
+          <p:cNvPr id="2" name="表 1"/>
+          <p:cNvGraphicFramePr>
+            <a:graphicFrameLocks noGrp="1"/>
+          </p:cNvGraphicFramePr>
+          <p:nvPr>
+            <p:extLst>
+              <p:ext uri="{D42A27DB-BD31-4B8C-83A1-F6EECF244321}">
+                <p14:modId xmlns:p14="http://schemas.microsoft.com/office/powerpoint/2010/main" val="1662138372"/>
+              </p:ext>
+            </p:extLst>
+          </p:nvPr>
+        </p:nvGraphicFramePr>
+        <p:xfrm>
+          <a:off x="315773" y="9011118"/>
+          <a:ext cx="2837926" cy="733425"/>
+        </p:xfrm>
+        <a:graphic>
+          <a:graphicData uri="http://schemas.openxmlformats.org/drawingml/2006/table">
+            <a:tbl>
+              <a:tblPr/>
+              <a:tblGrid>
+                <a:gridCol w="310127"/>
+                <a:gridCol w="311150"/>
+                <a:gridCol w="266700"/>
+                <a:gridCol w="196850"/>
+                <a:gridCol w="450850"/>
+                <a:gridCol w="546100"/>
+                <a:gridCol w="450850"/>
+                <a:gridCol w="305299"/>
+              </a:tblGrid>
+              <a:tr h="110183">
+                <a:tc gridSpan="3">
+                  <a:txBody>
+                    <a:bodyPr/>
+                    <a:lstStyle/>
+                    <a:p>
+                      <a:pPr algn="l" fontAlgn="ctr"/>
+                      <a:r>
+                        <a:rPr lang="en-US" sz="900" b="0" i="0" u="none" strike="noStrike" dirty="0">
+                          <a:solidFill>
+                            <a:srgbClr val="000000"/>
+                          </a:solidFill>
+                          <a:effectLst/>
+                          <a:latin typeface="ＭＳ Ｐゴシック" panose="020B0600070205080204" pitchFamily="50" charset="-128"/>
+                          <a:ea typeface="ＭＳ Ｐゴシック" panose="020B0600070205080204" pitchFamily="50" charset="-128"/>
+                        </a:rPr>
+                        <a:t>lhs            </a:t>
+                      </a:r>
+                    </a:p>
+                  </a:txBody>
+                  <a:tcPr marL="9525" marR="9525" marT="9525" marB="0" anchor="ctr">
+                    <a:lnL w="12700" cap="flat" cmpd="sng" algn="ctr">
+                      <a:solidFill>
+                        <a:schemeClr val="tx1"/>
+                      </a:solidFill>
+                      <a:prstDash val="solid"/>
+                      <a:round/>
+                      <a:headEnd type="none" w="med" len="med"/>
+                      <a:tailEnd type="none" w="med" len="med"/>
+                    </a:lnL>
+                    <a:lnR w="12700" cap="flat" cmpd="sng" algn="ctr">
+                      <a:solidFill>
+                        <a:schemeClr val="tx1"/>
+                      </a:solidFill>
+                      <a:prstDash val="solid"/>
+                      <a:round/>
+                      <a:headEnd type="none" w="med" len="med"/>
+                      <a:tailEnd type="none" w="med" len="med"/>
+                    </a:lnR>
+                    <a:lnT w="12700" cap="flat" cmpd="sng" algn="ctr">
+                      <a:solidFill>
+                        <a:schemeClr val="tx1"/>
+                      </a:solidFill>
+                      <a:prstDash val="solid"/>
+                      <a:round/>
+                      <a:headEnd type="none" w="med" len="med"/>
+                      <a:tailEnd type="none" w="med" len="med"/>
+                    </a:lnT>
+                    <a:lnB w="12700" cap="flat" cmpd="sng" algn="ctr">
+                      <a:solidFill>
+                        <a:schemeClr val="tx1"/>
+                      </a:solidFill>
+                      <a:prstDash val="solid"/>
+                      <a:round/>
+                      <a:headEnd type="none" w="med" len="med"/>
+                      <a:tailEnd type="none" w="med" len="med"/>
+                    </a:lnB>
+                  </a:tcPr>
+                </a:tc>
+                <a:tc hMerge="1">
+                  <a:txBody>
+                    <a:bodyPr/>
+                    <a:lstStyle/>
+                    <a:p>
+                      <a:endParaRPr kumimoji="1" lang="ja-JP" altLang="en-US"/>
+                    </a:p>
+                  </a:txBody>
+                  <a:tcPr/>
+                </a:tc>
+                <a:tc hMerge="1">
+                  <a:txBody>
+                    <a:bodyPr/>
+                    <a:lstStyle/>
+                    <a:p>
+                      <a:pPr algn="l" fontAlgn="ctr"/>
+                      <a:endParaRPr lang="ja-JP" altLang="en-US" sz="1100" b="0" i="0" u="none" strike="noStrike" dirty="0">
+                        <a:solidFill>
+                          <a:srgbClr val="000000"/>
+                        </a:solidFill>
+                        <a:effectLst/>
+                        <a:latin typeface="ＭＳ Ｐゴシック" panose="020B0600070205080204" pitchFamily="50" charset="-128"/>
+                        <a:ea typeface="ＭＳ Ｐゴシック" panose="020B0600070205080204" pitchFamily="50" charset="-128"/>
+                      </a:endParaRPr>
+                    </a:p>
+                  </a:txBody>
+                  <a:tcPr marL="9525" marR="9525" marT="9525" marB="0" anchor="ctr">
+                    <a:lnL w="12700" cap="flat" cmpd="sng" algn="ctr">
+                      <a:solidFill>
+                        <a:schemeClr val="tx1"/>
+                      </a:solidFill>
+                      <a:prstDash val="solid"/>
+                      <a:round/>
+                      <a:headEnd type="none" w="med" len="med"/>
+                      <a:tailEnd type="none" w="med" len="med"/>
+                    </a:lnL>
+                    <a:lnR w="12700" cap="flat" cmpd="sng" algn="ctr">
+                      <a:solidFill>
+                        <a:schemeClr val="tx1"/>
+                      </a:solidFill>
+                      <a:prstDash val="solid"/>
+                      <a:round/>
+                      <a:headEnd type="none" w="med" len="med"/>
+                      <a:tailEnd type="none" w="med" len="med"/>
+                    </a:lnR>
+                    <a:lnT w="12700" cap="flat" cmpd="sng" algn="ctr">
+                      <a:solidFill>
+                        <a:schemeClr val="tx1"/>
+                      </a:solidFill>
+                      <a:prstDash val="solid"/>
+                      <a:round/>
+                      <a:headEnd type="none" w="med" len="med"/>
+                      <a:tailEnd type="none" w="med" len="med"/>
+                    </a:lnT>
+                    <a:lnB w="12700" cap="flat" cmpd="sng" algn="ctr">
+                      <a:solidFill>
+                        <a:schemeClr val="tx1"/>
+                      </a:solidFill>
+                      <a:prstDash val="solid"/>
+                      <a:round/>
+                      <a:headEnd type="none" w="med" len="med"/>
+                      <a:tailEnd type="none" w="med" len="med"/>
+                    </a:lnB>
+                  </a:tcPr>
+                </a:tc>
+                <a:tc>
+                  <a:txBody>
+                    <a:bodyPr/>
+                    <a:lstStyle/>
+                    <a:p>
+                      <a:pPr algn="l" fontAlgn="ctr"/>
+                      <a:r>
+                        <a:rPr lang="en-US" sz="900" b="0" i="0" u="none" strike="noStrike">
+                          <a:solidFill>
+                            <a:srgbClr val="000000"/>
+                          </a:solidFill>
+                          <a:effectLst/>
+                          <a:latin typeface="ＭＳ Ｐゴシック" panose="020B0600070205080204" pitchFamily="50" charset="-128"/>
+                          <a:ea typeface="ＭＳ Ｐゴシック" panose="020B0600070205080204" pitchFamily="50" charset="-128"/>
+                        </a:rPr>
+                        <a:t>rhs</a:t>
+                      </a:r>
+                    </a:p>
+                  </a:txBody>
+                  <a:tcPr marL="9525" marR="9525" marT="9525" marB="0" anchor="ctr">
+                    <a:lnL w="12700" cap="flat" cmpd="sng" algn="ctr">
+                      <a:solidFill>
+                        <a:schemeClr val="tx1"/>
+                      </a:solidFill>
+                      <a:prstDash val="solid"/>
+                      <a:round/>
+                      <a:headEnd type="none" w="med" len="med"/>
+                      <a:tailEnd type="none" w="med" len="med"/>
+                    </a:lnL>
+                    <a:lnR w="12700" cap="flat" cmpd="sng" algn="ctr">
+                      <a:solidFill>
+                        <a:schemeClr val="tx1"/>
+                      </a:solidFill>
+                      <a:prstDash val="solid"/>
+                      <a:round/>
+                      <a:headEnd type="none" w="med" len="med"/>
+                      <a:tailEnd type="none" w="med" len="med"/>
+                    </a:lnR>
+                    <a:lnT w="12700" cap="flat" cmpd="sng" algn="ctr">
+                      <a:solidFill>
+                        <a:schemeClr val="tx1"/>
+                      </a:solidFill>
+                      <a:prstDash val="solid"/>
+                      <a:round/>
+                      <a:headEnd type="none" w="med" len="med"/>
+                      <a:tailEnd type="none" w="med" len="med"/>
+                    </a:lnT>
+                    <a:lnB w="12700" cap="flat" cmpd="sng" algn="ctr">
+                      <a:solidFill>
+                        <a:schemeClr val="tx1"/>
+                      </a:solidFill>
+                      <a:prstDash val="solid"/>
+                      <a:round/>
+                      <a:headEnd type="none" w="med" len="med"/>
+                      <a:tailEnd type="none" w="med" len="med"/>
+                    </a:lnB>
+                  </a:tcPr>
+                </a:tc>
+                <a:tc>
+                  <a:txBody>
+                    <a:bodyPr/>
+                    <a:lstStyle/>
+                    <a:p>
+                      <a:pPr algn="l" fontAlgn="ctr"/>
+                      <a:r>
+                        <a:rPr lang="en-US" sz="900" b="0" i="0" u="none" strike="noStrike">
+                          <a:solidFill>
+                            <a:srgbClr val="000000"/>
+                          </a:solidFill>
+                          <a:effectLst/>
+                          <a:latin typeface="ＭＳ Ｐゴシック" panose="020B0600070205080204" pitchFamily="50" charset="-128"/>
+                          <a:ea typeface="ＭＳ Ｐゴシック" panose="020B0600070205080204" pitchFamily="50" charset="-128"/>
+                        </a:rPr>
+                        <a:t>support </a:t>
+                      </a:r>
+                    </a:p>
+                  </a:txBody>
+                  <a:tcPr marL="9525" marR="9525" marT="9525" marB="0" anchor="ctr">
+                    <a:lnL w="12700" cap="flat" cmpd="sng" algn="ctr">
+                      <a:solidFill>
+                        <a:schemeClr val="tx1"/>
+                      </a:solidFill>
+                      <a:prstDash val="solid"/>
+                      <a:round/>
+                      <a:headEnd type="none" w="med" len="med"/>
+                      <a:tailEnd type="none" w="med" len="med"/>
+                    </a:lnL>
+                    <a:lnR w="12700" cap="flat" cmpd="sng" algn="ctr">
+                      <a:solidFill>
+                        <a:schemeClr val="tx1"/>
+                      </a:solidFill>
+                      <a:prstDash val="solid"/>
+                      <a:round/>
+                      <a:headEnd type="none" w="med" len="med"/>
+                      <a:tailEnd type="none" w="med" len="med"/>
+                    </a:lnR>
+                    <a:lnT w="12700" cap="flat" cmpd="sng" algn="ctr">
+                      <a:solidFill>
+                        <a:schemeClr val="tx1"/>
+                      </a:solidFill>
+                      <a:prstDash val="solid"/>
+                      <a:round/>
+                      <a:headEnd type="none" w="med" len="med"/>
+                      <a:tailEnd type="none" w="med" len="med"/>
+                    </a:lnT>
+                    <a:lnB w="12700" cap="flat" cmpd="sng" algn="ctr">
+                      <a:solidFill>
+                        <a:schemeClr val="tx1"/>
+                      </a:solidFill>
+                      <a:prstDash val="solid"/>
+                      <a:round/>
+                      <a:headEnd type="none" w="med" len="med"/>
+                      <a:tailEnd type="none" w="med" len="med"/>
+                    </a:lnB>
+                  </a:tcPr>
+                </a:tc>
+                <a:tc>
+                  <a:txBody>
+                    <a:bodyPr/>
+                    <a:lstStyle/>
+                    <a:p>
+                      <a:pPr algn="l" fontAlgn="ctr"/>
+                      <a:r>
+                        <a:rPr lang="en-US" sz="900" b="0" i="0" u="none" strike="noStrike">
+                          <a:solidFill>
+                            <a:srgbClr val="000000"/>
+                          </a:solidFill>
+                          <a:effectLst/>
+                          <a:latin typeface="ＭＳ Ｐゴシック" panose="020B0600070205080204" pitchFamily="50" charset="-128"/>
+                          <a:ea typeface="ＭＳ Ｐゴシック" panose="020B0600070205080204" pitchFamily="50" charset="-128"/>
+                        </a:rPr>
+                        <a:t>confidence </a:t>
+                      </a:r>
+                    </a:p>
+                  </a:txBody>
+                  <a:tcPr marL="9525" marR="9525" marT="9525" marB="0" anchor="ctr">
+                    <a:lnL w="12700" cap="flat" cmpd="sng" algn="ctr">
+                      <a:solidFill>
+                        <a:schemeClr val="tx1"/>
+                      </a:solidFill>
+                      <a:prstDash val="solid"/>
+                      <a:round/>
+                      <a:headEnd type="none" w="med" len="med"/>
+                      <a:tailEnd type="none" w="med" len="med"/>
+                    </a:lnL>
+                    <a:lnR w="12700" cap="flat" cmpd="sng" algn="ctr">
+                      <a:solidFill>
+                        <a:schemeClr val="tx1"/>
+                      </a:solidFill>
+                      <a:prstDash val="solid"/>
+                      <a:round/>
+                      <a:headEnd type="none" w="med" len="med"/>
+                      <a:tailEnd type="none" w="med" len="med"/>
+                    </a:lnR>
+                    <a:lnT w="12700" cap="flat" cmpd="sng" algn="ctr">
+                      <a:solidFill>
+                        <a:schemeClr val="tx1"/>
+                      </a:solidFill>
+                      <a:prstDash val="solid"/>
+                      <a:round/>
+                      <a:headEnd type="none" w="med" len="med"/>
+                      <a:tailEnd type="none" w="med" len="med"/>
+                    </a:lnT>
+                    <a:lnB w="12700" cap="flat" cmpd="sng" algn="ctr">
+                      <a:solidFill>
+                        <a:schemeClr val="tx1"/>
+                      </a:solidFill>
+                      <a:prstDash val="solid"/>
+                      <a:round/>
+                      <a:headEnd type="none" w="med" len="med"/>
+                      <a:tailEnd type="none" w="med" len="med"/>
+                    </a:lnB>
+                  </a:tcPr>
+                </a:tc>
+                <a:tc>
+                  <a:txBody>
+                    <a:bodyPr/>
+                    <a:lstStyle/>
+                    <a:p>
+                      <a:pPr algn="l" fontAlgn="ctr"/>
+                      <a:r>
+                        <a:rPr lang="en-US" sz="900" b="0" i="0" u="none" strike="noStrike">
+                          <a:solidFill>
+                            <a:srgbClr val="000000"/>
+                          </a:solidFill>
+                          <a:effectLst/>
+                          <a:latin typeface="ＭＳ Ｐゴシック" panose="020B0600070205080204" pitchFamily="50" charset="-128"/>
+                          <a:ea typeface="ＭＳ Ｐゴシック" panose="020B0600070205080204" pitchFamily="50" charset="-128"/>
+                        </a:rPr>
+                        <a:t>lift   </a:t>
+                      </a:r>
+                    </a:p>
+                  </a:txBody>
+                  <a:tcPr marL="9525" marR="9525" marT="9525" marB="0" anchor="ctr">
+                    <a:lnL w="12700" cap="flat" cmpd="sng" algn="ctr">
+                      <a:solidFill>
+                        <a:schemeClr val="tx1"/>
+                      </a:solidFill>
+                      <a:prstDash val="solid"/>
+                      <a:round/>
+                      <a:headEnd type="none" w="med" len="med"/>
+                      <a:tailEnd type="none" w="med" len="med"/>
+                    </a:lnL>
+                    <a:lnR w="12700" cap="flat" cmpd="sng" algn="ctr">
+                      <a:solidFill>
+                        <a:schemeClr val="tx1"/>
+                      </a:solidFill>
+                      <a:prstDash val="solid"/>
+                      <a:round/>
+                      <a:headEnd type="none" w="med" len="med"/>
+                      <a:tailEnd type="none" w="med" len="med"/>
+                    </a:lnR>
+                    <a:lnT w="12700" cap="flat" cmpd="sng" algn="ctr">
+                      <a:solidFill>
+                        <a:schemeClr val="tx1"/>
+                      </a:solidFill>
+                      <a:prstDash val="solid"/>
+                      <a:round/>
+                      <a:headEnd type="none" w="med" len="med"/>
+                      <a:tailEnd type="none" w="med" len="med"/>
+                    </a:lnT>
+                    <a:lnB w="12700" cap="flat" cmpd="sng" algn="ctr">
+                      <a:solidFill>
+                        <a:schemeClr val="tx1"/>
+                      </a:solidFill>
+                      <a:prstDash val="solid"/>
+                      <a:round/>
+                      <a:headEnd type="none" w="med" len="med"/>
+                      <a:tailEnd type="none" w="med" len="med"/>
+                    </a:lnB>
+                  </a:tcPr>
+                </a:tc>
+                <a:tc>
+                  <a:txBody>
+                    <a:bodyPr/>
+                    <a:lstStyle/>
+                    <a:p>
+                      <a:pPr algn="l" fontAlgn="ctr"/>
+                      <a:r>
+                        <a:rPr lang="en-US" sz="900" b="0" i="0" u="none" strike="noStrike">
+                          <a:solidFill>
+                            <a:srgbClr val="000000"/>
+                          </a:solidFill>
+                          <a:effectLst/>
+                          <a:latin typeface="ＭＳ Ｐゴシック" panose="020B0600070205080204" pitchFamily="50" charset="-128"/>
+                          <a:ea typeface="ＭＳ Ｐゴシック" panose="020B0600070205080204" pitchFamily="50" charset="-128"/>
+                        </a:rPr>
+                        <a:t>count</a:t>
+                      </a:r>
+                    </a:p>
+                  </a:txBody>
+                  <a:tcPr marL="9525" marR="9525" marT="9525" marB="0" anchor="ctr">
+                    <a:lnL w="12700" cap="flat" cmpd="sng" algn="ctr">
+                      <a:solidFill>
+                        <a:schemeClr val="tx1"/>
+                      </a:solidFill>
+                      <a:prstDash val="solid"/>
+                      <a:round/>
+                      <a:headEnd type="none" w="med" len="med"/>
+                      <a:tailEnd type="none" w="med" len="med"/>
+                    </a:lnL>
+                    <a:lnR w="12700" cap="flat" cmpd="sng" algn="ctr">
+                      <a:solidFill>
+                        <a:schemeClr val="tx1"/>
+                      </a:solidFill>
+                      <a:prstDash val="solid"/>
+                      <a:round/>
+                      <a:headEnd type="none" w="med" len="med"/>
+                      <a:tailEnd type="none" w="med" len="med"/>
+                    </a:lnR>
+                    <a:lnT w="12700" cap="flat" cmpd="sng" algn="ctr">
+                      <a:solidFill>
+                        <a:schemeClr val="tx1"/>
+                      </a:solidFill>
+                      <a:prstDash val="solid"/>
+                      <a:round/>
+                      <a:headEnd type="none" w="med" len="med"/>
+                      <a:tailEnd type="none" w="med" len="med"/>
+                    </a:lnT>
+                    <a:lnB w="12700" cap="flat" cmpd="sng" algn="ctr">
+                      <a:solidFill>
+                        <a:schemeClr val="tx1"/>
+                      </a:solidFill>
+                      <a:prstDash val="solid"/>
+                      <a:round/>
+                      <a:headEnd type="none" w="med" len="med"/>
+                      <a:tailEnd type="none" w="med" len="med"/>
+                    </a:lnB>
+                  </a:tcPr>
+                </a:tc>
+              </a:tr>
+              <a:tr h="110183">
+                <a:tc>
+                  <a:txBody>
+                    <a:bodyPr/>
+                    <a:lstStyle/>
+                    <a:p>
+                      <a:pPr algn="l" fontAlgn="ctr"/>
+                      <a:r>
+                        <a:rPr lang="en-US" sz="900" b="0" i="0" u="none" strike="noStrike" dirty="0">
+                          <a:solidFill>
+                            <a:srgbClr val="000000"/>
+                          </a:solidFill>
+                          <a:effectLst/>
+                          <a:latin typeface="ＭＳ Ｐゴシック" panose="020B0600070205080204" pitchFamily="50" charset="-128"/>
+                          <a:ea typeface="ＭＳ Ｐゴシック" panose="020B0600070205080204" pitchFamily="50" charset="-128"/>
+                        </a:rPr>
+                        <a:t>ESTJ</a:t>
+                      </a:r>
+                    </a:p>
+                  </a:txBody>
+                  <a:tcPr marL="9525" marR="9525" marT="9525" marB="0" anchor="ctr">
+                    <a:lnL w="12700" cap="flat" cmpd="sng" algn="ctr">
+                      <a:solidFill>
+                        <a:schemeClr val="tx1"/>
+                      </a:solidFill>
+                      <a:prstDash val="solid"/>
+                      <a:round/>
+                      <a:headEnd type="none" w="med" len="med"/>
+                      <a:tailEnd type="none" w="med" len="med"/>
+                    </a:lnL>
+                    <a:lnR w="12700" cap="flat" cmpd="sng" algn="ctr">
+                      <a:solidFill>
+                        <a:schemeClr val="tx1"/>
+                      </a:solidFill>
+                      <a:prstDash val="solid"/>
+                      <a:round/>
+                      <a:headEnd type="none" w="med" len="med"/>
+                      <a:tailEnd type="none" w="med" len="med"/>
+                    </a:lnR>
+                    <a:lnT w="12700" cap="flat" cmpd="sng" algn="ctr">
+                      <a:solidFill>
+                        <a:schemeClr val="tx1"/>
+                      </a:solidFill>
+                      <a:prstDash val="solid"/>
+                      <a:round/>
+                      <a:headEnd type="none" w="med" len="med"/>
+                      <a:tailEnd type="none" w="med" len="med"/>
+                    </a:lnT>
+                    <a:lnB w="12700" cap="flat" cmpd="sng" algn="ctr">
+                      <a:solidFill>
+                        <a:schemeClr val="tx1"/>
+                      </a:solidFill>
+                      <a:prstDash val="solid"/>
+                      <a:round/>
+                      <a:headEnd type="none" w="med" len="med"/>
+                      <a:tailEnd type="none" w="med" len="med"/>
+                    </a:lnB>
+                  </a:tcPr>
+                </a:tc>
+                <a:tc>
+                  <a:txBody>
+                    <a:bodyPr/>
+                    <a:lstStyle/>
+                    <a:p>
+                      <a:pPr algn="l" fontAlgn="ctr"/>
+                      <a:r>
+                        <a:rPr lang="en-US" sz="900" b="0" i="0" u="none" strike="noStrike" dirty="0">
+                          <a:solidFill>
+                            <a:srgbClr val="000000"/>
+                          </a:solidFill>
+                          <a:effectLst/>
+                          <a:latin typeface="ＭＳ Ｐゴシック" panose="020B0600070205080204" pitchFamily="50" charset="-128"/>
+                          <a:ea typeface="ＭＳ Ｐゴシック" panose="020B0600070205080204" pitchFamily="50" charset="-128"/>
+                        </a:rPr>
+                        <a:t>INTP</a:t>
+                      </a:r>
+                    </a:p>
+                  </a:txBody>
+                  <a:tcPr marL="9525" marR="9525" marT="9525" marB="0" anchor="ctr">
+                    <a:lnL w="12700" cap="flat" cmpd="sng" algn="ctr">
+                      <a:solidFill>
+                        <a:schemeClr val="tx1"/>
+                      </a:solidFill>
+                      <a:prstDash val="solid"/>
+                      <a:round/>
+                      <a:headEnd type="none" w="med" len="med"/>
+                      <a:tailEnd type="none" w="med" len="med"/>
+                    </a:lnL>
+                    <a:lnR w="12700" cap="flat" cmpd="sng" algn="ctr">
+                      <a:solidFill>
+                        <a:schemeClr val="tx1"/>
+                      </a:solidFill>
+                      <a:prstDash val="solid"/>
+                      <a:round/>
+                      <a:headEnd type="none" w="med" len="med"/>
+                      <a:tailEnd type="none" w="med" len="med"/>
+                    </a:lnR>
+                    <a:lnT w="12700" cap="flat" cmpd="sng" algn="ctr">
+                      <a:solidFill>
+                        <a:schemeClr val="tx1"/>
+                      </a:solidFill>
+                      <a:prstDash val="solid"/>
+                      <a:round/>
+                      <a:headEnd type="none" w="med" len="med"/>
+                      <a:tailEnd type="none" w="med" len="med"/>
+                    </a:lnT>
+                    <a:lnB w="12700" cap="flat" cmpd="sng" algn="ctr">
+                      <a:solidFill>
+                        <a:schemeClr val="tx1"/>
+                      </a:solidFill>
+                      <a:prstDash val="solid"/>
+                      <a:round/>
+                      <a:headEnd type="none" w="med" len="med"/>
+                      <a:tailEnd type="none" w="med" len="med"/>
+                    </a:lnB>
+                  </a:tcPr>
+                </a:tc>
+                <a:tc>
+                  <a:txBody>
+                    <a:bodyPr/>
+                    <a:lstStyle/>
+                    <a:p>
+                      <a:pPr algn="l" fontAlgn="ctr"/>
+                      <a:endParaRPr lang="ja-JP" altLang="en-US" sz="900" b="0" i="0" u="none" strike="noStrike" dirty="0">
+                        <a:solidFill>
+                          <a:srgbClr val="000000"/>
+                        </a:solidFill>
+                        <a:effectLst/>
+                        <a:latin typeface="ＭＳ Ｐゴシック" panose="020B0600070205080204" pitchFamily="50" charset="-128"/>
+                        <a:ea typeface="ＭＳ Ｐゴシック" panose="020B0600070205080204" pitchFamily="50" charset="-128"/>
+                      </a:endParaRPr>
+                    </a:p>
+                  </a:txBody>
+                  <a:tcPr marL="9525" marR="9525" marT="9525" marB="0" anchor="ctr">
+                    <a:lnL w="12700" cap="flat" cmpd="sng" algn="ctr">
+                      <a:solidFill>
+                        <a:schemeClr val="tx1"/>
+                      </a:solidFill>
+                      <a:prstDash val="solid"/>
+                      <a:round/>
+                      <a:headEnd type="none" w="med" len="med"/>
+                      <a:tailEnd type="none" w="med" len="med"/>
+                    </a:lnL>
+                    <a:lnR w="12700" cap="flat" cmpd="sng" algn="ctr">
+                      <a:solidFill>
+                        <a:schemeClr val="tx1"/>
+                      </a:solidFill>
+                      <a:prstDash val="solid"/>
+                      <a:round/>
+                      <a:headEnd type="none" w="med" len="med"/>
+                      <a:tailEnd type="none" w="med" len="med"/>
+                    </a:lnR>
+                    <a:lnT w="12700" cap="flat" cmpd="sng" algn="ctr">
+                      <a:solidFill>
+                        <a:schemeClr val="tx1"/>
+                      </a:solidFill>
+                      <a:prstDash val="solid"/>
+                      <a:round/>
+                      <a:headEnd type="none" w="med" len="med"/>
+                      <a:tailEnd type="none" w="med" len="med"/>
+                    </a:lnT>
+                    <a:lnB w="12700" cap="flat" cmpd="sng" algn="ctr">
+                      <a:solidFill>
+                        <a:schemeClr val="tx1"/>
+                      </a:solidFill>
+                      <a:prstDash val="solid"/>
+                      <a:round/>
+                      <a:headEnd type="none" w="med" len="med"/>
+                      <a:tailEnd type="none" w="med" len="med"/>
+                    </a:lnB>
+                  </a:tcPr>
+                </a:tc>
+                <a:tc>
+                  <a:txBody>
+                    <a:bodyPr/>
+                    <a:lstStyle/>
+                    <a:p>
+                      <a:pPr algn="r" fontAlgn="ctr"/>
+                      <a:r>
+                        <a:rPr lang="en-US" altLang="ja-JP" sz="900" b="0" i="0" u="none" strike="noStrike">
+                          <a:solidFill>
+                            <a:srgbClr val="000000"/>
+                          </a:solidFill>
+                          <a:effectLst/>
+                          <a:latin typeface="ＭＳ Ｐゴシック" panose="020B0600070205080204" pitchFamily="50" charset="-128"/>
+                          <a:ea typeface="ＭＳ Ｐゴシック" panose="020B0600070205080204" pitchFamily="50" charset="-128"/>
+                        </a:rPr>
+                        <a:t>3</a:t>
+                      </a:r>
+                    </a:p>
+                  </a:txBody>
+                  <a:tcPr marL="9525" marR="9525" marT="9525" marB="0" anchor="ctr">
+                    <a:lnL w="12700" cap="flat" cmpd="sng" algn="ctr">
+                      <a:solidFill>
+                        <a:schemeClr val="tx1"/>
+                      </a:solidFill>
+                      <a:prstDash val="solid"/>
+                      <a:round/>
+                      <a:headEnd type="none" w="med" len="med"/>
+                      <a:tailEnd type="none" w="med" len="med"/>
+                    </a:lnL>
+                    <a:lnR w="12700" cap="flat" cmpd="sng" algn="ctr">
+                      <a:solidFill>
+                        <a:schemeClr val="tx1"/>
+                      </a:solidFill>
+                      <a:prstDash val="solid"/>
+                      <a:round/>
+                      <a:headEnd type="none" w="med" len="med"/>
+                      <a:tailEnd type="none" w="med" len="med"/>
+                    </a:lnR>
+                    <a:lnT w="12700" cap="flat" cmpd="sng" algn="ctr">
+                      <a:solidFill>
+                        <a:schemeClr val="tx1"/>
+                      </a:solidFill>
+                      <a:prstDash val="solid"/>
+                      <a:round/>
+                      <a:headEnd type="none" w="med" len="med"/>
+                      <a:tailEnd type="none" w="med" len="med"/>
+                    </a:lnT>
+                    <a:lnB w="12700" cap="flat" cmpd="sng" algn="ctr">
+                      <a:solidFill>
+                        <a:schemeClr val="tx1"/>
+                      </a:solidFill>
+                      <a:prstDash val="solid"/>
+                      <a:round/>
+                      <a:headEnd type="none" w="med" len="med"/>
+                      <a:tailEnd type="none" w="med" len="med"/>
+                    </a:lnB>
+                  </a:tcPr>
+                </a:tc>
+                <a:tc>
+                  <a:txBody>
+                    <a:bodyPr/>
+                    <a:lstStyle/>
+                    <a:p>
+                      <a:pPr algn="r" fontAlgn="ctr"/>
+                      <a:r>
+                        <a:rPr lang="en-US" altLang="ja-JP" sz="900" b="0" i="0" u="none" strike="noStrike" dirty="0">
+                          <a:solidFill>
+                            <a:srgbClr val="000000"/>
+                          </a:solidFill>
+                          <a:effectLst/>
+                          <a:latin typeface="ＭＳ Ｐゴシック" panose="020B0600070205080204" pitchFamily="50" charset="-128"/>
+                          <a:ea typeface="ＭＳ Ｐゴシック" panose="020B0600070205080204" pitchFamily="50" charset="-128"/>
+                        </a:rPr>
+                        <a:t>0.128205</a:t>
+                      </a:r>
+                    </a:p>
+                  </a:txBody>
+                  <a:tcPr marL="9525" marR="9525" marT="9525" marB="0" anchor="ctr">
+                    <a:lnL w="12700" cap="flat" cmpd="sng" algn="ctr">
+                      <a:solidFill>
+                        <a:schemeClr val="tx1"/>
+                      </a:solidFill>
+                      <a:prstDash val="solid"/>
+                      <a:round/>
+                      <a:headEnd type="none" w="med" len="med"/>
+                      <a:tailEnd type="none" w="med" len="med"/>
+                    </a:lnL>
+                    <a:lnR w="12700" cap="flat" cmpd="sng" algn="ctr">
+                      <a:solidFill>
+                        <a:schemeClr val="tx1"/>
+                      </a:solidFill>
+                      <a:prstDash val="solid"/>
+                      <a:round/>
+                      <a:headEnd type="none" w="med" len="med"/>
+                      <a:tailEnd type="none" w="med" len="med"/>
+                    </a:lnR>
+                    <a:lnT w="12700" cap="flat" cmpd="sng" algn="ctr">
+                      <a:solidFill>
+                        <a:schemeClr val="tx1"/>
+                      </a:solidFill>
+                      <a:prstDash val="solid"/>
+                      <a:round/>
+                      <a:headEnd type="none" w="med" len="med"/>
+                      <a:tailEnd type="none" w="med" len="med"/>
+                    </a:lnT>
+                    <a:lnB w="12700" cap="flat" cmpd="sng" algn="ctr">
+                      <a:solidFill>
+                        <a:schemeClr val="tx1"/>
+                      </a:solidFill>
+                      <a:prstDash val="solid"/>
+                      <a:round/>
+                      <a:headEnd type="none" w="med" len="med"/>
+                      <a:tailEnd type="none" w="med" len="med"/>
+                    </a:lnB>
+                  </a:tcPr>
+                </a:tc>
+                <a:tc>
+                  <a:txBody>
+                    <a:bodyPr/>
+                    <a:lstStyle/>
+                    <a:p>
+                      <a:pPr algn="r" fontAlgn="ctr"/>
+                      <a:r>
+                        <a:rPr lang="en-US" altLang="ja-JP" sz="900" b="0" i="0" u="none" strike="noStrike">
+                          <a:solidFill>
+                            <a:srgbClr val="000000"/>
+                          </a:solidFill>
+                          <a:effectLst/>
+                          <a:latin typeface="ＭＳ Ｐゴシック" panose="020B0600070205080204" pitchFamily="50" charset="-128"/>
+                          <a:ea typeface="ＭＳ Ｐゴシック" panose="020B0600070205080204" pitchFamily="50" charset="-128"/>
+                        </a:rPr>
+                        <a:t>1</a:t>
+                      </a:r>
+                    </a:p>
+                  </a:txBody>
+                  <a:tcPr marL="9525" marR="9525" marT="9525" marB="0" anchor="ctr">
+                    <a:lnL w="12700" cap="flat" cmpd="sng" algn="ctr">
+                      <a:solidFill>
+                        <a:schemeClr val="tx1"/>
+                      </a:solidFill>
+                      <a:prstDash val="solid"/>
+                      <a:round/>
+                      <a:headEnd type="none" w="med" len="med"/>
+                      <a:tailEnd type="none" w="med" len="med"/>
+                    </a:lnL>
+                    <a:lnR w="12700" cap="flat" cmpd="sng" algn="ctr">
+                      <a:solidFill>
+                        <a:schemeClr val="tx1"/>
+                      </a:solidFill>
+                      <a:prstDash val="solid"/>
+                      <a:round/>
+                      <a:headEnd type="none" w="med" len="med"/>
+                      <a:tailEnd type="none" w="med" len="med"/>
+                    </a:lnR>
+                    <a:lnT w="12700" cap="flat" cmpd="sng" algn="ctr">
+                      <a:solidFill>
+                        <a:schemeClr val="tx1"/>
+                      </a:solidFill>
+                      <a:prstDash val="solid"/>
+                      <a:round/>
+                      <a:headEnd type="none" w="med" len="med"/>
+                      <a:tailEnd type="none" w="med" len="med"/>
+                    </a:lnT>
+                    <a:lnB w="12700" cap="flat" cmpd="sng" algn="ctr">
+                      <a:solidFill>
+                        <a:schemeClr val="tx1"/>
+                      </a:solidFill>
+                      <a:prstDash val="solid"/>
+                      <a:round/>
+                      <a:headEnd type="none" w="med" len="med"/>
+                      <a:tailEnd type="none" w="med" len="med"/>
+                    </a:lnB>
+                  </a:tcPr>
+                </a:tc>
+                <a:tc>
+                  <a:txBody>
+                    <a:bodyPr/>
+                    <a:lstStyle/>
+                    <a:p>
+                      <a:pPr algn="r" fontAlgn="ctr"/>
+                      <a:r>
+                        <a:rPr lang="en-US" altLang="ja-JP" sz="900" b="0" i="0" u="none" strike="noStrike" dirty="0">
+                          <a:solidFill>
+                            <a:srgbClr val="000000"/>
+                          </a:solidFill>
+                          <a:effectLst/>
+                          <a:latin typeface="ＭＳ Ｐゴシック" panose="020B0600070205080204" pitchFamily="50" charset="-128"/>
+                          <a:ea typeface="ＭＳ Ｐゴシック" panose="020B0600070205080204" pitchFamily="50" charset="-128"/>
+                        </a:rPr>
+                        <a:t>2.294118</a:t>
+                      </a:r>
+                    </a:p>
+                  </a:txBody>
+                  <a:tcPr marL="9525" marR="9525" marT="9525" marB="0" anchor="ctr">
+                    <a:lnL w="12700" cap="flat" cmpd="sng" algn="ctr">
+                      <a:solidFill>
+                        <a:schemeClr val="tx1"/>
+                      </a:solidFill>
+                      <a:prstDash val="solid"/>
+                      <a:round/>
+                      <a:headEnd type="none" w="med" len="med"/>
+                      <a:tailEnd type="none" w="med" len="med"/>
+                    </a:lnL>
+                    <a:lnR w="12700" cap="flat" cmpd="sng" algn="ctr">
+                      <a:solidFill>
+                        <a:schemeClr val="tx1"/>
+                      </a:solidFill>
+                      <a:prstDash val="solid"/>
+                      <a:round/>
+                      <a:headEnd type="none" w="med" len="med"/>
+                      <a:tailEnd type="none" w="med" len="med"/>
+                    </a:lnR>
+                    <a:lnT w="12700" cap="flat" cmpd="sng" algn="ctr">
+                      <a:solidFill>
+                        <a:schemeClr val="tx1"/>
+                      </a:solidFill>
+                      <a:prstDash val="solid"/>
+                      <a:round/>
+                      <a:headEnd type="none" w="med" len="med"/>
+                      <a:tailEnd type="none" w="med" len="med"/>
+                    </a:lnT>
+                    <a:lnB w="12700" cap="flat" cmpd="sng" algn="ctr">
+                      <a:solidFill>
+                        <a:schemeClr val="tx1"/>
+                      </a:solidFill>
+                      <a:prstDash val="solid"/>
+                      <a:round/>
+                      <a:headEnd type="none" w="med" len="med"/>
+                      <a:tailEnd type="none" w="med" len="med"/>
+                    </a:lnB>
+                  </a:tcPr>
+                </a:tc>
+                <a:tc>
+                  <a:txBody>
+                    <a:bodyPr/>
+                    <a:lstStyle/>
+                    <a:p>
+                      <a:pPr algn="r" fontAlgn="ctr"/>
+                      <a:r>
+                        <a:rPr lang="en-US" altLang="ja-JP" sz="900" b="0" i="0" u="none" strike="noStrike">
+                          <a:solidFill>
+                            <a:srgbClr val="000000"/>
+                          </a:solidFill>
+                          <a:effectLst/>
+                          <a:latin typeface="ＭＳ Ｐゴシック" panose="020B0600070205080204" pitchFamily="50" charset="-128"/>
+                          <a:ea typeface="ＭＳ Ｐゴシック" panose="020B0600070205080204" pitchFamily="50" charset="-128"/>
+                        </a:rPr>
+                        <a:t>5</a:t>
+                      </a:r>
+                    </a:p>
+                  </a:txBody>
+                  <a:tcPr marL="9525" marR="9525" marT="9525" marB="0" anchor="ctr">
+                    <a:lnL w="12700" cap="flat" cmpd="sng" algn="ctr">
+                      <a:solidFill>
+                        <a:schemeClr val="tx1"/>
+                      </a:solidFill>
+                      <a:prstDash val="solid"/>
+                      <a:round/>
+                      <a:headEnd type="none" w="med" len="med"/>
+                      <a:tailEnd type="none" w="med" len="med"/>
+                    </a:lnL>
+                    <a:lnR w="12700" cap="flat" cmpd="sng" algn="ctr">
+                      <a:solidFill>
+                        <a:schemeClr val="tx1"/>
+                      </a:solidFill>
+                      <a:prstDash val="solid"/>
+                      <a:round/>
+                      <a:headEnd type="none" w="med" len="med"/>
+                      <a:tailEnd type="none" w="med" len="med"/>
+                    </a:lnR>
+                    <a:lnT w="12700" cap="flat" cmpd="sng" algn="ctr">
+                      <a:solidFill>
+                        <a:schemeClr val="tx1"/>
+                      </a:solidFill>
+                      <a:prstDash val="solid"/>
+                      <a:round/>
+                      <a:headEnd type="none" w="med" len="med"/>
+                      <a:tailEnd type="none" w="med" len="med"/>
+                    </a:lnT>
+                    <a:lnB w="12700" cap="flat" cmpd="sng" algn="ctr">
+                      <a:solidFill>
+                        <a:schemeClr val="tx1"/>
+                      </a:solidFill>
+                      <a:prstDash val="solid"/>
+                      <a:round/>
+                      <a:headEnd type="none" w="med" len="med"/>
+                      <a:tailEnd type="none" w="med" len="med"/>
+                    </a:lnB>
+                  </a:tcPr>
+                </a:tc>
+              </a:tr>
+              <a:tr h="110183">
+                <a:tc>
+                  <a:txBody>
+                    <a:bodyPr/>
+                    <a:lstStyle/>
+                    <a:p>
+                      <a:pPr algn="l" fontAlgn="ctr"/>
+                      <a:r>
+                        <a:rPr lang="en-US" sz="900" b="0" i="0" u="none" strike="noStrike" dirty="0">
+                          <a:solidFill>
+                            <a:srgbClr val="000000"/>
+                          </a:solidFill>
+                          <a:effectLst/>
+                          <a:latin typeface="ＭＳ Ｐゴシック" panose="020B0600070205080204" pitchFamily="50" charset="-128"/>
+                          <a:ea typeface="ＭＳ Ｐゴシック" panose="020B0600070205080204" pitchFamily="50" charset="-128"/>
+                        </a:rPr>
+                        <a:t>ESFP</a:t>
+                      </a:r>
+                    </a:p>
+                  </a:txBody>
+                  <a:tcPr marL="9525" marR="9525" marT="9525" marB="0" anchor="ctr">
+                    <a:lnL w="12700" cap="flat" cmpd="sng" algn="ctr">
+                      <a:solidFill>
+                        <a:schemeClr val="tx1"/>
+                      </a:solidFill>
+                      <a:prstDash val="solid"/>
+                      <a:round/>
+                      <a:headEnd type="none" w="med" len="med"/>
+                      <a:tailEnd type="none" w="med" len="med"/>
+                    </a:lnL>
+                    <a:lnR w="12700" cap="flat" cmpd="sng" algn="ctr">
+                      <a:solidFill>
+                        <a:schemeClr val="tx1"/>
+                      </a:solidFill>
+                      <a:prstDash val="solid"/>
+                      <a:round/>
+                      <a:headEnd type="none" w="med" len="med"/>
+                      <a:tailEnd type="none" w="med" len="med"/>
+                    </a:lnR>
+                    <a:lnT w="12700" cap="flat" cmpd="sng" algn="ctr">
+                      <a:solidFill>
+                        <a:schemeClr val="tx1"/>
+                      </a:solidFill>
+                      <a:prstDash val="solid"/>
+                      <a:round/>
+                      <a:headEnd type="none" w="med" len="med"/>
+                      <a:tailEnd type="none" w="med" len="med"/>
+                    </a:lnT>
+                    <a:lnB w="12700" cap="flat" cmpd="sng" algn="ctr">
+                      <a:solidFill>
+                        <a:schemeClr val="tx1"/>
+                      </a:solidFill>
+                      <a:prstDash val="solid"/>
+                      <a:round/>
+                      <a:headEnd type="none" w="med" len="med"/>
+                      <a:tailEnd type="none" w="med" len="med"/>
+                    </a:lnB>
+                  </a:tcPr>
+                </a:tc>
+                <a:tc>
+                  <a:txBody>
+                    <a:bodyPr/>
+                    <a:lstStyle/>
+                    <a:p>
+                      <a:pPr algn="l" fontAlgn="ctr"/>
+                      <a:r>
+                        <a:rPr lang="en-US" sz="900" b="0" i="0" u="none" strike="noStrike">
+                          <a:solidFill>
+                            <a:srgbClr val="000000"/>
+                          </a:solidFill>
+                          <a:effectLst/>
+                          <a:latin typeface="ＭＳ Ｐゴシック" panose="020B0600070205080204" pitchFamily="50" charset="-128"/>
+                          <a:ea typeface="ＭＳ Ｐゴシック" panose="020B0600070205080204" pitchFamily="50" charset="-128"/>
+                        </a:rPr>
+                        <a:t>ISFJ</a:t>
+                      </a:r>
+                    </a:p>
+                  </a:txBody>
+                  <a:tcPr marL="9525" marR="9525" marT="9525" marB="0" anchor="ctr">
+                    <a:lnL w="12700" cap="flat" cmpd="sng" algn="ctr">
+                      <a:solidFill>
+                        <a:schemeClr val="tx1"/>
+                      </a:solidFill>
+                      <a:prstDash val="solid"/>
+                      <a:round/>
+                      <a:headEnd type="none" w="med" len="med"/>
+                      <a:tailEnd type="none" w="med" len="med"/>
+                    </a:lnL>
+                    <a:lnR w="12700" cap="flat" cmpd="sng" algn="ctr">
+                      <a:solidFill>
+                        <a:schemeClr val="tx1"/>
+                      </a:solidFill>
+                      <a:prstDash val="solid"/>
+                      <a:round/>
+                      <a:headEnd type="none" w="med" len="med"/>
+                      <a:tailEnd type="none" w="med" len="med"/>
+                    </a:lnR>
+                    <a:lnT w="12700" cap="flat" cmpd="sng" algn="ctr">
+                      <a:solidFill>
+                        <a:schemeClr val="tx1"/>
+                      </a:solidFill>
+                      <a:prstDash val="solid"/>
+                      <a:round/>
+                      <a:headEnd type="none" w="med" len="med"/>
+                      <a:tailEnd type="none" w="med" len="med"/>
+                    </a:lnT>
+                    <a:lnB w="12700" cap="flat" cmpd="sng" algn="ctr">
+                      <a:solidFill>
+                        <a:schemeClr val="tx1"/>
+                      </a:solidFill>
+                      <a:prstDash val="solid"/>
+                      <a:round/>
+                      <a:headEnd type="none" w="med" len="med"/>
+                      <a:tailEnd type="none" w="med" len="med"/>
+                    </a:lnB>
+                  </a:tcPr>
+                </a:tc>
+                <a:tc>
+                  <a:txBody>
+                    <a:bodyPr/>
+                    <a:lstStyle/>
+                    <a:p>
+                      <a:pPr algn="l" fontAlgn="ctr"/>
+                      <a:endParaRPr lang="ja-JP" altLang="en-US" sz="900" b="0" i="0" u="none" strike="noStrike" dirty="0">
+                        <a:solidFill>
+                          <a:srgbClr val="000000"/>
+                        </a:solidFill>
+                        <a:effectLst/>
+                        <a:latin typeface="ＭＳ Ｐゴシック" panose="020B0600070205080204" pitchFamily="50" charset="-128"/>
+                        <a:ea typeface="ＭＳ Ｐゴシック" panose="020B0600070205080204" pitchFamily="50" charset="-128"/>
+                      </a:endParaRPr>
+                    </a:p>
+                  </a:txBody>
+                  <a:tcPr marL="9525" marR="9525" marT="9525" marB="0" anchor="ctr">
+                    <a:lnL w="12700" cap="flat" cmpd="sng" algn="ctr">
+                      <a:solidFill>
+                        <a:schemeClr val="tx1"/>
+                      </a:solidFill>
+                      <a:prstDash val="solid"/>
+                      <a:round/>
+                      <a:headEnd type="none" w="med" len="med"/>
+                      <a:tailEnd type="none" w="med" len="med"/>
+                    </a:lnL>
+                    <a:lnR w="12700" cap="flat" cmpd="sng" algn="ctr">
+                      <a:solidFill>
+                        <a:schemeClr val="tx1"/>
+                      </a:solidFill>
+                      <a:prstDash val="solid"/>
+                      <a:round/>
+                      <a:headEnd type="none" w="med" len="med"/>
+                      <a:tailEnd type="none" w="med" len="med"/>
+                    </a:lnR>
+                    <a:lnT w="12700" cap="flat" cmpd="sng" algn="ctr">
+                      <a:solidFill>
+                        <a:schemeClr val="tx1"/>
+                      </a:solidFill>
+                      <a:prstDash val="solid"/>
+                      <a:round/>
+                      <a:headEnd type="none" w="med" len="med"/>
+                      <a:tailEnd type="none" w="med" len="med"/>
+                    </a:lnT>
+                    <a:lnB w="12700" cap="flat" cmpd="sng" algn="ctr">
+                      <a:solidFill>
+                        <a:schemeClr val="tx1"/>
+                      </a:solidFill>
+                      <a:prstDash val="solid"/>
+                      <a:round/>
+                      <a:headEnd type="none" w="med" len="med"/>
+                      <a:tailEnd type="none" w="med" len="med"/>
+                    </a:lnB>
+                  </a:tcPr>
+                </a:tc>
+                <a:tc>
+                  <a:txBody>
+                    <a:bodyPr/>
+                    <a:lstStyle/>
+                    <a:p>
+                      <a:pPr algn="r" fontAlgn="ctr"/>
+                      <a:r>
+                        <a:rPr lang="en-US" altLang="ja-JP" sz="900" b="0" i="0" u="none" strike="noStrike" dirty="0">
+                          <a:solidFill>
+                            <a:srgbClr val="000000"/>
+                          </a:solidFill>
+                          <a:effectLst/>
+                          <a:latin typeface="ＭＳ Ｐゴシック" panose="020B0600070205080204" pitchFamily="50" charset="-128"/>
+                          <a:ea typeface="ＭＳ Ｐゴシック" panose="020B0600070205080204" pitchFamily="50" charset="-128"/>
+                        </a:rPr>
+                        <a:t>20</a:t>
+                      </a:r>
+                    </a:p>
+                  </a:txBody>
+                  <a:tcPr marL="9525" marR="9525" marT="9525" marB="0" anchor="ctr">
+                    <a:lnL w="12700" cap="flat" cmpd="sng" algn="ctr">
+                      <a:solidFill>
+                        <a:schemeClr val="tx1"/>
+                      </a:solidFill>
+                      <a:prstDash val="solid"/>
+                      <a:round/>
+                      <a:headEnd type="none" w="med" len="med"/>
+                      <a:tailEnd type="none" w="med" len="med"/>
+                    </a:lnL>
+                    <a:lnR w="12700" cap="flat" cmpd="sng" algn="ctr">
+                      <a:solidFill>
+                        <a:schemeClr val="tx1"/>
+                      </a:solidFill>
+                      <a:prstDash val="solid"/>
+                      <a:round/>
+                      <a:headEnd type="none" w="med" len="med"/>
+                      <a:tailEnd type="none" w="med" len="med"/>
+                    </a:lnR>
+                    <a:lnT w="12700" cap="flat" cmpd="sng" algn="ctr">
+                      <a:solidFill>
+                        <a:schemeClr val="tx1"/>
+                      </a:solidFill>
+                      <a:prstDash val="solid"/>
+                      <a:round/>
+                      <a:headEnd type="none" w="med" len="med"/>
+                      <a:tailEnd type="none" w="med" len="med"/>
+                    </a:lnT>
+                    <a:lnB w="12700" cap="flat" cmpd="sng" algn="ctr">
+                      <a:solidFill>
+                        <a:schemeClr val="tx1"/>
+                      </a:solidFill>
+                      <a:prstDash val="solid"/>
+                      <a:round/>
+                      <a:headEnd type="none" w="med" len="med"/>
+                      <a:tailEnd type="none" w="med" len="med"/>
+                    </a:lnB>
+                  </a:tcPr>
+                </a:tc>
+                <a:tc>
+                  <a:txBody>
+                    <a:bodyPr/>
+                    <a:lstStyle/>
+                    <a:p>
+                      <a:pPr algn="r" fontAlgn="ctr"/>
+                      <a:r>
+                        <a:rPr lang="en-US" altLang="ja-JP" sz="900" b="0" i="0" u="none" strike="noStrike" dirty="0">
+                          <a:solidFill>
+                            <a:srgbClr val="000000"/>
+                          </a:solidFill>
+                          <a:effectLst/>
+                          <a:latin typeface="ＭＳ Ｐゴシック" panose="020B0600070205080204" pitchFamily="50" charset="-128"/>
+                          <a:ea typeface="ＭＳ Ｐゴシック" panose="020B0600070205080204" pitchFamily="50" charset="-128"/>
+                        </a:rPr>
+                        <a:t>0.102564</a:t>
+                      </a:r>
+                    </a:p>
+                  </a:txBody>
+                  <a:tcPr marL="9525" marR="9525" marT="9525" marB="0" anchor="ctr">
+                    <a:lnL w="12700" cap="flat" cmpd="sng" algn="ctr">
+                      <a:solidFill>
+                        <a:schemeClr val="tx1"/>
+                      </a:solidFill>
+                      <a:prstDash val="solid"/>
+                      <a:round/>
+                      <a:headEnd type="none" w="med" len="med"/>
+                      <a:tailEnd type="none" w="med" len="med"/>
+                    </a:lnL>
+                    <a:lnR w="12700" cap="flat" cmpd="sng" algn="ctr">
+                      <a:solidFill>
+                        <a:schemeClr val="tx1"/>
+                      </a:solidFill>
+                      <a:prstDash val="solid"/>
+                      <a:round/>
+                      <a:headEnd type="none" w="med" len="med"/>
+                      <a:tailEnd type="none" w="med" len="med"/>
+                    </a:lnR>
+                    <a:lnT w="12700" cap="flat" cmpd="sng" algn="ctr">
+                      <a:solidFill>
+                        <a:schemeClr val="tx1"/>
+                      </a:solidFill>
+                      <a:prstDash val="solid"/>
+                      <a:round/>
+                      <a:headEnd type="none" w="med" len="med"/>
+                      <a:tailEnd type="none" w="med" len="med"/>
+                    </a:lnT>
+                    <a:lnB w="12700" cap="flat" cmpd="sng" algn="ctr">
+                      <a:solidFill>
+                        <a:schemeClr val="tx1"/>
+                      </a:solidFill>
+                      <a:prstDash val="solid"/>
+                      <a:round/>
+                      <a:headEnd type="none" w="med" len="med"/>
+                      <a:tailEnd type="none" w="med" len="med"/>
+                    </a:lnB>
+                  </a:tcPr>
+                </a:tc>
+                <a:tc>
+                  <a:txBody>
+                    <a:bodyPr/>
+                    <a:lstStyle/>
+                    <a:p>
+                      <a:pPr algn="r" fontAlgn="ctr"/>
+                      <a:r>
+                        <a:rPr lang="en-US" altLang="ja-JP" sz="900" b="0" i="0" u="none" strike="noStrike">
+                          <a:solidFill>
+                            <a:srgbClr val="000000"/>
+                          </a:solidFill>
+                          <a:effectLst/>
+                          <a:latin typeface="ＭＳ Ｐゴシック" panose="020B0600070205080204" pitchFamily="50" charset="-128"/>
+                          <a:ea typeface="ＭＳ Ｐゴシック" panose="020B0600070205080204" pitchFamily="50" charset="-128"/>
+                        </a:rPr>
+                        <a:t>1</a:t>
+                      </a:r>
+                    </a:p>
+                  </a:txBody>
+                  <a:tcPr marL="9525" marR="9525" marT="9525" marB="0" anchor="ctr">
+                    <a:lnL w="12700" cap="flat" cmpd="sng" algn="ctr">
+                      <a:solidFill>
+                        <a:schemeClr val="tx1"/>
+                      </a:solidFill>
+                      <a:prstDash val="solid"/>
+                      <a:round/>
+                      <a:headEnd type="none" w="med" len="med"/>
+                      <a:tailEnd type="none" w="med" len="med"/>
+                    </a:lnL>
+                    <a:lnR w="12700" cap="flat" cmpd="sng" algn="ctr">
+                      <a:solidFill>
+                        <a:schemeClr val="tx1"/>
+                      </a:solidFill>
+                      <a:prstDash val="solid"/>
+                      <a:round/>
+                      <a:headEnd type="none" w="med" len="med"/>
+                      <a:tailEnd type="none" w="med" len="med"/>
+                    </a:lnR>
+                    <a:lnT w="12700" cap="flat" cmpd="sng" algn="ctr">
+                      <a:solidFill>
+                        <a:schemeClr val="tx1"/>
+                      </a:solidFill>
+                      <a:prstDash val="solid"/>
+                      <a:round/>
+                      <a:headEnd type="none" w="med" len="med"/>
+                      <a:tailEnd type="none" w="med" len="med"/>
+                    </a:lnT>
+                    <a:lnB w="12700" cap="flat" cmpd="sng" algn="ctr">
+                      <a:solidFill>
+                        <a:schemeClr val="tx1"/>
+                      </a:solidFill>
+                      <a:prstDash val="solid"/>
+                      <a:round/>
+                      <a:headEnd type="none" w="med" len="med"/>
+                      <a:tailEnd type="none" w="med" len="med"/>
+                    </a:lnB>
+                  </a:tcPr>
+                </a:tc>
+                <a:tc>
+                  <a:txBody>
+                    <a:bodyPr/>
+                    <a:lstStyle/>
+                    <a:p>
+                      <a:pPr algn="r" fontAlgn="ctr"/>
+                      <a:r>
+                        <a:rPr lang="en-US" altLang="ja-JP" sz="900" b="0" i="0" u="none" strike="noStrike">
+                          <a:solidFill>
+                            <a:srgbClr val="000000"/>
+                          </a:solidFill>
+                          <a:effectLst/>
+                          <a:latin typeface="ＭＳ Ｐゴシック" panose="020B0600070205080204" pitchFamily="50" charset="-128"/>
+                          <a:ea typeface="ＭＳ Ｐゴシック" panose="020B0600070205080204" pitchFamily="50" charset="-128"/>
+                        </a:rPr>
+                        <a:t>3.25</a:t>
+                      </a:r>
+                    </a:p>
+                  </a:txBody>
+                  <a:tcPr marL="9525" marR="9525" marT="9525" marB="0" anchor="ctr">
+                    <a:lnL w="12700" cap="flat" cmpd="sng" algn="ctr">
+                      <a:solidFill>
+                        <a:schemeClr val="tx1"/>
+                      </a:solidFill>
+                      <a:prstDash val="solid"/>
+                      <a:round/>
+                      <a:headEnd type="none" w="med" len="med"/>
+                      <a:tailEnd type="none" w="med" len="med"/>
+                    </a:lnL>
+                    <a:lnR w="12700" cap="flat" cmpd="sng" algn="ctr">
+                      <a:solidFill>
+                        <a:schemeClr val="tx1"/>
+                      </a:solidFill>
+                      <a:prstDash val="solid"/>
+                      <a:round/>
+                      <a:headEnd type="none" w="med" len="med"/>
+                      <a:tailEnd type="none" w="med" len="med"/>
+                    </a:lnR>
+                    <a:lnT w="12700" cap="flat" cmpd="sng" algn="ctr">
+                      <a:solidFill>
+                        <a:schemeClr val="tx1"/>
+                      </a:solidFill>
+                      <a:prstDash val="solid"/>
+                      <a:round/>
+                      <a:headEnd type="none" w="med" len="med"/>
+                      <a:tailEnd type="none" w="med" len="med"/>
+                    </a:lnT>
+                    <a:lnB w="12700" cap="flat" cmpd="sng" algn="ctr">
+                      <a:solidFill>
+                        <a:schemeClr val="tx1"/>
+                      </a:solidFill>
+                      <a:prstDash val="solid"/>
+                      <a:round/>
+                      <a:headEnd type="none" w="med" len="med"/>
+                      <a:tailEnd type="none" w="med" len="med"/>
+                    </a:lnB>
+                  </a:tcPr>
+                </a:tc>
+                <a:tc>
+                  <a:txBody>
+                    <a:bodyPr/>
+                    <a:lstStyle/>
+                    <a:p>
+                      <a:pPr algn="r" fontAlgn="ctr"/>
+                      <a:r>
+                        <a:rPr lang="en-US" altLang="ja-JP" sz="900" b="0" i="0" u="none" strike="noStrike">
+                          <a:solidFill>
+                            <a:srgbClr val="000000"/>
+                          </a:solidFill>
+                          <a:effectLst/>
+                          <a:latin typeface="ＭＳ Ｐゴシック" panose="020B0600070205080204" pitchFamily="50" charset="-128"/>
+                          <a:ea typeface="ＭＳ Ｐゴシック" panose="020B0600070205080204" pitchFamily="50" charset="-128"/>
+                        </a:rPr>
+                        <a:t>4</a:t>
+                      </a:r>
+                    </a:p>
+                  </a:txBody>
+                  <a:tcPr marL="9525" marR="9525" marT="9525" marB="0" anchor="ctr">
+                    <a:lnL w="12700" cap="flat" cmpd="sng" algn="ctr">
+                      <a:solidFill>
+                        <a:schemeClr val="tx1"/>
+                      </a:solidFill>
+                      <a:prstDash val="solid"/>
+                      <a:round/>
+                      <a:headEnd type="none" w="med" len="med"/>
+                      <a:tailEnd type="none" w="med" len="med"/>
+                    </a:lnL>
+                    <a:lnR w="12700" cap="flat" cmpd="sng" algn="ctr">
+                      <a:solidFill>
+                        <a:schemeClr val="tx1"/>
+                      </a:solidFill>
+                      <a:prstDash val="solid"/>
+                      <a:round/>
+                      <a:headEnd type="none" w="med" len="med"/>
+                      <a:tailEnd type="none" w="med" len="med"/>
+                    </a:lnR>
+                    <a:lnT w="12700" cap="flat" cmpd="sng" algn="ctr">
+                      <a:solidFill>
+                        <a:schemeClr val="tx1"/>
+                      </a:solidFill>
+                      <a:prstDash val="solid"/>
+                      <a:round/>
+                      <a:headEnd type="none" w="med" len="med"/>
+                      <a:tailEnd type="none" w="med" len="med"/>
+                    </a:lnT>
+                    <a:lnB w="12700" cap="flat" cmpd="sng" algn="ctr">
+                      <a:solidFill>
+                        <a:schemeClr val="tx1"/>
+                      </a:solidFill>
+                      <a:prstDash val="solid"/>
+                      <a:round/>
+                      <a:headEnd type="none" w="med" len="med"/>
+                      <a:tailEnd type="none" w="med" len="med"/>
+                    </a:lnB>
+                  </a:tcPr>
+                </a:tc>
+              </a:tr>
+              <a:tr h="110183">
+                <a:tc>
+                  <a:txBody>
+                    <a:bodyPr/>
+                    <a:lstStyle/>
+                    <a:p>
+                      <a:pPr algn="l" fontAlgn="ctr"/>
+                      <a:r>
+                        <a:rPr lang="en-US" sz="900" b="0" i="0" u="none" strike="noStrike" dirty="0">
+                          <a:solidFill>
+                            <a:srgbClr val="000000"/>
+                          </a:solidFill>
+                          <a:effectLst/>
+                          <a:latin typeface="ＭＳ Ｐゴシック" panose="020B0600070205080204" pitchFamily="50" charset="-128"/>
+                          <a:ea typeface="ＭＳ Ｐゴシック" panose="020B0600070205080204" pitchFamily="50" charset="-128"/>
+                        </a:rPr>
+                        <a:t>ESFP</a:t>
+                      </a:r>
+                    </a:p>
+                  </a:txBody>
+                  <a:tcPr marL="9525" marR="9525" marT="9525" marB="0" anchor="ctr">
+                    <a:lnL w="12700" cap="flat" cmpd="sng" algn="ctr">
+                      <a:solidFill>
+                        <a:schemeClr val="tx1"/>
+                      </a:solidFill>
+                      <a:prstDash val="solid"/>
+                      <a:round/>
+                      <a:headEnd type="none" w="med" len="med"/>
+                      <a:tailEnd type="none" w="med" len="med"/>
+                    </a:lnL>
+                    <a:lnR w="12700" cap="flat" cmpd="sng" algn="ctr">
+                      <a:solidFill>
+                        <a:schemeClr val="tx1"/>
+                      </a:solidFill>
+                      <a:prstDash val="solid"/>
+                      <a:round/>
+                      <a:headEnd type="none" w="med" len="med"/>
+                      <a:tailEnd type="none" w="med" len="med"/>
+                    </a:lnR>
+                    <a:lnT w="12700" cap="flat" cmpd="sng" algn="ctr">
+                      <a:solidFill>
+                        <a:schemeClr val="tx1"/>
+                      </a:solidFill>
+                      <a:prstDash val="solid"/>
+                      <a:round/>
+                      <a:headEnd type="none" w="med" len="med"/>
+                      <a:tailEnd type="none" w="med" len="med"/>
+                    </a:lnT>
+                    <a:lnB w="12700" cap="flat" cmpd="sng" algn="ctr">
+                      <a:solidFill>
+                        <a:schemeClr val="tx1"/>
+                      </a:solidFill>
+                      <a:prstDash val="solid"/>
+                      <a:round/>
+                      <a:headEnd type="none" w="med" len="med"/>
+                      <a:tailEnd type="none" w="med" len="med"/>
+                    </a:lnB>
+                  </a:tcPr>
+                </a:tc>
+                <a:tc>
+                  <a:txBody>
+                    <a:bodyPr/>
+                    <a:lstStyle/>
+                    <a:p>
+                      <a:pPr algn="l" fontAlgn="ctr"/>
+                      <a:r>
+                        <a:rPr lang="en-US" sz="900" b="0" i="0" u="none" strike="noStrike">
+                          <a:solidFill>
+                            <a:srgbClr val="000000"/>
+                          </a:solidFill>
+                          <a:effectLst/>
+                          <a:latin typeface="ＭＳ Ｐゴシック" panose="020B0600070205080204" pitchFamily="50" charset="-128"/>
+                          <a:ea typeface="ＭＳ Ｐゴシック" panose="020B0600070205080204" pitchFamily="50" charset="-128"/>
+                        </a:rPr>
+                        <a:t>ISFJ</a:t>
+                      </a:r>
+                    </a:p>
+                  </a:txBody>
+                  <a:tcPr marL="9525" marR="9525" marT="9525" marB="0" anchor="ctr">
+                    <a:lnL w="12700" cap="flat" cmpd="sng" algn="ctr">
+                      <a:solidFill>
+                        <a:schemeClr val="tx1"/>
+                      </a:solidFill>
+                      <a:prstDash val="solid"/>
+                      <a:round/>
+                      <a:headEnd type="none" w="med" len="med"/>
+                      <a:tailEnd type="none" w="med" len="med"/>
+                    </a:lnL>
+                    <a:lnR w="12700" cap="flat" cmpd="sng" algn="ctr">
+                      <a:solidFill>
+                        <a:schemeClr val="tx1"/>
+                      </a:solidFill>
+                      <a:prstDash val="solid"/>
+                      <a:round/>
+                      <a:headEnd type="none" w="med" len="med"/>
+                      <a:tailEnd type="none" w="med" len="med"/>
+                    </a:lnR>
+                    <a:lnT w="12700" cap="flat" cmpd="sng" algn="ctr">
+                      <a:solidFill>
+                        <a:schemeClr val="tx1"/>
+                      </a:solidFill>
+                      <a:prstDash val="solid"/>
+                      <a:round/>
+                      <a:headEnd type="none" w="med" len="med"/>
+                      <a:tailEnd type="none" w="med" len="med"/>
+                    </a:lnT>
+                    <a:lnB w="12700" cap="flat" cmpd="sng" algn="ctr">
+                      <a:solidFill>
+                        <a:schemeClr val="tx1"/>
+                      </a:solidFill>
+                      <a:prstDash val="solid"/>
+                      <a:round/>
+                      <a:headEnd type="none" w="med" len="med"/>
+                      <a:tailEnd type="none" w="med" len="med"/>
+                    </a:lnB>
+                  </a:tcPr>
+                </a:tc>
+                <a:tc>
+                  <a:txBody>
+                    <a:bodyPr/>
+                    <a:lstStyle/>
+                    <a:p>
+                      <a:pPr algn="l" fontAlgn="ctr"/>
+                      <a:endParaRPr lang="ja-JP" altLang="en-US" sz="900" b="0" i="0" u="none" strike="noStrike">
+                        <a:solidFill>
+                          <a:srgbClr val="000000"/>
+                        </a:solidFill>
+                        <a:effectLst/>
+                        <a:latin typeface="ＭＳ Ｐゴシック" panose="020B0600070205080204" pitchFamily="50" charset="-128"/>
+                        <a:ea typeface="ＭＳ Ｐゴシック" panose="020B0600070205080204" pitchFamily="50" charset="-128"/>
+                      </a:endParaRPr>
+                    </a:p>
+                  </a:txBody>
+                  <a:tcPr marL="9525" marR="9525" marT="9525" marB="0" anchor="ctr">
+                    <a:lnL w="12700" cap="flat" cmpd="sng" algn="ctr">
+                      <a:solidFill>
+                        <a:schemeClr val="tx1"/>
+                      </a:solidFill>
+                      <a:prstDash val="solid"/>
+                      <a:round/>
+                      <a:headEnd type="none" w="med" len="med"/>
+                      <a:tailEnd type="none" w="med" len="med"/>
+                    </a:lnL>
+                    <a:lnR w="12700" cap="flat" cmpd="sng" algn="ctr">
+                      <a:solidFill>
+                        <a:schemeClr val="tx1"/>
+                      </a:solidFill>
+                      <a:prstDash val="solid"/>
+                      <a:round/>
+                      <a:headEnd type="none" w="med" len="med"/>
+                      <a:tailEnd type="none" w="med" len="med"/>
+                    </a:lnR>
+                    <a:lnT w="12700" cap="flat" cmpd="sng" algn="ctr">
+                      <a:solidFill>
+                        <a:schemeClr val="tx1"/>
+                      </a:solidFill>
+                      <a:prstDash val="solid"/>
+                      <a:round/>
+                      <a:headEnd type="none" w="med" len="med"/>
+                      <a:tailEnd type="none" w="med" len="med"/>
+                    </a:lnT>
+                    <a:lnB w="12700" cap="flat" cmpd="sng" algn="ctr">
+                      <a:solidFill>
+                        <a:schemeClr val="tx1"/>
+                      </a:solidFill>
+                      <a:prstDash val="solid"/>
+                      <a:round/>
+                      <a:headEnd type="none" w="med" len="med"/>
+                      <a:tailEnd type="none" w="med" len="med"/>
+                    </a:lnB>
+                  </a:tcPr>
+                </a:tc>
+                <a:tc>
+                  <a:txBody>
+                    <a:bodyPr/>
+                    <a:lstStyle/>
+                    <a:p>
+                      <a:pPr algn="r" fontAlgn="ctr"/>
+                      <a:r>
+                        <a:rPr lang="en-US" altLang="ja-JP" sz="900" b="0" i="0" u="none" strike="noStrike" dirty="0">
+                          <a:solidFill>
+                            <a:srgbClr val="000000"/>
+                          </a:solidFill>
+                          <a:effectLst/>
+                          <a:latin typeface="ＭＳ Ｐゴシック" panose="020B0600070205080204" pitchFamily="50" charset="-128"/>
+                          <a:ea typeface="ＭＳ Ｐゴシック" panose="020B0600070205080204" pitchFamily="50" charset="-128"/>
+                        </a:rPr>
+                        <a:t>17</a:t>
+                      </a:r>
+                    </a:p>
+                  </a:txBody>
+                  <a:tcPr marL="9525" marR="9525" marT="9525" marB="0" anchor="ctr">
+                    <a:lnL w="12700" cap="flat" cmpd="sng" algn="ctr">
+                      <a:solidFill>
+                        <a:schemeClr val="tx1"/>
+                      </a:solidFill>
+                      <a:prstDash val="solid"/>
+                      <a:round/>
+                      <a:headEnd type="none" w="med" len="med"/>
+                      <a:tailEnd type="none" w="med" len="med"/>
+                    </a:lnL>
+                    <a:lnR w="12700" cap="flat" cmpd="sng" algn="ctr">
+                      <a:solidFill>
+                        <a:schemeClr val="tx1"/>
+                      </a:solidFill>
+                      <a:prstDash val="solid"/>
+                      <a:round/>
+                      <a:headEnd type="none" w="med" len="med"/>
+                      <a:tailEnd type="none" w="med" len="med"/>
+                    </a:lnR>
+                    <a:lnT w="12700" cap="flat" cmpd="sng" algn="ctr">
+                      <a:solidFill>
+                        <a:schemeClr val="tx1"/>
+                      </a:solidFill>
+                      <a:prstDash val="solid"/>
+                      <a:round/>
+                      <a:headEnd type="none" w="med" len="med"/>
+                      <a:tailEnd type="none" w="med" len="med"/>
+                    </a:lnT>
+                    <a:lnB w="12700" cap="flat" cmpd="sng" algn="ctr">
+                      <a:solidFill>
+                        <a:schemeClr val="tx1"/>
+                      </a:solidFill>
+                      <a:prstDash val="solid"/>
+                      <a:round/>
+                      <a:headEnd type="none" w="med" len="med"/>
+                      <a:tailEnd type="none" w="med" len="med"/>
+                    </a:lnB>
+                  </a:tcPr>
+                </a:tc>
+                <a:tc>
+                  <a:txBody>
+                    <a:bodyPr/>
+                    <a:lstStyle/>
+                    <a:p>
+                      <a:pPr algn="r" fontAlgn="ctr"/>
+                      <a:r>
+                        <a:rPr lang="en-US" altLang="ja-JP" sz="900" b="0" i="0" u="none" strike="noStrike" dirty="0">
+                          <a:solidFill>
+                            <a:srgbClr val="000000"/>
+                          </a:solidFill>
+                          <a:effectLst/>
+                          <a:latin typeface="ＭＳ Ｐゴシック" panose="020B0600070205080204" pitchFamily="50" charset="-128"/>
+                          <a:ea typeface="ＭＳ Ｐゴシック" panose="020B0600070205080204" pitchFamily="50" charset="-128"/>
+                        </a:rPr>
+                        <a:t>0.102564</a:t>
+                      </a:r>
+                    </a:p>
+                  </a:txBody>
+                  <a:tcPr marL="9525" marR="9525" marT="9525" marB="0" anchor="ctr">
+                    <a:lnL w="12700" cap="flat" cmpd="sng" algn="ctr">
+                      <a:solidFill>
+                        <a:schemeClr val="tx1"/>
+                      </a:solidFill>
+                      <a:prstDash val="solid"/>
+                      <a:round/>
+                      <a:headEnd type="none" w="med" len="med"/>
+                      <a:tailEnd type="none" w="med" len="med"/>
+                    </a:lnL>
+                    <a:lnR w="12700" cap="flat" cmpd="sng" algn="ctr">
+                      <a:solidFill>
+                        <a:schemeClr val="tx1"/>
+                      </a:solidFill>
+                      <a:prstDash val="solid"/>
+                      <a:round/>
+                      <a:headEnd type="none" w="med" len="med"/>
+                      <a:tailEnd type="none" w="med" len="med"/>
+                    </a:lnR>
+                    <a:lnT w="12700" cap="flat" cmpd="sng" algn="ctr">
+                      <a:solidFill>
+                        <a:schemeClr val="tx1"/>
+                      </a:solidFill>
+                      <a:prstDash val="solid"/>
+                      <a:round/>
+                      <a:headEnd type="none" w="med" len="med"/>
+                      <a:tailEnd type="none" w="med" len="med"/>
+                    </a:lnT>
+                    <a:lnB w="12700" cap="flat" cmpd="sng" algn="ctr">
+                      <a:solidFill>
+                        <a:schemeClr val="tx1"/>
+                      </a:solidFill>
+                      <a:prstDash val="solid"/>
+                      <a:round/>
+                      <a:headEnd type="none" w="med" len="med"/>
+                      <a:tailEnd type="none" w="med" len="med"/>
+                    </a:lnB>
+                  </a:tcPr>
+                </a:tc>
+                <a:tc>
+                  <a:txBody>
+                    <a:bodyPr/>
+                    <a:lstStyle/>
+                    <a:p>
+                      <a:pPr algn="r" fontAlgn="ctr"/>
+                      <a:r>
+                        <a:rPr lang="en-US" altLang="ja-JP" sz="900" b="0" i="0" u="none" strike="noStrike">
+                          <a:solidFill>
+                            <a:srgbClr val="000000"/>
+                          </a:solidFill>
+                          <a:effectLst/>
+                          <a:latin typeface="ＭＳ Ｐゴシック" panose="020B0600070205080204" pitchFamily="50" charset="-128"/>
+                          <a:ea typeface="ＭＳ Ｐゴシック" panose="020B0600070205080204" pitchFamily="50" charset="-128"/>
+                        </a:rPr>
+                        <a:t>1</a:t>
+                      </a:r>
+                    </a:p>
+                  </a:txBody>
+                  <a:tcPr marL="9525" marR="9525" marT="9525" marB="0" anchor="ctr">
+                    <a:lnL w="12700" cap="flat" cmpd="sng" algn="ctr">
+                      <a:solidFill>
+                        <a:schemeClr val="tx1"/>
+                      </a:solidFill>
+                      <a:prstDash val="solid"/>
+                      <a:round/>
+                      <a:headEnd type="none" w="med" len="med"/>
+                      <a:tailEnd type="none" w="med" len="med"/>
+                    </a:lnL>
+                    <a:lnR w="12700" cap="flat" cmpd="sng" algn="ctr">
+                      <a:solidFill>
+                        <a:schemeClr val="tx1"/>
+                      </a:solidFill>
+                      <a:prstDash val="solid"/>
+                      <a:round/>
+                      <a:headEnd type="none" w="med" len="med"/>
+                      <a:tailEnd type="none" w="med" len="med"/>
+                    </a:lnR>
+                    <a:lnT w="12700" cap="flat" cmpd="sng" algn="ctr">
+                      <a:solidFill>
+                        <a:schemeClr val="tx1"/>
+                      </a:solidFill>
+                      <a:prstDash val="solid"/>
+                      <a:round/>
+                      <a:headEnd type="none" w="med" len="med"/>
+                      <a:tailEnd type="none" w="med" len="med"/>
+                    </a:lnT>
+                    <a:lnB w="12700" cap="flat" cmpd="sng" algn="ctr">
+                      <a:solidFill>
+                        <a:schemeClr val="tx1"/>
+                      </a:solidFill>
+                      <a:prstDash val="solid"/>
+                      <a:round/>
+                      <a:headEnd type="none" w="med" len="med"/>
+                      <a:tailEnd type="none" w="med" len="med"/>
+                    </a:lnB>
+                  </a:tcPr>
+                </a:tc>
+                <a:tc>
+                  <a:txBody>
+                    <a:bodyPr/>
+                    <a:lstStyle/>
+                    <a:p>
+                      <a:pPr algn="r" fontAlgn="ctr"/>
+                      <a:r>
+                        <a:rPr lang="en-US" altLang="ja-JP" sz="900" b="0" i="0" u="none" strike="noStrike">
+                          <a:solidFill>
+                            <a:srgbClr val="000000"/>
+                          </a:solidFill>
+                          <a:effectLst/>
+                          <a:latin typeface="ＭＳ Ｐゴシック" panose="020B0600070205080204" pitchFamily="50" charset="-128"/>
+                          <a:ea typeface="ＭＳ Ｐゴシック" panose="020B0600070205080204" pitchFamily="50" charset="-128"/>
+                        </a:rPr>
+                        <a:t>2.6</a:t>
+                      </a:r>
+                    </a:p>
+                  </a:txBody>
+                  <a:tcPr marL="9525" marR="9525" marT="9525" marB="0" anchor="ctr">
+                    <a:lnL w="12700" cap="flat" cmpd="sng" algn="ctr">
+                      <a:solidFill>
+                        <a:schemeClr val="tx1"/>
+                      </a:solidFill>
+                      <a:prstDash val="solid"/>
+                      <a:round/>
+                      <a:headEnd type="none" w="med" len="med"/>
+                      <a:tailEnd type="none" w="med" len="med"/>
+                    </a:lnL>
+                    <a:lnR w="12700" cap="flat" cmpd="sng" algn="ctr">
+                      <a:solidFill>
+                        <a:schemeClr val="tx1"/>
+                      </a:solidFill>
+                      <a:prstDash val="solid"/>
+                      <a:round/>
+                      <a:headEnd type="none" w="med" len="med"/>
+                      <a:tailEnd type="none" w="med" len="med"/>
+                    </a:lnR>
+                    <a:lnT w="12700" cap="flat" cmpd="sng" algn="ctr">
+                      <a:solidFill>
+                        <a:schemeClr val="tx1"/>
+                      </a:solidFill>
+                      <a:prstDash val="solid"/>
+                      <a:round/>
+                      <a:headEnd type="none" w="med" len="med"/>
+                      <a:tailEnd type="none" w="med" len="med"/>
+                    </a:lnT>
+                    <a:lnB w="12700" cap="flat" cmpd="sng" algn="ctr">
+                      <a:solidFill>
+                        <a:schemeClr val="tx1"/>
+                      </a:solidFill>
+                      <a:prstDash val="solid"/>
+                      <a:round/>
+                      <a:headEnd type="none" w="med" len="med"/>
+                      <a:tailEnd type="none" w="med" len="med"/>
+                    </a:lnB>
+                  </a:tcPr>
+                </a:tc>
+                <a:tc>
+                  <a:txBody>
+                    <a:bodyPr/>
+                    <a:lstStyle/>
+                    <a:p>
+                      <a:pPr algn="r" fontAlgn="ctr"/>
+                      <a:r>
+                        <a:rPr lang="en-US" altLang="ja-JP" sz="900" b="0" i="0" u="none" strike="noStrike">
+                          <a:solidFill>
+                            <a:srgbClr val="000000"/>
+                          </a:solidFill>
+                          <a:effectLst/>
+                          <a:latin typeface="ＭＳ Ｐゴシック" panose="020B0600070205080204" pitchFamily="50" charset="-128"/>
+                          <a:ea typeface="ＭＳ Ｐゴシック" panose="020B0600070205080204" pitchFamily="50" charset="-128"/>
+                        </a:rPr>
+                        <a:t>4</a:t>
+                      </a:r>
+                    </a:p>
+                  </a:txBody>
+                  <a:tcPr marL="9525" marR="9525" marT="9525" marB="0" anchor="ctr">
+                    <a:lnL w="12700" cap="flat" cmpd="sng" algn="ctr">
+                      <a:solidFill>
+                        <a:schemeClr val="tx1"/>
+                      </a:solidFill>
+                      <a:prstDash val="solid"/>
+                      <a:round/>
+                      <a:headEnd type="none" w="med" len="med"/>
+                      <a:tailEnd type="none" w="med" len="med"/>
+                    </a:lnL>
+                    <a:lnR w="12700" cap="flat" cmpd="sng" algn="ctr">
+                      <a:solidFill>
+                        <a:schemeClr val="tx1"/>
+                      </a:solidFill>
+                      <a:prstDash val="solid"/>
+                      <a:round/>
+                      <a:headEnd type="none" w="med" len="med"/>
+                      <a:tailEnd type="none" w="med" len="med"/>
+                    </a:lnR>
+                    <a:lnT w="12700" cap="flat" cmpd="sng" algn="ctr">
+                      <a:solidFill>
+                        <a:schemeClr val="tx1"/>
+                      </a:solidFill>
+                      <a:prstDash val="solid"/>
+                      <a:round/>
+                      <a:headEnd type="none" w="med" len="med"/>
+                      <a:tailEnd type="none" w="med" len="med"/>
+                    </a:lnT>
+                    <a:lnB w="12700" cap="flat" cmpd="sng" algn="ctr">
+                      <a:solidFill>
+                        <a:schemeClr val="tx1"/>
+                      </a:solidFill>
+                      <a:prstDash val="solid"/>
+                      <a:round/>
+                      <a:headEnd type="none" w="med" len="med"/>
+                      <a:tailEnd type="none" w="med" len="med"/>
+                    </a:lnB>
+                  </a:tcPr>
+                </a:tc>
+              </a:tr>
+              <a:tr h="110183">
+                <a:tc>
+                  <a:txBody>
+                    <a:bodyPr/>
+                    <a:lstStyle/>
+                    <a:p>
+                      <a:pPr algn="l" fontAlgn="ctr"/>
+                      <a:r>
+                        <a:rPr lang="en-US" sz="900" b="0" i="0" u="none" strike="noStrike" dirty="0">
+                          <a:solidFill>
+                            <a:srgbClr val="000000"/>
+                          </a:solidFill>
+                          <a:effectLst/>
+                          <a:latin typeface="ＭＳ Ｐゴシック" panose="020B0600070205080204" pitchFamily="50" charset="-128"/>
+                          <a:ea typeface="ＭＳ Ｐゴシック" panose="020B0600070205080204" pitchFamily="50" charset="-128"/>
+                        </a:rPr>
+                        <a:t>ESFJ</a:t>
+                      </a:r>
+                    </a:p>
+                  </a:txBody>
+                  <a:tcPr marL="9525" marR="9525" marT="9525" marB="0" anchor="ctr">
+                    <a:lnL w="12700" cap="flat" cmpd="sng" algn="ctr">
+                      <a:solidFill>
+                        <a:schemeClr val="tx1"/>
+                      </a:solidFill>
+                      <a:prstDash val="solid"/>
+                      <a:round/>
+                      <a:headEnd type="none" w="med" len="med"/>
+                      <a:tailEnd type="none" w="med" len="med"/>
+                    </a:lnL>
+                    <a:lnR w="12700" cap="flat" cmpd="sng" algn="ctr">
+                      <a:solidFill>
+                        <a:schemeClr val="tx1"/>
+                      </a:solidFill>
+                      <a:prstDash val="solid"/>
+                      <a:round/>
+                      <a:headEnd type="none" w="med" len="med"/>
+                      <a:tailEnd type="none" w="med" len="med"/>
+                    </a:lnR>
+                    <a:lnT w="12700" cap="flat" cmpd="sng" algn="ctr">
+                      <a:solidFill>
+                        <a:schemeClr val="tx1"/>
+                      </a:solidFill>
+                      <a:prstDash val="solid"/>
+                      <a:round/>
+                      <a:headEnd type="none" w="med" len="med"/>
+                      <a:tailEnd type="none" w="med" len="med"/>
+                    </a:lnT>
+                    <a:lnB w="12700" cap="flat" cmpd="sng" algn="ctr">
+                      <a:solidFill>
+                        <a:schemeClr val="tx1"/>
+                      </a:solidFill>
+                      <a:prstDash val="solid"/>
+                      <a:round/>
+                      <a:headEnd type="none" w="med" len="med"/>
+                      <a:tailEnd type="none" w="med" len="med"/>
+                    </a:lnB>
+                  </a:tcPr>
+                </a:tc>
+                <a:tc>
+                  <a:txBody>
+                    <a:bodyPr/>
+                    <a:lstStyle/>
+                    <a:p>
+                      <a:pPr algn="l" fontAlgn="ctr"/>
+                      <a:r>
+                        <a:rPr lang="en-US" sz="900" b="0" i="0" u="none" strike="noStrike" dirty="0">
+                          <a:solidFill>
+                            <a:srgbClr val="000000"/>
+                          </a:solidFill>
+                          <a:effectLst/>
+                          <a:latin typeface="ＭＳ Ｐゴシック" panose="020B0600070205080204" pitchFamily="50" charset="-128"/>
+                          <a:ea typeface="ＭＳ Ｐゴシック" panose="020B0600070205080204" pitchFamily="50" charset="-128"/>
+                        </a:rPr>
+                        <a:t>ESFP</a:t>
+                      </a:r>
+                    </a:p>
+                  </a:txBody>
+                  <a:tcPr marL="9525" marR="9525" marT="9525" marB="0" anchor="ctr">
+                    <a:lnL w="12700" cap="flat" cmpd="sng" algn="ctr">
+                      <a:solidFill>
+                        <a:schemeClr val="tx1"/>
+                      </a:solidFill>
+                      <a:prstDash val="solid"/>
+                      <a:round/>
+                      <a:headEnd type="none" w="med" len="med"/>
+                      <a:tailEnd type="none" w="med" len="med"/>
+                    </a:lnL>
+                    <a:lnR w="12700" cap="flat" cmpd="sng" algn="ctr">
+                      <a:solidFill>
+                        <a:schemeClr val="tx1"/>
+                      </a:solidFill>
+                      <a:prstDash val="solid"/>
+                      <a:round/>
+                      <a:headEnd type="none" w="med" len="med"/>
+                      <a:tailEnd type="none" w="med" len="med"/>
+                    </a:lnR>
+                    <a:lnT w="12700" cap="flat" cmpd="sng" algn="ctr">
+                      <a:solidFill>
+                        <a:schemeClr val="tx1"/>
+                      </a:solidFill>
+                      <a:prstDash val="solid"/>
+                      <a:round/>
+                      <a:headEnd type="none" w="med" len="med"/>
+                      <a:tailEnd type="none" w="med" len="med"/>
+                    </a:lnT>
+                    <a:lnB w="12700" cap="flat" cmpd="sng" algn="ctr">
+                      <a:solidFill>
+                        <a:schemeClr val="tx1"/>
+                      </a:solidFill>
+                      <a:prstDash val="solid"/>
+                      <a:round/>
+                      <a:headEnd type="none" w="med" len="med"/>
+                      <a:tailEnd type="none" w="med" len="med"/>
+                    </a:lnB>
+                  </a:tcPr>
+                </a:tc>
+                <a:tc>
+                  <a:txBody>
+                    <a:bodyPr/>
+                    <a:lstStyle/>
+                    <a:p>
+                      <a:pPr algn="l" fontAlgn="ctr"/>
+                      <a:endParaRPr lang="ja-JP" altLang="en-US" sz="900" b="0" i="0" u="none" strike="noStrike">
+                        <a:solidFill>
+                          <a:srgbClr val="000000"/>
+                        </a:solidFill>
+                        <a:effectLst/>
+                        <a:latin typeface="ＭＳ Ｐゴシック" panose="020B0600070205080204" pitchFamily="50" charset="-128"/>
+                        <a:ea typeface="ＭＳ Ｐゴシック" panose="020B0600070205080204" pitchFamily="50" charset="-128"/>
+                      </a:endParaRPr>
+                    </a:p>
+                  </a:txBody>
+                  <a:tcPr marL="9525" marR="9525" marT="9525" marB="0" anchor="ctr">
+                    <a:lnL w="12700" cap="flat" cmpd="sng" algn="ctr">
+                      <a:solidFill>
+                        <a:schemeClr val="tx1"/>
+                      </a:solidFill>
+                      <a:prstDash val="solid"/>
+                      <a:round/>
+                      <a:headEnd type="none" w="med" len="med"/>
+                      <a:tailEnd type="none" w="med" len="med"/>
+                    </a:lnL>
+                    <a:lnR w="12700" cap="flat" cmpd="sng" algn="ctr">
+                      <a:solidFill>
+                        <a:schemeClr val="tx1"/>
+                      </a:solidFill>
+                      <a:prstDash val="solid"/>
+                      <a:round/>
+                      <a:headEnd type="none" w="med" len="med"/>
+                      <a:tailEnd type="none" w="med" len="med"/>
+                    </a:lnR>
+                    <a:lnT w="12700" cap="flat" cmpd="sng" algn="ctr">
+                      <a:solidFill>
+                        <a:schemeClr val="tx1"/>
+                      </a:solidFill>
+                      <a:prstDash val="solid"/>
+                      <a:round/>
+                      <a:headEnd type="none" w="med" len="med"/>
+                      <a:tailEnd type="none" w="med" len="med"/>
+                    </a:lnT>
+                    <a:lnB w="12700" cap="flat" cmpd="sng" algn="ctr">
+                      <a:solidFill>
+                        <a:schemeClr val="tx1"/>
+                      </a:solidFill>
+                      <a:prstDash val="solid"/>
+                      <a:round/>
+                      <a:headEnd type="none" w="med" len="med"/>
+                      <a:tailEnd type="none" w="med" len="med"/>
+                    </a:lnB>
+                  </a:tcPr>
+                </a:tc>
+                <a:tc>
+                  <a:txBody>
+                    <a:bodyPr/>
+                    <a:lstStyle/>
+                    <a:p>
+                      <a:pPr algn="r" fontAlgn="ctr"/>
+                      <a:r>
+                        <a:rPr lang="en-US" altLang="ja-JP" sz="900" b="0" i="0" u="none" strike="noStrike" dirty="0">
+                          <a:solidFill>
+                            <a:srgbClr val="000000"/>
+                          </a:solidFill>
+                          <a:effectLst/>
+                          <a:latin typeface="ＭＳ Ｐゴシック" panose="020B0600070205080204" pitchFamily="50" charset="-128"/>
+                          <a:ea typeface="ＭＳ Ｐゴシック" panose="020B0600070205080204" pitchFamily="50" charset="-128"/>
+                        </a:rPr>
+                        <a:t>20</a:t>
+                      </a:r>
+                    </a:p>
+                  </a:txBody>
+                  <a:tcPr marL="9525" marR="9525" marT="9525" marB="0" anchor="ctr">
+                    <a:lnL w="12700" cap="flat" cmpd="sng" algn="ctr">
+                      <a:solidFill>
+                        <a:schemeClr val="tx1"/>
+                      </a:solidFill>
+                      <a:prstDash val="solid"/>
+                      <a:round/>
+                      <a:headEnd type="none" w="med" len="med"/>
+                      <a:tailEnd type="none" w="med" len="med"/>
+                    </a:lnL>
+                    <a:lnR w="12700" cap="flat" cmpd="sng" algn="ctr">
+                      <a:solidFill>
+                        <a:schemeClr val="tx1"/>
+                      </a:solidFill>
+                      <a:prstDash val="solid"/>
+                      <a:round/>
+                      <a:headEnd type="none" w="med" len="med"/>
+                      <a:tailEnd type="none" w="med" len="med"/>
+                    </a:lnR>
+                    <a:lnT w="12700" cap="flat" cmpd="sng" algn="ctr">
+                      <a:solidFill>
+                        <a:schemeClr val="tx1"/>
+                      </a:solidFill>
+                      <a:prstDash val="solid"/>
+                      <a:round/>
+                      <a:headEnd type="none" w="med" len="med"/>
+                      <a:tailEnd type="none" w="med" len="med"/>
+                    </a:lnT>
+                    <a:lnB w="12700" cap="flat" cmpd="sng" algn="ctr">
+                      <a:solidFill>
+                        <a:schemeClr val="tx1"/>
+                      </a:solidFill>
+                      <a:prstDash val="solid"/>
+                      <a:round/>
+                      <a:headEnd type="none" w="med" len="med"/>
+                      <a:tailEnd type="none" w="med" len="med"/>
+                    </a:lnB>
+                  </a:tcPr>
+                </a:tc>
+                <a:tc>
+                  <a:txBody>
+                    <a:bodyPr/>
+                    <a:lstStyle/>
+                    <a:p>
+                      <a:pPr algn="r" fontAlgn="ctr"/>
+                      <a:r>
+                        <a:rPr lang="en-US" altLang="ja-JP" sz="900" b="0" i="0" u="none" strike="noStrike" dirty="0">
+                          <a:solidFill>
+                            <a:srgbClr val="000000"/>
+                          </a:solidFill>
+                          <a:effectLst/>
+                          <a:latin typeface="ＭＳ Ｐゴシック" panose="020B0600070205080204" pitchFamily="50" charset="-128"/>
+                          <a:ea typeface="ＭＳ Ｐゴシック" panose="020B0600070205080204" pitchFamily="50" charset="-128"/>
+                        </a:rPr>
+                        <a:t>0.179487</a:t>
+                      </a:r>
+                    </a:p>
+                  </a:txBody>
+                  <a:tcPr marL="9525" marR="9525" marT="9525" marB="0" anchor="ctr">
+                    <a:lnL w="12700" cap="flat" cmpd="sng" algn="ctr">
+                      <a:solidFill>
+                        <a:schemeClr val="tx1"/>
+                      </a:solidFill>
+                      <a:prstDash val="solid"/>
+                      <a:round/>
+                      <a:headEnd type="none" w="med" len="med"/>
+                      <a:tailEnd type="none" w="med" len="med"/>
+                    </a:lnL>
+                    <a:lnR w="12700" cap="flat" cmpd="sng" algn="ctr">
+                      <a:solidFill>
+                        <a:schemeClr val="tx1"/>
+                      </a:solidFill>
+                      <a:prstDash val="solid"/>
+                      <a:round/>
+                      <a:headEnd type="none" w="med" len="med"/>
+                      <a:tailEnd type="none" w="med" len="med"/>
+                    </a:lnR>
+                    <a:lnT w="12700" cap="flat" cmpd="sng" algn="ctr">
+                      <a:solidFill>
+                        <a:schemeClr val="tx1"/>
+                      </a:solidFill>
+                      <a:prstDash val="solid"/>
+                      <a:round/>
+                      <a:headEnd type="none" w="med" len="med"/>
+                      <a:tailEnd type="none" w="med" len="med"/>
+                    </a:lnT>
+                    <a:lnB w="12700" cap="flat" cmpd="sng" algn="ctr">
+                      <a:solidFill>
+                        <a:schemeClr val="tx1"/>
+                      </a:solidFill>
+                      <a:prstDash val="solid"/>
+                      <a:round/>
+                      <a:headEnd type="none" w="med" len="med"/>
+                      <a:tailEnd type="none" w="med" len="med"/>
+                    </a:lnB>
+                  </a:tcPr>
+                </a:tc>
+                <a:tc>
+                  <a:txBody>
+                    <a:bodyPr/>
+                    <a:lstStyle/>
+                    <a:p>
+                      <a:pPr algn="r" fontAlgn="ctr"/>
+                      <a:r>
+                        <a:rPr lang="en-US" altLang="ja-JP" sz="900" b="0" i="0" u="none" strike="noStrike">
+                          <a:solidFill>
+                            <a:srgbClr val="000000"/>
+                          </a:solidFill>
+                          <a:effectLst/>
+                          <a:latin typeface="ＭＳ Ｐゴシック" panose="020B0600070205080204" pitchFamily="50" charset="-128"/>
+                          <a:ea typeface="ＭＳ Ｐゴシック" panose="020B0600070205080204" pitchFamily="50" charset="-128"/>
+                        </a:rPr>
+                        <a:t>1</a:t>
+                      </a:r>
+                    </a:p>
+                  </a:txBody>
+                  <a:tcPr marL="9525" marR="9525" marT="9525" marB="0" anchor="ctr">
+                    <a:lnL w="12700" cap="flat" cmpd="sng" algn="ctr">
+                      <a:solidFill>
+                        <a:schemeClr val="tx1"/>
+                      </a:solidFill>
+                      <a:prstDash val="solid"/>
+                      <a:round/>
+                      <a:headEnd type="none" w="med" len="med"/>
+                      <a:tailEnd type="none" w="med" len="med"/>
+                    </a:lnL>
+                    <a:lnR w="12700" cap="flat" cmpd="sng" algn="ctr">
+                      <a:solidFill>
+                        <a:schemeClr val="tx1"/>
+                      </a:solidFill>
+                      <a:prstDash val="solid"/>
+                      <a:round/>
+                      <a:headEnd type="none" w="med" len="med"/>
+                      <a:tailEnd type="none" w="med" len="med"/>
+                    </a:lnR>
+                    <a:lnT w="12700" cap="flat" cmpd="sng" algn="ctr">
+                      <a:solidFill>
+                        <a:schemeClr val="tx1"/>
+                      </a:solidFill>
+                      <a:prstDash val="solid"/>
+                      <a:round/>
+                      <a:headEnd type="none" w="med" len="med"/>
+                      <a:tailEnd type="none" w="med" len="med"/>
+                    </a:lnT>
+                    <a:lnB w="12700" cap="flat" cmpd="sng" algn="ctr">
+                      <a:solidFill>
+                        <a:schemeClr val="tx1"/>
+                      </a:solidFill>
+                      <a:prstDash val="solid"/>
+                      <a:round/>
+                      <a:headEnd type="none" w="med" len="med"/>
+                      <a:tailEnd type="none" w="med" len="med"/>
+                    </a:lnB>
+                  </a:tcPr>
+                </a:tc>
+                <a:tc>
+                  <a:txBody>
+                    <a:bodyPr/>
+                    <a:lstStyle/>
+                    <a:p>
+                      <a:pPr algn="r" fontAlgn="ctr"/>
+                      <a:r>
+                        <a:rPr lang="en-US" altLang="ja-JP" sz="900" b="0" i="0" u="none" strike="noStrike">
+                          <a:solidFill>
+                            <a:srgbClr val="000000"/>
+                          </a:solidFill>
+                          <a:effectLst/>
+                          <a:latin typeface="ＭＳ Ｐゴシック" panose="020B0600070205080204" pitchFamily="50" charset="-128"/>
+                          <a:ea typeface="ＭＳ Ｐゴシック" panose="020B0600070205080204" pitchFamily="50" charset="-128"/>
+                        </a:rPr>
+                        <a:t>3.25</a:t>
+                      </a:r>
+                    </a:p>
+                  </a:txBody>
+                  <a:tcPr marL="9525" marR="9525" marT="9525" marB="0" anchor="ctr">
+                    <a:lnL w="12700" cap="flat" cmpd="sng" algn="ctr">
+                      <a:solidFill>
+                        <a:schemeClr val="tx1"/>
+                      </a:solidFill>
+                      <a:prstDash val="solid"/>
+                      <a:round/>
+                      <a:headEnd type="none" w="med" len="med"/>
+                      <a:tailEnd type="none" w="med" len="med"/>
+                    </a:lnL>
+                    <a:lnR w="12700" cap="flat" cmpd="sng" algn="ctr">
+                      <a:solidFill>
+                        <a:schemeClr val="tx1"/>
+                      </a:solidFill>
+                      <a:prstDash val="solid"/>
+                      <a:round/>
+                      <a:headEnd type="none" w="med" len="med"/>
+                      <a:tailEnd type="none" w="med" len="med"/>
+                    </a:lnR>
+                    <a:lnT w="12700" cap="flat" cmpd="sng" algn="ctr">
+                      <a:solidFill>
+                        <a:schemeClr val="tx1"/>
+                      </a:solidFill>
+                      <a:prstDash val="solid"/>
+                      <a:round/>
+                      <a:headEnd type="none" w="med" len="med"/>
+                      <a:tailEnd type="none" w="med" len="med"/>
+                    </a:lnT>
+                    <a:lnB w="12700" cap="flat" cmpd="sng" algn="ctr">
+                      <a:solidFill>
+                        <a:schemeClr val="tx1"/>
+                      </a:solidFill>
+                      <a:prstDash val="solid"/>
+                      <a:round/>
+                      <a:headEnd type="none" w="med" len="med"/>
+                      <a:tailEnd type="none" w="med" len="med"/>
+                    </a:lnB>
+                  </a:tcPr>
+                </a:tc>
+                <a:tc>
+                  <a:txBody>
+                    <a:bodyPr/>
+                    <a:lstStyle/>
+                    <a:p>
+                      <a:pPr algn="r" fontAlgn="ctr"/>
+                      <a:r>
+                        <a:rPr lang="en-US" altLang="ja-JP" sz="900" b="0" i="0" u="none" strike="noStrike" dirty="0">
+                          <a:solidFill>
+                            <a:srgbClr val="000000"/>
+                          </a:solidFill>
+                          <a:effectLst/>
+                          <a:latin typeface="ＭＳ Ｐゴシック" panose="020B0600070205080204" pitchFamily="50" charset="-128"/>
+                          <a:ea typeface="ＭＳ Ｐゴシック" panose="020B0600070205080204" pitchFamily="50" charset="-128"/>
+                        </a:rPr>
+                        <a:t>7</a:t>
+                      </a:r>
+                    </a:p>
+                  </a:txBody>
+                  <a:tcPr marL="9525" marR="9525" marT="9525" marB="0" anchor="ctr">
+                    <a:lnL w="12700" cap="flat" cmpd="sng" algn="ctr">
+                      <a:solidFill>
+                        <a:schemeClr val="tx1"/>
+                      </a:solidFill>
+                      <a:prstDash val="solid"/>
+                      <a:round/>
+                      <a:headEnd type="none" w="med" len="med"/>
+                      <a:tailEnd type="none" w="med" len="med"/>
+                    </a:lnL>
+                    <a:lnR w="12700" cap="flat" cmpd="sng" algn="ctr">
+                      <a:solidFill>
+                        <a:schemeClr val="tx1"/>
+                      </a:solidFill>
+                      <a:prstDash val="solid"/>
+                      <a:round/>
+                      <a:headEnd type="none" w="med" len="med"/>
+                      <a:tailEnd type="none" w="med" len="med"/>
+                    </a:lnR>
+                    <a:lnT w="12700" cap="flat" cmpd="sng" algn="ctr">
+                      <a:solidFill>
+                        <a:schemeClr val="tx1"/>
+                      </a:solidFill>
+                      <a:prstDash val="solid"/>
+                      <a:round/>
+                      <a:headEnd type="none" w="med" len="med"/>
+                      <a:tailEnd type="none" w="med" len="med"/>
+                    </a:lnT>
+                    <a:lnB w="12700" cap="flat" cmpd="sng" algn="ctr">
+                      <a:solidFill>
+                        <a:schemeClr val="tx1"/>
+                      </a:solidFill>
+                      <a:prstDash val="solid"/>
+                      <a:round/>
+                      <a:headEnd type="none" w="med" len="med"/>
+                      <a:tailEnd type="none" w="med" len="med"/>
+                    </a:lnB>
+                  </a:tcPr>
+                </a:tc>
+              </a:tr>
+            </a:tbl>
+          </a:graphicData>
+        </a:graphic>
+      </p:graphicFrame>
+      <p:sp>
+        <p:nvSpPr>
+          <p:cNvPr id="48" name="フローチャート: 代替処理 47"/>
           <p:cNvSpPr/>
           <p:nvPr/>
         </p:nvSpPr>
         <p:spPr>
           <a:xfrm>
-            <a:off x="5318759" y="5753698"/>
-            <a:ext cx="1420252" cy="703251"/>
+            <a:off x="3557935" y="6328774"/>
+            <a:ext cx="1622491" cy="603366"/>
           </a:xfrm>
-          <a:prstGeom prst="wedgeRectCallout">
-            <a:avLst>
-              <a:gd name="adj1" fmla="val -58538"/>
-              <a:gd name="adj2" fmla="val -43550"/>
-            </a:avLst>
+          <a:prstGeom prst="flowChartAlternateProcess">
+            <a:avLst/>
           </a:prstGeom>
           <a:ln>
             <a:solidFill>
               <a:schemeClr val="bg1">
+                <a:lumMod val="65000"/>
+              </a:schemeClr>
+            </a:solidFill>
+          </a:ln>
+        </p:spPr>
+        <p:style>
+          <a:lnRef idx="2">
+            <a:schemeClr val="accent3"/>
+          </a:lnRef>
+          <a:fillRef idx="1">
+            <a:schemeClr val="lt1"/>
+          </a:fillRef>
+          <a:effectRef idx="0">
+            <a:schemeClr val="accent3"/>
+          </a:effectRef>
+          <a:fontRef idx="minor">
+            <a:schemeClr val="dk1"/>
+          </a:fontRef>
+        </p:style>
+        <p:txBody>
+          <a:bodyPr tIns="0" rtlCol="0" anchor="t"/>
+          <a:lstStyle/>
+          <a:p>
+            <a:pPr algn="ctr"/>
+            <a:r>
+              <a:rPr lang="ja-JP" altLang="en-US" sz="1600" dirty="0"/>
+              <a:t>グループワーク</a:t>
+            </a:r>
+            <a:endParaRPr lang="en-US" altLang="ja-JP" sz="1600" dirty="0"/>
+          </a:p>
+          <a:p>
+            <a:pPr algn="ctr"/>
+            <a:endParaRPr lang="en-US" altLang="ja-JP" sz="1600" dirty="0"/>
+          </a:p>
+        </p:txBody>
+      </p:sp>
+      <p:sp>
+        <p:nvSpPr>
+          <p:cNvPr id="49" name="フローチャート: 代替処理 48"/>
+          <p:cNvSpPr/>
+          <p:nvPr/>
+        </p:nvSpPr>
+        <p:spPr>
+          <a:xfrm>
+            <a:off x="3704084" y="6622832"/>
+            <a:ext cx="1330192" cy="282948"/>
+          </a:xfrm>
+          <a:prstGeom prst="flowChartAlternateProcess">
+            <a:avLst/>
+          </a:prstGeom>
+          <a:ln>
+            <a:solidFill>
+              <a:schemeClr val="bg1">
+                <a:lumMod val="65000"/>
+              </a:schemeClr>
+            </a:solidFill>
+          </a:ln>
+        </p:spPr>
+        <p:style>
+          <a:lnRef idx="2">
+            <a:schemeClr val="accent3"/>
+          </a:lnRef>
+          <a:fillRef idx="1">
+            <a:schemeClr val="lt1"/>
+          </a:fillRef>
+          <a:effectRef idx="0">
+            <a:schemeClr val="accent3"/>
+          </a:effectRef>
+          <a:fontRef idx="minor">
+            <a:schemeClr val="dk1"/>
+          </a:fontRef>
+        </p:style>
+        <p:txBody>
+          <a:bodyPr rtlCol="0" anchor="ctr"/>
+          <a:lstStyle/>
+          <a:p>
+            <a:pPr algn="ctr"/>
+            <a:r>
+              <a:rPr lang="ja-JP" altLang="en-US" sz="1600" dirty="0" smtClean="0"/>
+              <a:t>アンケート</a:t>
+            </a:r>
+            <a:endParaRPr lang="ja-JP" altLang="en-US" sz="1600" dirty="0"/>
+          </a:p>
+        </p:txBody>
+      </p:sp>
+      <p:sp>
+        <p:nvSpPr>
+          <p:cNvPr id="50" name="フローチャート: 代替処理 49"/>
+          <p:cNvSpPr/>
+          <p:nvPr/>
+        </p:nvSpPr>
+        <p:spPr>
+          <a:xfrm>
+            <a:off x="3557935" y="5563036"/>
+            <a:ext cx="3064290" cy="286712"/>
+          </a:xfrm>
+          <a:prstGeom prst="flowChartAlternateProcess">
+            <a:avLst/>
+          </a:prstGeom>
+          <a:ln>
+            <a:solidFill>
+              <a:schemeClr val="accent1">
                 <a:lumMod val="75000"/>
               </a:schemeClr>
             </a:solidFill>
@@ -5186,13 +8258,13 @@
         </p:spPr>
         <p:style>
           <a:lnRef idx="2">
-            <a:schemeClr val="accent6"/>
+            <a:schemeClr val="accent3"/>
           </a:lnRef>
           <a:fillRef idx="1">
             <a:schemeClr val="lt1"/>
           </a:fillRef>
           <a:effectRef idx="0">
-            <a:schemeClr val="accent6"/>
+            <a:schemeClr val="accent3"/>
           </a:effectRef>
           <a:fontRef idx="minor">
             <a:schemeClr val="dk1"/>
@@ -5202,88 +8274,25 @@
           <a:bodyPr rtlCol="0" anchor="ctr"/>
           <a:lstStyle/>
           <a:p>
-            <a:r>
-              <a:rPr lang="en-US" altLang="ja-JP" sz="1400" dirty="0" smtClean="0"/>
-              <a:t>PM</a:t>
-            </a:r>
-            <a:r>
-              <a:rPr lang="ja-JP" altLang="en-US" sz="1400" dirty="0" smtClean="0"/>
-              <a:t>実験</a:t>
-            </a:r>
-            <a:r>
-              <a:rPr lang="en-US" altLang="ja-JP" sz="1400" dirty="0"/>
-              <a:t/>
-            </a:r>
-            <a:br>
-              <a:rPr lang="en-US" altLang="ja-JP" sz="1400" dirty="0"/>
-            </a:br>
-            <a:r>
-              <a:rPr lang="ja-JP" altLang="en-US" sz="1400" dirty="0" smtClean="0"/>
-              <a:t>データマイニング入門</a:t>
-            </a:r>
-            <a:endParaRPr lang="ja-JP" altLang="en-US" sz="1400" dirty="0"/>
-          </a:p>
-        </p:txBody>
-      </p:sp>
-      <p:sp>
-        <p:nvSpPr>
-          <p:cNvPr id="56" name="フローチャート: 代替処理 55"/>
-          <p:cNvSpPr/>
+            <a:pPr algn="ctr"/>
+            <a:r>
+              <a:rPr lang="ja-JP" altLang="en-US" sz="1600" dirty="0" smtClean="0"/>
+              <a:t>結果から仮説を立てる</a:t>
+            </a:r>
+            <a:endParaRPr lang="ja-JP" altLang="en-US" sz="1600" dirty="0"/>
+          </a:p>
+        </p:txBody>
+      </p:sp>
+      <p:sp>
+        <p:nvSpPr>
+          <p:cNvPr id="11" name="テキスト ボックス 10"/>
+          <p:cNvSpPr txBox="1"/>
           <p:nvPr/>
         </p:nvSpPr>
         <p:spPr>
           <a:xfrm>
-            <a:off x="3630244" y="6123650"/>
-            <a:ext cx="1611637" cy="305142"/>
-          </a:xfrm>
-          <a:prstGeom prst="flowChartAlternateProcess">
-            <a:avLst/>
-          </a:prstGeom>
-          <a:ln>
-            <a:solidFill>
-              <a:schemeClr val="accent6">
-                <a:lumMod val="75000"/>
-              </a:schemeClr>
-            </a:solidFill>
-          </a:ln>
-        </p:spPr>
-        <p:style>
-          <a:lnRef idx="2">
-            <a:schemeClr val="accent6"/>
-          </a:lnRef>
-          <a:fillRef idx="1">
-            <a:schemeClr val="lt1"/>
-          </a:fillRef>
-          <a:effectRef idx="0">
-            <a:schemeClr val="accent6"/>
-          </a:effectRef>
-          <a:fontRef idx="minor">
-            <a:schemeClr val="dk1"/>
-          </a:fontRef>
-        </p:style>
-        <p:txBody>
-          <a:bodyPr rtlCol="0" anchor="ctr"/>
-          <a:lstStyle/>
-          <a:p>
-            <a:pPr algn="ctr"/>
-            <a:r>
-              <a:rPr lang="ja-JP" altLang="en-US" sz="1600" dirty="0" smtClean="0"/>
-              <a:t>仮説の実証</a:t>
-            </a:r>
-            <a:endParaRPr lang="ja-JP" altLang="en-US" sz="1600" dirty="0"/>
-          </a:p>
-        </p:txBody>
-      </p:sp>
-      <p:sp>
-        <p:nvSpPr>
-          <p:cNvPr id="57" name="テキスト ボックス 56"/>
-          <p:cNvSpPr txBox="1"/>
-          <p:nvPr/>
-        </p:nvSpPr>
-        <p:spPr>
-          <a:xfrm>
-            <a:off x="3625017" y="7093733"/>
-            <a:ext cx="3147259" cy="1569660"/>
+            <a:off x="18231" y="2957587"/>
+            <a:ext cx="6823965" cy="769441"/>
           </a:xfrm>
           <a:prstGeom prst="rect">
             <a:avLst/>
@@ -5296,169 +8305,34 @@
           </a:bodyPr>
           <a:lstStyle/>
           <a:p>
-            <a:pPr marL="285750" indent="-285750">
-              <a:buFont typeface="Arial" panose="020B0604020202020204" pitchFamily="34" charset="0"/>
-              <a:buChar char="•"/>
-            </a:pPr>
-            <a:r>
-              <a:rPr lang="ja-JP" altLang="en-US" sz="1600" dirty="0"/>
-              <a:t>データマイニング</a:t>
-            </a:r>
-            <a:r>
-              <a:rPr lang="ja-JP" altLang="en-US" sz="1600" dirty="0" smtClean="0"/>
-              <a:t>入門と</a:t>
-            </a:r>
-            <a:r>
-              <a:rPr lang="en-US" altLang="ja-JP" sz="1600" dirty="0" smtClean="0"/>
-              <a:t>PM</a:t>
-            </a:r>
-            <a:r>
-              <a:rPr lang="ja-JP" altLang="en-US" sz="1600" dirty="0" smtClean="0"/>
-              <a:t>実験で性格検査を行う</a:t>
-            </a:r>
-            <a:endParaRPr lang="en-US" altLang="ja-JP" sz="1600" dirty="0" smtClean="0"/>
-          </a:p>
-          <a:p>
-            <a:pPr marL="285750" indent="-285750">
-              <a:buFont typeface="Arial" panose="020B0604020202020204" pitchFamily="34" charset="0"/>
-              <a:buChar char="•"/>
-            </a:pPr>
-            <a:r>
-              <a:rPr lang="ja-JP" altLang="en-US" sz="1600" dirty="0" smtClean="0"/>
-              <a:t>仮説を元にグループを分ける</a:t>
-            </a:r>
-            <a:endParaRPr lang="en-US" altLang="ja-JP" sz="1600" dirty="0"/>
-          </a:p>
-          <a:p>
-            <a:pPr marL="285750" indent="-285750">
-              <a:buFont typeface="Arial" panose="020B0604020202020204" pitchFamily="34" charset="0"/>
-              <a:buChar char="•"/>
-            </a:pPr>
-            <a:r>
-              <a:rPr lang="ja-JP" altLang="en-US" sz="1600" dirty="0" smtClean="0"/>
-              <a:t>グループワーク後、アンケートを行う</a:t>
-            </a:r>
-            <a:endParaRPr lang="en-US" altLang="ja-JP" sz="1600" dirty="0"/>
-          </a:p>
-          <a:p>
-            <a:pPr marL="285750" indent="-285750">
-              <a:buFont typeface="Arial" panose="020B0604020202020204" pitchFamily="34" charset="0"/>
-              <a:buChar char="•"/>
-            </a:pPr>
-            <a:r>
-              <a:rPr lang="ja-JP" altLang="en-US" sz="1600" dirty="0" smtClean="0"/>
-              <a:t>そのデータから仮説を実証する</a:t>
-            </a:r>
-            <a:endParaRPr lang="en-US" altLang="ja-JP" sz="1600" dirty="0" smtClean="0"/>
-          </a:p>
-        </p:txBody>
-      </p:sp>
-      <p:sp>
-        <p:nvSpPr>
-          <p:cNvPr id="59" name="テキスト ボックス 58"/>
-          <p:cNvSpPr txBox="1"/>
-          <p:nvPr/>
-        </p:nvSpPr>
-        <p:spPr>
-          <a:xfrm>
-            <a:off x="501872" y="7009135"/>
-            <a:ext cx="3022378" cy="1077218"/>
-          </a:xfrm>
-          <a:prstGeom prst="rect">
-            <a:avLst/>
-          </a:prstGeom>
-          <a:noFill/>
-        </p:spPr>
-        <p:txBody>
-          <a:bodyPr wrap="square" rtlCol="0">
-            <a:spAutoFit/>
-          </a:bodyPr>
-          <a:lstStyle/>
-          <a:p>
-            <a:pPr marL="285750" indent="-285750">
-              <a:buFont typeface="Arial" panose="020B0604020202020204" pitchFamily="34" charset="0"/>
-              <a:buChar char="•"/>
-            </a:pPr>
-            <a:r>
-              <a:rPr lang="en-US" altLang="ja-JP" sz="1600" dirty="0" smtClean="0"/>
-              <a:t>PM</a:t>
-            </a:r>
-            <a:r>
-              <a:rPr lang="ja-JP" altLang="en-US" sz="1600" dirty="0" smtClean="0"/>
-              <a:t>実験などのグループからデータを収集した</a:t>
-            </a:r>
-            <a:endParaRPr lang="en-US" altLang="ja-JP" sz="1600" dirty="0"/>
-          </a:p>
-          <a:p>
-            <a:pPr marL="285750" indent="-285750">
-              <a:buFont typeface="Arial" panose="020B0604020202020204" pitchFamily="34" charset="0"/>
-              <a:buChar char="•"/>
-            </a:pPr>
-            <a:r>
-              <a:rPr lang="ja-JP" altLang="en-US" sz="1600" dirty="0" smtClean="0"/>
-              <a:t>性格検査とアンケートの結果をアソシエーション分析した</a:t>
-            </a:r>
-            <a:endParaRPr lang="en-US" altLang="ja-JP" sz="1600" dirty="0"/>
-          </a:p>
-        </p:txBody>
-      </p:sp>
-      <p:graphicFrame>
-        <p:nvGraphicFramePr>
-          <p:cNvPr id="61" name="オブジェクト 60"/>
-          <p:cNvGraphicFramePr>
-            <a:graphicFrameLocks noChangeAspect="1"/>
-          </p:cNvGraphicFramePr>
-          <p:nvPr>
-            <p:extLst>
-              <p:ext uri="{D42A27DB-BD31-4B8C-83A1-F6EECF244321}">
-                <p14:modId xmlns:p14="http://schemas.microsoft.com/office/powerpoint/2010/main" val="4179103591"/>
-              </p:ext>
-            </p:extLst>
-          </p:nvPr>
-        </p:nvGraphicFramePr>
-        <p:xfrm>
-          <a:off x="355995" y="8055621"/>
-          <a:ext cx="3230922" cy="608724"/>
-        </p:xfrm>
-        <a:graphic>
-          <a:graphicData uri="http://schemas.openxmlformats.org/presentationml/2006/ole">
-            <mc:AlternateContent xmlns:mc="http://schemas.openxmlformats.org/markup-compatibility/2006">
-              <mc:Choice xmlns:v="urn:schemas-microsoft-com:vml" Requires="v">
-                <p:oleObj spid="_x0000_s1027" name="Acrobat Document" r:id="rId3" imgW="3943238" imgH="742750" progId="AcroExch.Document.7">
-                  <p:embed/>
-                </p:oleObj>
-              </mc:Choice>
-              <mc:Fallback>
-                <p:oleObj name="Acrobat Document" r:id="rId3" imgW="3943238" imgH="742750" progId="AcroExch.Document.7">
-                  <p:embed/>
-                  <p:pic>
-                    <p:nvPicPr>
-                      <p:cNvPr id="0" name=""/>
-                      <p:cNvPicPr/>
-                      <p:nvPr/>
-                    </p:nvPicPr>
-                    <p:blipFill>
-                      <a:blip r:embed="rId4"/>
-                      <a:stretch>
-                        <a:fillRect/>
-                      </a:stretch>
-                    </p:blipFill>
-                    <p:spPr>
-                      <a:xfrm>
-                        <a:off x="355995" y="8055621"/>
-                        <a:ext cx="3230922" cy="608724"/>
-                      </a:xfrm>
-                      <a:prstGeom prst="rect">
-                        <a:avLst/>
-                      </a:prstGeom>
-                    </p:spPr>
-                  </p:pic>
-                </p:oleObj>
-              </mc:Fallback>
-            </mc:AlternateContent>
-          </a:graphicData>
-        </a:graphic>
-      </p:graphicFrame>
+            <a:pPr algn="ctr"/>
+            <a:r>
+              <a:rPr lang="en-US" altLang="ja-JP" sz="2400" dirty="0"/>
+              <a:t>MBTI</a:t>
+            </a:r>
+            <a:r>
+              <a:rPr lang="ja-JP" altLang="en-US" sz="2000" dirty="0"/>
+              <a:t>を用いて</a:t>
+            </a:r>
+            <a:r>
+              <a:rPr lang="ja-JP" altLang="en-US" sz="2000" b="1" u="sng" dirty="0"/>
+              <a:t>メンバの相互作用が原因</a:t>
+            </a:r>
+            <a:r>
+              <a:rPr lang="ja-JP" altLang="en-US" sz="2000" dirty="0"/>
+              <a:t>となって起きる事象を</a:t>
+            </a:r>
+            <a:endParaRPr lang="en-US" altLang="ja-JP" sz="2000" dirty="0"/>
+          </a:p>
+          <a:p>
+            <a:pPr algn="ctr"/>
+            <a:r>
+              <a:rPr lang="ja-JP" altLang="en-US" sz="2000" dirty="0"/>
+              <a:t>事前に予測したい</a:t>
+            </a:r>
+          </a:p>
+        </p:txBody>
+      </p:sp>
     </p:spTree>
     <p:extLst>
       <p:ext uri="{BB962C8B-B14F-4D97-AF65-F5344CB8AC3E}">

--- a/卒業論文/2016/中村真悟/中間発表/卒論中間発表ポスター.pptx
+++ b/卒業論文/2016/中村真悟/中間発表/卒論中間発表ポスター.pptx
@@ -254,7 +254,7 @@
           <a:p>
             <a:fld id="{53970A59-9AA5-44B2-9C95-CD8BBDB4EB8E}" type="datetimeFigureOut">
               <a:rPr kumimoji="1" lang="ja-JP" altLang="en-US" smtClean="0"/>
-              <a:t>2017/10/6</a:t>
+              <a:t>2017/10/9</a:t>
             </a:fld>
             <a:endParaRPr kumimoji="1" lang="ja-JP" altLang="en-US"/>
           </a:p>
@@ -456,7 +456,7 @@
           <a:p>
             <a:fld id="{53970A59-9AA5-44B2-9C95-CD8BBDB4EB8E}" type="datetimeFigureOut">
               <a:rPr kumimoji="1" lang="ja-JP" altLang="en-US" smtClean="0"/>
-              <a:t>2017/10/6</a:t>
+              <a:t>2017/10/9</a:t>
             </a:fld>
             <a:endParaRPr kumimoji="1" lang="ja-JP" altLang="en-US"/>
           </a:p>
@@ -668,7 +668,7 @@
           <a:p>
             <a:fld id="{53970A59-9AA5-44B2-9C95-CD8BBDB4EB8E}" type="datetimeFigureOut">
               <a:rPr kumimoji="1" lang="ja-JP" altLang="en-US" smtClean="0"/>
-              <a:t>2017/10/6</a:t>
+              <a:t>2017/10/9</a:t>
             </a:fld>
             <a:endParaRPr kumimoji="1" lang="ja-JP" altLang="en-US"/>
           </a:p>
@@ -870,7 +870,7 @@
           <a:p>
             <a:fld id="{53970A59-9AA5-44B2-9C95-CD8BBDB4EB8E}" type="datetimeFigureOut">
               <a:rPr kumimoji="1" lang="ja-JP" altLang="en-US" smtClean="0"/>
-              <a:t>2017/10/6</a:t>
+              <a:t>2017/10/9</a:t>
             </a:fld>
             <a:endParaRPr kumimoji="1" lang="ja-JP" altLang="en-US"/>
           </a:p>
@@ -1114,7 +1114,7 @@
           <a:p>
             <a:fld id="{53970A59-9AA5-44B2-9C95-CD8BBDB4EB8E}" type="datetimeFigureOut">
               <a:rPr kumimoji="1" lang="ja-JP" altLang="en-US" smtClean="0"/>
-              <a:t>2017/10/6</a:t>
+              <a:t>2017/10/9</a:t>
             </a:fld>
             <a:endParaRPr kumimoji="1" lang="ja-JP" altLang="en-US"/>
           </a:p>
@@ -1410,7 +1410,7 @@
           <a:p>
             <a:fld id="{53970A59-9AA5-44B2-9C95-CD8BBDB4EB8E}" type="datetimeFigureOut">
               <a:rPr kumimoji="1" lang="ja-JP" altLang="en-US" smtClean="0"/>
-              <a:t>2017/10/6</a:t>
+              <a:t>2017/10/9</a:t>
             </a:fld>
             <a:endParaRPr kumimoji="1" lang="ja-JP" altLang="en-US"/>
           </a:p>
@@ -1841,7 +1841,7 @@
           <a:p>
             <a:fld id="{53970A59-9AA5-44B2-9C95-CD8BBDB4EB8E}" type="datetimeFigureOut">
               <a:rPr kumimoji="1" lang="ja-JP" altLang="en-US" smtClean="0"/>
-              <a:t>2017/10/6</a:t>
+              <a:t>2017/10/9</a:t>
             </a:fld>
             <a:endParaRPr kumimoji="1" lang="ja-JP" altLang="en-US"/>
           </a:p>
@@ -1959,7 +1959,7 @@
           <a:p>
             <a:fld id="{53970A59-9AA5-44B2-9C95-CD8BBDB4EB8E}" type="datetimeFigureOut">
               <a:rPr kumimoji="1" lang="ja-JP" altLang="en-US" smtClean="0"/>
-              <a:t>2017/10/6</a:t>
+              <a:t>2017/10/9</a:t>
             </a:fld>
             <a:endParaRPr kumimoji="1" lang="ja-JP" altLang="en-US"/>
           </a:p>
@@ -2054,7 +2054,7 @@
           <a:p>
             <a:fld id="{53970A59-9AA5-44B2-9C95-CD8BBDB4EB8E}" type="datetimeFigureOut">
               <a:rPr kumimoji="1" lang="ja-JP" altLang="en-US" smtClean="0"/>
-              <a:t>2017/10/6</a:t>
+              <a:t>2017/10/9</a:t>
             </a:fld>
             <a:endParaRPr kumimoji="1" lang="ja-JP" altLang="en-US"/>
           </a:p>
@@ -2363,7 +2363,7 @@
           <a:p>
             <a:fld id="{53970A59-9AA5-44B2-9C95-CD8BBDB4EB8E}" type="datetimeFigureOut">
               <a:rPr kumimoji="1" lang="ja-JP" altLang="en-US" smtClean="0"/>
-              <a:t>2017/10/6</a:t>
+              <a:t>2017/10/9</a:t>
             </a:fld>
             <a:endParaRPr kumimoji="1" lang="ja-JP" altLang="en-US"/>
           </a:p>
@@ -2620,7 +2620,7 @@
           <a:p>
             <a:fld id="{53970A59-9AA5-44B2-9C95-CD8BBDB4EB8E}" type="datetimeFigureOut">
               <a:rPr kumimoji="1" lang="ja-JP" altLang="en-US" smtClean="0"/>
-              <a:t>2017/10/6</a:t>
+              <a:t>2017/10/9</a:t>
             </a:fld>
             <a:endParaRPr kumimoji="1" lang="ja-JP" altLang="en-US"/>
           </a:p>
@@ -2865,7 +2865,7 @@
           <a:p>
             <a:fld id="{53970A59-9AA5-44B2-9C95-CD8BBDB4EB8E}" type="datetimeFigureOut">
               <a:rPr kumimoji="1" lang="ja-JP" altLang="en-US" smtClean="0"/>
-              <a:t>2017/10/6</a:t>
+              <a:t>2017/10/9</a:t>
             </a:fld>
             <a:endParaRPr kumimoji="1" lang="ja-JP" altLang="en-US"/>
           </a:p>
@@ -3278,8 +3278,8 @@
         </p:nvSpPr>
         <p:spPr>
           <a:xfrm>
-            <a:off x="2960197" y="1470893"/>
-            <a:ext cx="3726355" cy="618092"/>
+            <a:off x="2825841" y="1380395"/>
+            <a:ext cx="3971200" cy="851683"/>
           </a:xfrm>
           <a:prstGeom prst="wedgeRectCallout">
             <a:avLst>
@@ -3313,21 +3313,19 @@
           <a:bodyPr rtlCol="0" anchor="ctr"/>
           <a:lstStyle/>
           <a:p>
-            <a:pPr algn="ctr"/>
             <a:r>
               <a:rPr lang="ja-JP" altLang="en-US" sz="1600" dirty="0"/>
-              <a:t>特徴が社交的・現実的・人情家・規則</a:t>
-            </a:r>
-            <a:endParaRPr lang="en-US" altLang="ja-JP" sz="1600" dirty="0"/>
-          </a:p>
-          <a:p>
-            <a:pPr algn="ctr"/>
-            <a:r>
-              <a:rPr lang="ja-JP" altLang="en-US" sz="1600" dirty="0"/>
-              <a:t>の場合、</a:t>
-            </a:r>
-            <a:r>
-              <a:rPr lang="en-US" altLang="ja-JP" u="sng" dirty="0"/>
+              <a:t>特徴が社交的・現実的・人情家・</a:t>
+            </a:r>
+            <a:r>
+              <a:rPr lang="ja-JP" altLang="en-US" sz="1600" dirty="0" smtClean="0"/>
+              <a:t>規則の場合</a:t>
+            </a:r>
+            <a:endParaRPr lang="en-US" altLang="ja-JP" sz="1600" dirty="0" smtClean="0"/>
+          </a:p>
+          <a:p>
+            <a:r>
+              <a:rPr lang="en-US" altLang="ja-JP" sz="2400" b="1" u="sng" dirty="0" smtClean="0"/>
               <a:t>ESFJ</a:t>
             </a:r>
             <a:r>
@@ -3345,7 +3343,7 @@
         </p:nvSpPr>
         <p:spPr>
           <a:xfrm>
-            <a:off x="495464" y="82889"/>
+            <a:off x="495400" y="47264"/>
             <a:ext cx="5871642" cy="762907"/>
           </a:xfrm>
           <a:prstGeom prst="flowChartAlternateProcess">
@@ -3426,7 +3424,27 @@
                 <a:latin typeface="+mj-ea"/>
                 <a:ea typeface="+mj-ea"/>
               </a:rPr>
-              <a:t>を用いた事前予測</a:t>
+              <a:t>を</a:t>
+            </a:r>
+            <a:r>
+              <a:rPr lang="ja-JP" altLang="en-US" sz="2400" dirty="0">
+                <a:solidFill>
+                  <a:schemeClr val="tx1"/>
+                </a:solidFill>
+                <a:latin typeface="+mj-ea"/>
+                <a:ea typeface="+mj-ea"/>
+              </a:rPr>
+              <a:t>用いた</a:t>
+            </a:r>
+            <a:r>
+              <a:rPr lang="ja-JP" altLang="en-US" sz="2800" dirty="0">
+                <a:solidFill>
+                  <a:schemeClr val="tx1"/>
+                </a:solidFill>
+                <a:latin typeface="+mj-ea"/>
+                <a:ea typeface="+mj-ea"/>
+              </a:rPr>
+              <a:t>事前予測</a:t>
             </a:r>
             <a:endParaRPr lang="en-US" altLang="ja-JP" sz="2400" dirty="0">
               <a:solidFill>
@@ -3450,7 +3468,7 @@
         </p:nvSpPr>
         <p:spPr>
           <a:xfrm>
-            <a:off x="883213" y="906175"/>
+            <a:off x="883213" y="887123"/>
             <a:ext cx="5106307" cy="295370"/>
           </a:xfrm>
         </p:spPr>
@@ -3505,7 +3523,7 @@
         </p:nvSpPr>
         <p:spPr>
           <a:xfrm>
-            <a:off x="182445" y="1248388"/>
+            <a:off x="182445" y="1157891"/>
             <a:ext cx="807474" cy="381000"/>
           </a:xfrm>
           <a:prstGeom prst="rect">
@@ -3551,7 +3569,7 @@
         </p:nvSpPr>
         <p:spPr>
           <a:xfrm>
-            <a:off x="3510435" y="3841989"/>
+            <a:off x="3510435" y="4268709"/>
             <a:ext cx="1189144" cy="381000"/>
           </a:xfrm>
           <a:prstGeom prst="rect">
@@ -3643,7 +3661,7 @@
         </p:nvSpPr>
         <p:spPr>
           <a:xfrm>
-            <a:off x="182445" y="3841989"/>
+            <a:off x="178233" y="3416229"/>
             <a:ext cx="807474" cy="381000"/>
           </a:xfrm>
           <a:prstGeom prst="rect">
@@ -3735,7 +3753,7 @@
         </p:nvGrpSpPr>
         <p:grpSpPr>
           <a:xfrm>
-            <a:off x="228738" y="1418274"/>
+            <a:off x="228738" y="1327777"/>
             <a:ext cx="2543011" cy="1518381"/>
             <a:chOff x="254000" y="1094473"/>
             <a:chExt cx="2341563" cy="1418592"/>
@@ -4498,7 +4516,7 @@
         </p:nvSpPr>
         <p:spPr>
           <a:xfrm>
-            <a:off x="3093547" y="2239494"/>
+            <a:off x="2960197" y="2308536"/>
             <a:ext cx="3344961" cy="338554"/>
           </a:xfrm>
           <a:prstGeom prst="rect">
@@ -4535,7 +4553,7 @@
         </p:nvSpPr>
         <p:spPr>
           <a:xfrm>
-            <a:off x="182446" y="4980114"/>
+            <a:off x="178233" y="4264885"/>
             <a:ext cx="2029235" cy="381000"/>
           </a:xfrm>
           <a:prstGeom prst="rect">
@@ -4581,8 +4599,8 @@
         </p:nvSpPr>
         <p:spPr>
           <a:xfrm>
-            <a:off x="191575" y="4249757"/>
-            <a:ext cx="3225800" cy="584775"/>
+            <a:off x="203909" y="3791773"/>
+            <a:ext cx="5760033" cy="338554"/>
           </a:xfrm>
           <a:prstGeom prst="rect">
             <a:avLst/>
@@ -4618,8 +4636,8 @@
         </p:nvSpPr>
         <p:spPr>
           <a:xfrm>
-            <a:off x="209107" y="5364118"/>
-            <a:ext cx="2824051" cy="584775"/>
+            <a:off x="209107" y="4670698"/>
+            <a:ext cx="2824051" cy="707886"/>
           </a:xfrm>
           <a:prstGeom prst="rect">
             <a:avLst/>
@@ -4643,6 +4661,11 @@
             <a:endParaRPr lang="en-US" altLang="ja-JP" sz="1600" dirty="0"/>
           </a:p>
           <a:p>
+            <a:pPr>
+              <a:lnSpc>
+                <a:spcPct val="150000"/>
+              </a:lnSpc>
+            </a:pPr>
             <a:r>
               <a:rPr lang="ja-JP" altLang="en-US" sz="1600" dirty="0"/>
               <a:t>イメージ</a:t>
@@ -4658,7 +4681,7 @@
         </p:nvSpPr>
         <p:spPr>
           <a:xfrm>
-            <a:off x="4044421" y="2649613"/>
+            <a:off x="4036801" y="2673416"/>
             <a:ext cx="1443210" cy="192724"/>
           </a:xfrm>
           <a:prstGeom prst="downArrow">
@@ -4710,7 +4733,7 @@
         </p:nvSpPr>
         <p:spPr>
           <a:xfrm>
-            <a:off x="3557935" y="4288326"/>
+            <a:off x="3557935" y="4715046"/>
             <a:ext cx="1622491" cy="795684"/>
           </a:xfrm>
           <a:prstGeom prst="flowChartAlternateProcess">
@@ -4742,7 +4765,6 @@
           <a:bodyPr tIns="0" rtlCol="0" anchor="t"/>
           <a:lstStyle/>
           <a:p>
-            <a:pPr algn="ctr"/>
             <a:r>
               <a:rPr lang="ja-JP" altLang="en-US" sz="1600" dirty="0"/>
               <a:t>グループワーク</a:t>
@@ -4750,11 +4772,9 @@
             <a:endParaRPr lang="en-US" altLang="ja-JP" sz="1600" dirty="0"/>
           </a:p>
           <a:p>
-            <a:pPr algn="ctr"/>
             <a:endParaRPr lang="en-US" altLang="ja-JP" sz="1600" dirty="0"/>
           </a:p>
           <a:p>
-            <a:pPr algn="ctr"/>
             <a:endParaRPr lang="en-US" altLang="ja-JP" sz="1600" dirty="0"/>
           </a:p>
         </p:txBody>
@@ -4767,7 +4787,7 @@
         </p:nvSpPr>
         <p:spPr>
           <a:xfrm>
-            <a:off x="3697658" y="4575302"/>
+            <a:off x="3697658" y="5002022"/>
             <a:ext cx="1330192" cy="482950"/>
           </a:xfrm>
           <a:prstGeom prst="flowChartAlternateProcess">
@@ -4799,7 +4819,6 @@
           <a:bodyPr rtlCol="0" anchor="ctr"/>
           <a:lstStyle/>
           <a:p>
-            <a:pPr algn="ctr"/>
             <a:r>
               <a:rPr lang="ja-JP" altLang="en-US" sz="1600" dirty="0"/>
               <a:t>性格検査</a:t>
@@ -4827,14 +4846,14 @@
           <p:nvPr>
             <p:extLst>
               <p:ext uri="{D42A27DB-BD31-4B8C-83A1-F6EECF244321}">
-                <p14:modId xmlns:p14="http://schemas.microsoft.com/office/powerpoint/2010/main" val="991364052"/>
+                <p14:modId xmlns:p14="http://schemas.microsoft.com/office/powerpoint/2010/main" val="3785838660"/>
               </p:ext>
             </p:extLst>
           </p:nvPr>
         </p:nvGraphicFramePr>
         <p:xfrm>
-          <a:off x="271015" y="5908905"/>
-          <a:ext cx="2781192" cy="1488308"/>
+          <a:off x="271015" y="5284065"/>
+          <a:ext cx="2882684" cy="2087880"/>
         </p:xfrm>
         <a:graphic>
           <a:graphicData uri="http://schemas.openxmlformats.org/drawingml/2006/table">
@@ -4843,21 +4862,21 @@
                 <a:tableStyleId>{2D5ABB26-0587-4C30-8999-92F81FD0307C}</a:tableStyleId>
               </a:tblPr>
               <a:tblGrid>
-                <a:gridCol w="1092173"/>
-                <a:gridCol w="1689019"/>
+                <a:gridCol w="1268225"/>
+                <a:gridCol w="1614459"/>
               </a:tblGrid>
-              <a:tr h="263295">
+              <a:tr h="264532">
                 <a:tc>
                   <a:txBody>
                     <a:bodyPr/>
                     <a:lstStyle/>
                     <a:p>
-                      <a:pPr algn="ctr"/>
+                      <a:pPr algn="l"/>
                       <a:r>
-                        <a:rPr lang="ja-JP" altLang="en-US" dirty="0" smtClean="0"/>
+                        <a:rPr lang="ja-JP" altLang="en-US" sz="1400" dirty="0" smtClean="0"/>
                         <a:t>タイプ</a:t>
                       </a:r>
-                      <a:endParaRPr lang="ja-JP" altLang="en-US" dirty="0"/>
+                      <a:endParaRPr lang="ja-JP" altLang="en-US" sz="1400" dirty="0"/>
                     </a:p>
                   </a:txBody>
                   <a:tcPr>
@@ -4904,12 +4923,12 @@
                     <a:bodyPr/>
                     <a:lstStyle/>
                     <a:p>
-                      <a:pPr algn="ctr"/>
+                      <a:pPr algn="l"/>
                       <a:r>
-                        <a:rPr lang="ja-JP" altLang="en-US" dirty="0" smtClean="0"/>
+                        <a:rPr lang="ja-JP" altLang="en-US" sz="1400" dirty="0" smtClean="0"/>
                         <a:t>想定されるリスク</a:t>
                       </a:r>
-                      <a:endParaRPr lang="ja-JP" altLang="en-US" dirty="0"/>
+                      <a:endParaRPr lang="ja-JP" altLang="en-US" sz="1400" dirty="0"/>
                     </a:p>
                   </a:txBody>
                   <a:tcPr>
@@ -4952,7 +4971,7 @@
                   </a:tcPr>
                 </a:tc>
               </a:tr>
-              <a:tr h="297782">
+              <a:tr h="257918">
                 <a:tc>
                   <a:txBody>
                     <a:bodyPr/>
@@ -5058,7 +5077,7 @@
                   </a:tcPr>
                 </a:tc>
               </a:tr>
-              <a:tr h="297782">
+              <a:tr h="257918">
                 <a:tc>
                   <a:txBody>
                     <a:bodyPr/>
@@ -5180,7 +5199,7 @@
                   </a:tcPr>
                 </a:tc>
               </a:tr>
-              <a:tr h="297782">
+              <a:tr h="257918">
                 <a:tc>
                   <a:txBody>
                     <a:bodyPr/>
@@ -5301,7 +5320,7 @@
                   </a:tcPr>
                 </a:tc>
               </a:tr>
-              <a:tr h="297782">
+              <a:tr h="257918">
                 <a:tc>
                   <a:txBody>
                     <a:bodyPr/>
@@ -5422,6 +5441,281 @@
                   </a:tcPr>
                 </a:tc>
               </a:tr>
+              <a:tr h="257918">
+                <a:tc>
+                  <a:txBody>
+                    <a:bodyPr/>
+                    <a:lstStyle/>
+                    <a:p>
+                      <a:pPr marL="0" marR="0" lvl="0" indent="0" algn="l" defTabSz="685800" rtl="0" eaLnBrk="1" fontAlgn="auto" latinLnBrk="0" hangingPunct="1">
+                        <a:lnSpc>
+                          <a:spcPct val="100000"/>
+                        </a:lnSpc>
+                        <a:spcBef>
+                          <a:spcPts val="0"/>
+                        </a:spcBef>
+                        <a:spcAft>
+                          <a:spcPts val="0"/>
+                        </a:spcAft>
+                        <a:buClrTx/>
+                        <a:buSzTx/>
+                        <a:buFontTx/>
+                        <a:buNone/>
+                        <a:tabLst/>
+                        <a:defRPr/>
+                      </a:pPr>
+                      <a:r>
+                        <a:rPr lang="en-US" altLang="ja-JP" dirty="0" smtClean="0"/>
+                        <a:t>ESTJ,INTP,ENFP</a:t>
+                      </a:r>
+                      <a:endParaRPr lang="ja-JP" altLang="en-US" dirty="0" smtClean="0"/>
+                    </a:p>
+                  </a:txBody>
+                  <a:tcPr>
+                    <a:lnL w="12700" cap="flat" cmpd="sng" algn="ctr">
+                      <a:solidFill>
+                        <a:schemeClr val="tx1"/>
+                      </a:solidFill>
+                      <a:prstDash val="solid"/>
+                      <a:round/>
+                      <a:headEnd type="none" w="med" len="med"/>
+                      <a:tailEnd type="none" w="med" len="med"/>
+                    </a:lnL>
+                    <a:lnR w="12700" cap="flat" cmpd="sng" algn="ctr">
+                      <a:solidFill>
+                        <a:schemeClr val="tx1"/>
+                      </a:solidFill>
+                      <a:prstDash val="solid"/>
+                      <a:round/>
+                      <a:headEnd type="none" w="med" len="med"/>
+                      <a:tailEnd type="none" w="med" len="med"/>
+                    </a:lnR>
+                    <a:lnT w="12700" cap="flat" cmpd="sng" algn="ctr">
+                      <a:solidFill>
+                        <a:schemeClr val="tx1"/>
+                      </a:solidFill>
+                      <a:prstDash val="solid"/>
+                      <a:round/>
+                      <a:headEnd type="none" w="med" len="med"/>
+                      <a:tailEnd type="none" w="med" len="med"/>
+                    </a:lnT>
+                    <a:lnB w="12700" cap="flat" cmpd="sng" algn="ctr">
+                      <a:solidFill>
+                        <a:schemeClr val="tx1"/>
+                      </a:solidFill>
+                      <a:prstDash val="solid"/>
+                      <a:round/>
+                      <a:headEnd type="none" w="med" len="med"/>
+                      <a:tailEnd type="none" w="med" len="med"/>
+                    </a:lnB>
+                  </a:tcPr>
+                </a:tc>
+                <a:tc>
+                  <a:txBody>
+                    <a:bodyPr/>
+                    <a:lstStyle/>
+                    <a:p>
+                      <a:pPr marL="0" marR="0" lvl="0" indent="0" algn="l" defTabSz="685800" rtl="0" eaLnBrk="1" fontAlgn="auto" latinLnBrk="0" hangingPunct="1">
+                        <a:lnSpc>
+                          <a:spcPct val="100000"/>
+                        </a:lnSpc>
+                        <a:spcBef>
+                          <a:spcPts val="0"/>
+                        </a:spcBef>
+                        <a:spcAft>
+                          <a:spcPts val="0"/>
+                        </a:spcAft>
+                        <a:buClrTx/>
+                        <a:buSzTx/>
+                        <a:buFontTx/>
+                        <a:buNone/>
+                        <a:tabLst/>
+                        <a:defRPr/>
+                      </a:pPr>
+                      <a:r>
+                        <a:rPr lang="ja-JP" altLang="en-US" smtClean="0"/>
+                        <a:t>業務報告の不備</a:t>
+                      </a:r>
+                      <a:endParaRPr lang="ja-JP" altLang="en-US" dirty="0" smtClean="0"/>
+                    </a:p>
+                  </a:txBody>
+                  <a:tcPr>
+                    <a:lnL w="12700" cap="flat" cmpd="sng" algn="ctr">
+                      <a:solidFill>
+                        <a:schemeClr val="tx1"/>
+                      </a:solidFill>
+                      <a:prstDash val="solid"/>
+                      <a:round/>
+                      <a:headEnd type="none" w="med" len="med"/>
+                      <a:tailEnd type="none" w="med" len="med"/>
+                    </a:lnL>
+                    <a:lnR w="12700" cap="flat" cmpd="sng" algn="ctr">
+                      <a:solidFill>
+                        <a:schemeClr val="tx1"/>
+                      </a:solidFill>
+                      <a:prstDash val="solid"/>
+                      <a:round/>
+                      <a:headEnd type="none" w="med" len="med"/>
+                      <a:tailEnd type="none" w="med" len="med"/>
+                    </a:lnR>
+                    <a:lnT w="12700" cap="flat" cmpd="sng" algn="ctr">
+                      <a:solidFill>
+                        <a:schemeClr val="tx1"/>
+                      </a:solidFill>
+                      <a:prstDash val="solid"/>
+                      <a:round/>
+                      <a:headEnd type="none" w="med" len="med"/>
+                      <a:tailEnd type="none" w="med" len="med"/>
+                    </a:lnT>
+                    <a:lnB w="12700" cap="flat" cmpd="sng" algn="ctr">
+                      <a:solidFill>
+                        <a:schemeClr val="tx1"/>
+                      </a:solidFill>
+                      <a:prstDash val="solid"/>
+                      <a:round/>
+                      <a:headEnd type="none" w="med" len="med"/>
+                      <a:tailEnd type="none" w="med" len="med"/>
+                    </a:lnB>
+                  </a:tcPr>
+                </a:tc>
+              </a:tr>
+              <a:tr h="257918">
+                <a:tc>
+                  <a:txBody>
+                    <a:bodyPr/>
+                    <a:lstStyle/>
+                    <a:p>
+                      <a:pPr marL="0" marR="0" lvl="0" indent="0" algn="l" defTabSz="685800" rtl="0" eaLnBrk="1" fontAlgn="auto" latinLnBrk="0" hangingPunct="1">
+                        <a:lnSpc>
+                          <a:spcPct val="100000"/>
+                        </a:lnSpc>
+                        <a:spcBef>
+                          <a:spcPts val="0"/>
+                        </a:spcBef>
+                        <a:spcAft>
+                          <a:spcPts val="0"/>
+                        </a:spcAft>
+                        <a:buClrTx/>
+                        <a:buSzTx/>
+                        <a:buFontTx/>
+                        <a:buNone/>
+                        <a:tabLst/>
+                        <a:defRPr/>
+                      </a:pPr>
+                      <a:r>
+                        <a:rPr lang="en-US" altLang="ja-JP" dirty="0" smtClean="0"/>
+                        <a:t>ESTJ,ESTP,ISFP</a:t>
+                      </a:r>
+                      <a:endParaRPr lang="ja-JP" altLang="en-US" dirty="0" smtClean="0"/>
+                    </a:p>
+                  </a:txBody>
+                  <a:tcPr>
+                    <a:lnL w="12700" cap="flat" cmpd="sng" algn="ctr">
+                      <a:solidFill>
+                        <a:schemeClr val="tx1"/>
+                      </a:solidFill>
+                      <a:prstDash val="solid"/>
+                      <a:round/>
+                      <a:headEnd type="none" w="med" len="med"/>
+                      <a:tailEnd type="none" w="med" len="med"/>
+                    </a:lnL>
+                    <a:lnR w="12700" cap="flat" cmpd="sng" algn="ctr">
+                      <a:solidFill>
+                        <a:schemeClr val="tx1"/>
+                      </a:solidFill>
+                      <a:prstDash val="solid"/>
+                      <a:round/>
+                      <a:headEnd type="none" w="med" len="med"/>
+                      <a:tailEnd type="none" w="med" len="med"/>
+                    </a:lnR>
+                    <a:lnT w="12700" cap="flat" cmpd="sng" algn="ctr">
+                      <a:solidFill>
+                        <a:schemeClr val="tx1"/>
+                      </a:solidFill>
+                      <a:prstDash val="solid"/>
+                      <a:round/>
+                      <a:headEnd type="none" w="med" len="med"/>
+                      <a:tailEnd type="none" w="med" len="med"/>
+                    </a:lnT>
+                    <a:lnB w="12700" cap="flat" cmpd="sng" algn="ctr">
+                      <a:solidFill>
+                        <a:schemeClr val="tx1"/>
+                      </a:solidFill>
+                      <a:prstDash val="solid"/>
+                      <a:round/>
+                      <a:headEnd type="none" w="med" len="med"/>
+                      <a:tailEnd type="none" w="med" len="med"/>
+                    </a:lnB>
+                  </a:tcPr>
+                </a:tc>
+                <a:tc>
+                  <a:txBody>
+                    <a:bodyPr/>
+                    <a:lstStyle/>
+                    <a:p>
+                      <a:pPr marL="0" marR="0" lvl="0" indent="0" algn="l" defTabSz="685800" rtl="0" eaLnBrk="1" fontAlgn="auto" latinLnBrk="0" hangingPunct="1">
+                        <a:lnSpc>
+                          <a:spcPct val="100000"/>
+                        </a:lnSpc>
+                        <a:spcBef>
+                          <a:spcPts val="0"/>
+                        </a:spcBef>
+                        <a:spcAft>
+                          <a:spcPts val="0"/>
+                        </a:spcAft>
+                        <a:buClrTx/>
+                        <a:buSzTx/>
+                        <a:buFontTx/>
+                        <a:buNone/>
+                        <a:tabLst/>
+                        <a:defRPr/>
+                      </a:pPr>
+                      <a:r>
+                        <a:rPr lang="ja-JP" altLang="en-US" dirty="0" smtClean="0"/>
+                        <a:t>作業の遅れ</a:t>
+                      </a:r>
+                    </a:p>
+                  </a:txBody>
+                  <a:tcPr>
+                    <a:lnL w="12700" cap="flat" cmpd="sng" algn="ctr">
+                      <a:solidFill>
+                        <a:schemeClr val="tx1"/>
+                      </a:solidFill>
+                      <a:prstDash val="solid"/>
+                      <a:round/>
+                      <a:headEnd type="none" w="med" len="med"/>
+                      <a:tailEnd type="none" w="med" len="med"/>
+                    </a:lnL>
+                    <a:lnR w="12700" cap="flat" cmpd="sng" algn="ctr">
+                      <a:solidFill>
+                        <a:schemeClr val="tx1"/>
+                      </a:solidFill>
+                      <a:prstDash val="solid"/>
+                      <a:round/>
+                      <a:headEnd type="none" w="med" len="med"/>
+                      <a:tailEnd type="none" w="med" len="med"/>
+                    </a:lnR>
+                    <a:lnT w="12700" cap="flat" cmpd="sng" algn="ctr">
+                      <a:solidFill>
+                        <a:schemeClr val="tx1"/>
+                      </a:solidFill>
+                      <a:prstDash val="solid"/>
+                      <a:round/>
+                      <a:headEnd type="none" w="med" len="med"/>
+                      <a:tailEnd type="none" w="med" len="med"/>
+                    </a:lnT>
+                    <a:lnB w="12700" cap="flat" cmpd="sng" algn="ctr">
+                      <a:solidFill>
+                        <a:schemeClr val="tx1"/>
+                      </a:solidFill>
+                      <a:prstDash val="solid"/>
+                      <a:round/>
+                      <a:headEnd type="none" w="med" len="med"/>
+                      <a:tailEnd type="none" w="med" len="med"/>
+                    </a:lnB>
+                  </a:tcPr>
+                </a:tc>
+              </a:tr>
             </a:tbl>
           </a:graphicData>
         </a:graphic>
@@ -5434,7 +5728,7 @@
         </p:nvSpPr>
         <p:spPr>
           <a:xfrm>
-            <a:off x="3557935" y="5170952"/>
+            <a:off x="3557935" y="5538236"/>
             <a:ext cx="3045962" cy="305142"/>
           </a:xfrm>
           <a:prstGeom prst="flowChartAlternateProcess">
@@ -5466,7 +5760,6 @@
           <a:bodyPr rtlCol="0" anchor="ctr"/>
           <a:lstStyle/>
           <a:p>
-            <a:pPr algn="ctr"/>
             <a:r>
               <a:rPr lang="ja-JP" altLang="en-US" sz="1600" dirty="0"/>
               <a:t>タイプとリスクの相関関係の分析</a:t>
@@ -5483,7 +5776,7 @@
         </p:nvSpPr>
         <p:spPr>
           <a:xfrm>
-            <a:off x="3557935" y="5936690"/>
+            <a:off x="3557935" y="6185102"/>
             <a:ext cx="3045962" cy="305142"/>
           </a:xfrm>
           <a:prstGeom prst="flowChartAlternateProcess">
@@ -5515,7 +5808,6 @@
           <a:bodyPr rtlCol="0" anchor="ctr"/>
           <a:lstStyle/>
           <a:p>
-            <a:pPr algn="ctr"/>
             <a:r>
               <a:rPr lang="ja-JP" altLang="en-US" sz="1600" dirty="0"/>
               <a:t>性格検査し、グループを決める</a:t>
@@ -5531,7 +5823,7 @@
         </p:nvSpPr>
         <p:spPr>
           <a:xfrm>
-            <a:off x="5261610" y="4325842"/>
+            <a:off x="5261610" y="4752562"/>
             <a:ext cx="1420251" cy="729831"/>
           </a:xfrm>
           <a:prstGeom prst="wedgeRectCallout">
@@ -5600,7 +5892,7 @@
         </p:nvSpPr>
         <p:spPr>
           <a:xfrm>
-            <a:off x="5261609" y="6345076"/>
+            <a:off x="5261609" y="6588916"/>
             <a:ext cx="1420252" cy="703251"/>
           </a:xfrm>
           <a:prstGeom prst="wedgeRectCallout">
@@ -5665,7 +5957,7 @@
         </p:nvSpPr>
         <p:spPr>
           <a:xfrm>
-            <a:off x="3573095" y="7019083"/>
+            <a:off x="3573095" y="7110523"/>
             <a:ext cx="1611637" cy="305142"/>
           </a:xfrm>
           <a:prstGeom prst="flowChartAlternateProcess">
@@ -5697,7 +5989,6 @@
           <a:bodyPr rtlCol="0" anchor="ctr"/>
           <a:lstStyle/>
           <a:p>
-            <a:pPr algn="ctr"/>
             <a:r>
               <a:rPr lang="ja-JP" altLang="en-US" sz="1600" dirty="0"/>
               <a:t>仮説の実証</a:t>
@@ -8140,8 +8431,8 @@
         </p:nvSpPr>
         <p:spPr>
           <a:xfrm>
-            <a:off x="3557935" y="6328774"/>
-            <a:ext cx="1622491" cy="603366"/>
+            <a:off x="3557935" y="6517750"/>
+            <a:ext cx="1622491" cy="569241"/>
           </a:xfrm>
           <a:prstGeom prst="flowChartAlternateProcess">
             <a:avLst/>
@@ -8172,7 +8463,6 @@
           <a:bodyPr tIns="0" rtlCol="0" anchor="t"/>
           <a:lstStyle/>
           <a:p>
-            <a:pPr algn="ctr"/>
             <a:r>
               <a:rPr lang="ja-JP" altLang="en-US" sz="1600" dirty="0"/>
               <a:t>グループワーク</a:t>
@@ -8180,7 +8470,6 @@
             <a:endParaRPr lang="en-US" altLang="ja-JP" sz="1600" dirty="0"/>
           </a:p>
           <a:p>
-            <a:pPr algn="ctr"/>
             <a:endParaRPr lang="en-US" altLang="ja-JP" sz="1600" dirty="0"/>
           </a:p>
         </p:txBody>
@@ -8193,7 +8482,7 @@
         </p:nvSpPr>
         <p:spPr>
           <a:xfrm>
-            <a:off x="3704084" y="6622832"/>
+            <a:off x="3704084" y="6782852"/>
             <a:ext cx="1330192" cy="282948"/>
           </a:xfrm>
           <a:prstGeom prst="flowChartAlternateProcess">
@@ -8225,7 +8514,6 @@
           <a:bodyPr rtlCol="0" anchor="ctr"/>
           <a:lstStyle/>
           <a:p>
-            <a:pPr algn="ctr"/>
             <a:r>
               <a:rPr lang="ja-JP" altLang="en-US" sz="1600" dirty="0" smtClean="0"/>
               <a:t>アンケート</a:t>
@@ -8242,7 +8530,7 @@
         </p:nvSpPr>
         <p:spPr>
           <a:xfrm>
-            <a:off x="3557935" y="5563036"/>
+            <a:off x="3557935" y="5870884"/>
             <a:ext cx="3064290" cy="286712"/>
           </a:xfrm>
           <a:prstGeom prst="flowChartAlternateProcess">
@@ -8274,7 +8562,6 @@
           <a:bodyPr rtlCol="0" anchor="ctr"/>
           <a:lstStyle/>
           <a:p>
-            <a:pPr algn="ctr"/>
             <a:r>
               <a:rPr lang="ja-JP" altLang="en-US" sz="1600" dirty="0" smtClean="0"/>
               <a:t>結果から仮説を立てる</a:t>
@@ -8291,8 +8578,8 @@
         </p:nvSpPr>
         <p:spPr>
           <a:xfrm>
-            <a:off x="18231" y="2957587"/>
-            <a:ext cx="6823965" cy="769441"/>
+            <a:off x="228738" y="2948678"/>
+            <a:ext cx="6823965" cy="369332"/>
           </a:xfrm>
           <a:prstGeom prst="rect">
             <a:avLst/>
@@ -8305,30 +8592,45 @@
           </a:bodyPr>
           <a:lstStyle/>
           <a:p>
-            <a:pPr algn="ctr"/>
-            <a:r>
-              <a:rPr lang="en-US" altLang="ja-JP" sz="2400" dirty="0"/>
+            <a:r>
+              <a:rPr lang="en-US" altLang="ja-JP" dirty="0" smtClean="0"/>
               <a:t>MBTI</a:t>
             </a:r>
             <a:r>
-              <a:rPr lang="ja-JP" altLang="en-US" sz="2000" dirty="0"/>
-              <a:t>を用いて</a:t>
-            </a:r>
-            <a:r>
-              <a:rPr lang="ja-JP" altLang="en-US" sz="2000" b="1" u="sng" dirty="0"/>
-              <a:t>メンバの相互作用が原因</a:t>
-            </a:r>
-            <a:r>
-              <a:rPr lang="ja-JP" altLang="en-US" sz="2000" dirty="0"/>
-              <a:t>となって起きる事象を</a:t>
-            </a:r>
-            <a:endParaRPr lang="en-US" altLang="ja-JP" sz="2000" dirty="0"/>
-          </a:p>
-          <a:p>
-            <a:pPr algn="ctr"/>
-            <a:r>
-              <a:rPr lang="ja-JP" altLang="en-US" sz="2000" dirty="0"/>
-              <a:t>事前に予測したい</a:t>
+              <a:rPr lang="ja-JP" altLang="en-US" dirty="0" smtClean="0"/>
+              <a:t>のタイプ</a:t>
+            </a:r>
+            <a:r>
+              <a:rPr lang="ja-JP" altLang="en-US" dirty="0"/>
+              <a:t>の</a:t>
+            </a:r>
+            <a:r>
+              <a:rPr lang="ja-JP" altLang="en-US" b="1" u="sng" dirty="0" smtClean="0"/>
+              <a:t>相互</a:t>
+            </a:r>
+            <a:r>
+              <a:rPr lang="ja-JP" altLang="en-US" b="1" u="sng" dirty="0"/>
+              <a:t>作用が原因</a:t>
+            </a:r>
+            <a:r>
+              <a:rPr lang="ja-JP" altLang="en-US" dirty="0"/>
+              <a:t>と</a:t>
+            </a:r>
+            <a:r>
+              <a:rPr lang="ja-JP" altLang="en-US" dirty="0" smtClean="0"/>
+              <a:t>なって起きる</a:t>
+            </a:r>
+            <a:r>
+              <a:rPr lang="ja-JP" altLang="en-US" dirty="0"/>
+              <a:t>事象</a:t>
+            </a:r>
+            <a:r>
+              <a:rPr lang="ja-JP" altLang="en-US" dirty="0" smtClean="0"/>
+              <a:t>を予測</a:t>
+            </a:r>
+            <a:r>
+              <a:rPr lang="ja-JP" altLang="en-US" dirty="0"/>
+              <a:t>したい</a:t>
             </a:r>
           </a:p>
         </p:txBody>

--- a/卒業論文/2016/中村真悟/中間発表/卒論中間発表ポスター.pptx
+++ b/卒業論文/2016/中村真悟/中間発表/卒論中間発表ポスター.pptx
@@ -254,7 +254,7 @@
           <a:p>
             <a:fld id="{53970A59-9AA5-44B2-9C95-CD8BBDB4EB8E}" type="datetimeFigureOut">
               <a:rPr kumimoji="1" lang="ja-JP" altLang="en-US" smtClean="0"/>
-              <a:t>2017/10/9</a:t>
+              <a:t>2017/10/11</a:t>
             </a:fld>
             <a:endParaRPr kumimoji="1" lang="ja-JP" altLang="en-US"/>
           </a:p>
@@ -456,7 +456,7 @@
           <a:p>
             <a:fld id="{53970A59-9AA5-44B2-9C95-CD8BBDB4EB8E}" type="datetimeFigureOut">
               <a:rPr kumimoji="1" lang="ja-JP" altLang="en-US" smtClean="0"/>
-              <a:t>2017/10/9</a:t>
+              <a:t>2017/10/11</a:t>
             </a:fld>
             <a:endParaRPr kumimoji="1" lang="ja-JP" altLang="en-US"/>
           </a:p>
@@ -668,7 +668,7 @@
           <a:p>
             <a:fld id="{53970A59-9AA5-44B2-9C95-CD8BBDB4EB8E}" type="datetimeFigureOut">
               <a:rPr kumimoji="1" lang="ja-JP" altLang="en-US" smtClean="0"/>
-              <a:t>2017/10/9</a:t>
+              <a:t>2017/10/11</a:t>
             </a:fld>
             <a:endParaRPr kumimoji="1" lang="ja-JP" altLang="en-US"/>
           </a:p>
@@ -870,7 +870,7 @@
           <a:p>
             <a:fld id="{53970A59-9AA5-44B2-9C95-CD8BBDB4EB8E}" type="datetimeFigureOut">
               <a:rPr kumimoji="1" lang="ja-JP" altLang="en-US" smtClean="0"/>
-              <a:t>2017/10/9</a:t>
+              <a:t>2017/10/11</a:t>
             </a:fld>
             <a:endParaRPr kumimoji="1" lang="ja-JP" altLang="en-US"/>
           </a:p>
@@ -1114,7 +1114,7 @@
           <a:p>
             <a:fld id="{53970A59-9AA5-44B2-9C95-CD8BBDB4EB8E}" type="datetimeFigureOut">
               <a:rPr kumimoji="1" lang="ja-JP" altLang="en-US" smtClean="0"/>
-              <a:t>2017/10/9</a:t>
+              <a:t>2017/10/11</a:t>
             </a:fld>
             <a:endParaRPr kumimoji="1" lang="ja-JP" altLang="en-US"/>
           </a:p>
@@ -1410,7 +1410,7 @@
           <a:p>
             <a:fld id="{53970A59-9AA5-44B2-9C95-CD8BBDB4EB8E}" type="datetimeFigureOut">
               <a:rPr kumimoji="1" lang="ja-JP" altLang="en-US" smtClean="0"/>
-              <a:t>2017/10/9</a:t>
+              <a:t>2017/10/11</a:t>
             </a:fld>
             <a:endParaRPr kumimoji="1" lang="ja-JP" altLang="en-US"/>
           </a:p>
@@ -1841,7 +1841,7 @@
           <a:p>
             <a:fld id="{53970A59-9AA5-44B2-9C95-CD8BBDB4EB8E}" type="datetimeFigureOut">
               <a:rPr kumimoji="1" lang="ja-JP" altLang="en-US" smtClean="0"/>
-              <a:t>2017/10/9</a:t>
+              <a:t>2017/10/11</a:t>
             </a:fld>
             <a:endParaRPr kumimoji="1" lang="ja-JP" altLang="en-US"/>
           </a:p>
@@ -1959,7 +1959,7 @@
           <a:p>
             <a:fld id="{53970A59-9AA5-44B2-9C95-CD8BBDB4EB8E}" type="datetimeFigureOut">
               <a:rPr kumimoji="1" lang="ja-JP" altLang="en-US" smtClean="0"/>
-              <a:t>2017/10/9</a:t>
+              <a:t>2017/10/11</a:t>
             </a:fld>
             <a:endParaRPr kumimoji="1" lang="ja-JP" altLang="en-US"/>
           </a:p>
@@ -2054,7 +2054,7 @@
           <a:p>
             <a:fld id="{53970A59-9AA5-44B2-9C95-CD8BBDB4EB8E}" type="datetimeFigureOut">
               <a:rPr kumimoji="1" lang="ja-JP" altLang="en-US" smtClean="0"/>
-              <a:t>2017/10/9</a:t>
+              <a:t>2017/10/11</a:t>
             </a:fld>
             <a:endParaRPr kumimoji="1" lang="ja-JP" altLang="en-US"/>
           </a:p>
@@ -2363,7 +2363,7 @@
           <a:p>
             <a:fld id="{53970A59-9AA5-44B2-9C95-CD8BBDB4EB8E}" type="datetimeFigureOut">
               <a:rPr kumimoji="1" lang="ja-JP" altLang="en-US" smtClean="0"/>
-              <a:t>2017/10/9</a:t>
+              <a:t>2017/10/11</a:t>
             </a:fld>
             <a:endParaRPr kumimoji="1" lang="ja-JP" altLang="en-US"/>
           </a:p>
@@ -2620,7 +2620,7 @@
           <a:p>
             <a:fld id="{53970A59-9AA5-44B2-9C95-CD8BBDB4EB8E}" type="datetimeFigureOut">
               <a:rPr kumimoji="1" lang="ja-JP" altLang="en-US" smtClean="0"/>
-              <a:t>2017/10/9</a:t>
+              <a:t>2017/10/11</a:t>
             </a:fld>
             <a:endParaRPr kumimoji="1" lang="ja-JP" altLang="en-US"/>
           </a:p>
@@ -2865,7 +2865,7 @@
           <a:p>
             <a:fld id="{53970A59-9AA5-44B2-9C95-CD8BBDB4EB8E}" type="datetimeFigureOut">
               <a:rPr kumimoji="1" lang="ja-JP" altLang="en-US" smtClean="0"/>
-              <a:t>2017/10/9</a:t>
+              <a:t>2017/10/11</a:t>
             </a:fld>
             <a:endParaRPr kumimoji="1" lang="ja-JP" altLang="en-US"/>
           </a:p>
@@ -3278,7 +3278,7 @@
         </p:nvSpPr>
         <p:spPr>
           <a:xfrm>
-            <a:off x="2825841" y="1380395"/>
+            <a:off x="2825841" y="1294670"/>
             <a:ext cx="3971200" cy="851683"/>
           </a:xfrm>
           <a:prstGeom prst="wedgeRectCallout">
@@ -3314,16 +3314,24 @@
           <a:lstStyle/>
           <a:p>
             <a:r>
+              <a:rPr lang="ja-JP" altLang="en-US" sz="1600" dirty="0" smtClean="0"/>
+              <a:t>例：特徴</a:t>
+            </a:r>
+            <a:r>
               <a:rPr lang="ja-JP" altLang="en-US" sz="1600" dirty="0"/>
-              <a:t>特徴が社交的・現実的・人情家・</a:t>
+              <a:t>が社交的・現実的・人情家・</a:t>
             </a:r>
             <a:r>
               <a:rPr lang="ja-JP" altLang="en-US" sz="1600" dirty="0" smtClean="0"/>
-              <a:t>規則の場合</a:t>
+              <a:t>規則</a:t>
             </a:r>
             <a:endParaRPr lang="en-US" altLang="ja-JP" sz="1600" dirty="0" smtClean="0"/>
           </a:p>
           <a:p>
+            <a:r>
+              <a:rPr lang="ja-JP" altLang="en-US" sz="1600" dirty="0" smtClean="0"/>
+              <a:t>の場合</a:t>
+            </a:r>
             <a:r>
               <a:rPr lang="en-US" altLang="ja-JP" sz="2400" b="1" u="sng" dirty="0" smtClean="0"/>
               <a:t>ESFJ</a:t>
@@ -3343,7 +3351,7 @@
         </p:nvSpPr>
         <p:spPr>
           <a:xfrm>
-            <a:off x="495400" y="47264"/>
+            <a:off x="495400" y="18689"/>
             <a:ext cx="5871642" cy="762907"/>
           </a:xfrm>
           <a:prstGeom prst="flowChartAlternateProcess">
@@ -3378,81 +3386,25 @@
           <a:p>
             <a:pPr algn="ctr"/>
             <a:r>
-              <a:rPr lang="ja-JP" altLang="en-US" sz="2800" dirty="0">
-                <a:solidFill>
-                  <a:schemeClr val="tx1"/>
-                </a:solidFill>
-                <a:latin typeface="+mj-ea"/>
-                <a:ea typeface="+mj-ea"/>
-              </a:rPr>
+              <a:rPr lang="ja-JP" altLang="en-US" sz="2800" dirty="0"/>
               <a:t>プロジェクトで発生するリスクの</a:t>
             </a:r>
             <a:r>
-              <a:rPr lang="en-US" altLang="ja-JP" sz="2800" dirty="0">
-                <a:solidFill>
-                  <a:schemeClr val="tx1"/>
-                </a:solidFill>
-                <a:latin typeface="+mj-ea"/>
-                <a:ea typeface="+mj-ea"/>
-              </a:rPr>
+              <a:rPr lang="en-US" altLang="ja-JP" sz="2800" dirty="0"/>
               <a:t/>
             </a:r>
             <a:br>
-              <a:rPr lang="en-US" altLang="ja-JP" sz="2800" dirty="0">
-                <a:solidFill>
-                  <a:schemeClr val="tx1"/>
-                </a:solidFill>
-                <a:latin typeface="+mj-ea"/>
-                <a:ea typeface="+mj-ea"/>
-              </a:rPr>
+              <a:rPr lang="en-US" altLang="ja-JP" sz="2800" dirty="0"/>
             </a:br>
             <a:r>
-              <a:rPr lang="en-US" altLang="ja-JP" sz="2800" dirty="0">
-                <a:solidFill>
-                  <a:schemeClr val="tx1"/>
-                </a:solidFill>
-                <a:latin typeface="+mj-ea"/>
-                <a:ea typeface="+mj-ea"/>
-              </a:rPr>
+              <a:rPr lang="en-US" altLang="ja-JP" sz="2800" dirty="0"/>
               <a:t>MBTI</a:t>
             </a:r>
             <a:r>
-              <a:rPr lang="ja-JP" altLang="en-US" sz="2800" dirty="0">
-                <a:solidFill>
-                  <a:schemeClr val="tx1"/>
-                </a:solidFill>
-                <a:latin typeface="+mj-ea"/>
-                <a:ea typeface="+mj-ea"/>
-              </a:rPr>
-              <a:t>を</a:t>
-            </a:r>
-            <a:r>
-              <a:rPr lang="ja-JP" altLang="en-US" sz="2400" dirty="0">
-                <a:solidFill>
-                  <a:schemeClr val="tx1"/>
-                </a:solidFill>
-                <a:latin typeface="+mj-ea"/>
-                <a:ea typeface="+mj-ea"/>
-              </a:rPr>
-              <a:t>用いた</a:t>
-            </a:r>
-            <a:r>
-              <a:rPr lang="ja-JP" altLang="en-US" sz="2800" dirty="0">
-                <a:solidFill>
-                  <a:schemeClr val="tx1"/>
-                </a:solidFill>
-                <a:latin typeface="+mj-ea"/>
-                <a:ea typeface="+mj-ea"/>
-              </a:rPr>
-              <a:t>事前予測</a:t>
-            </a:r>
-            <a:endParaRPr lang="en-US" altLang="ja-JP" sz="2400" dirty="0">
-              <a:solidFill>
-                <a:schemeClr val="tx1"/>
-              </a:solidFill>
-              <a:latin typeface="+mj-ea"/>
-              <a:ea typeface="+mj-ea"/>
-            </a:endParaRPr>
+              <a:rPr lang="ja-JP" altLang="en-US" sz="2800" dirty="0"/>
+              <a:t>を用いた事前予測</a:t>
+            </a:r>
+            <a:endParaRPr lang="en-US" altLang="ja-JP" sz="2800" dirty="0"/>
           </a:p>
         </p:txBody>
       </p:sp>
@@ -3468,7 +3420,7 @@
         </p:nvSpPr>
         <p:spPr>
           <a:xfrm>
-            <a:off x="883213" y="887123"/>
+            <a:off x="883213" y="782348"/>
             <a:ext cx="5106307" cy="295370"/>
           </a:xfrm>
         </p:spPr>
@@ -3523,7 +3475,7 @@
         </p:nvSpPr>
         <p:spPr>
           <a:xfrm>
-            <a:off x="182445" y="1157891"/>
+            <a:off x="182445" y="1072166"/>
             <a:ext cx="807474" cy="381000"/>
           </a:xfrm>
           <a:prstGeom prst="rect">
@@ -3569,7 +3521,7 @@
         </p:nvSpPr>
         <p:spPr>
           <a:xfrm>
-            <a:off x="3510435" y="4268709"/>
+            <a:off x="3510435" y="4392534"/>
             <a:ext cx="1189144" cy="381000"/>
           </a:xfrm>
           <a:prstGeom prst="rect">
@@ -3615,7 +3567,7 @@
         </p:nvSpPr>
         <p:spPr>
           <a:xfrm>
-            <a:off x="182445" y="7575440"/>
+            <a:off x="182445" y="7632590"/>
             <a:ext cx="1127596" cy="381000"/>
           </a:xfrm>
           <a:prstGeom prst="rect">
@@ -3661,7 +3613,7 @@
         </p:nvSpPr>
         <p:spPr>
           <a:xfrm>
-            <a:off x="178233" y="3416229"/>
+            <a:off x="178233" y="3511479"/>
             <a:ext cx="807474" cy="381000"/>
           </a:xfrm>
           <a:prstGeom prst="rect">
@@ -3707,7 +3659,7 @@
         </p:nvSpPr>
         <p:spPr>
           <a:xfrm>
-            <a:off x="3481860" y="7575440"/>
+            <a:off x="3481860" y="7632590"/>
             <a:ext cx="1455174" cy="381000"/>
           </a:xfrm>
           <a:prstGeom prst="rect">
@@ -3753,7 +3705,7 @@
         </p:nvGrpSpPr>
         <p:grpSpPr>
           <a:xfrm>
-            <a:off x="228738" y="1327777"/>
+            <a:off x="228738" y="1242052"/>
             <a:ext cx="2543011" cy="1518381"/>
             <a:chOff x="254000" y="1094473"/>
             <a:chExt cx="2341563" cy="1418592"/>
@@ -4516,7 +4468,7 @@
         </p:nvSpPr>
         <p:spPr>
           <a:xfrm>
-            <a:off x="2960197" y="2308536"/>
+            <a:off x="2960197" y="2222811"/>
             <a:ext cx="3344961" cy="338554"/>
           </a:xfrm>
           <a:prstGeom prst="rect">
@@ -4553,7 +4505,7 @@
         </p:nvSpPr>
         <p:spPr>
           <a:xfrm>
-            <a:off x="178233" y="4264885"/>
+            <a:off x="178233" y="4388710"/>
             <a:ext cx="2029235" cy="381000"/>
           </a:xfrm>
           <a:prstGeom prst="rect">
@@ -4599,7 +4551,7 @@
         </p:nvSpPr>
         <p:spPr>
           <a:xfrm>
-            <a:off x="203909" y="3791773"/>
+            <a:off x="203909" y="3887023"/>
             <a:ext cx="5760033" cy="338554"/>
           </a:xfrm>
           <a:prstGeom prst="rect">
@@ -4636,7 +4588,7 @@
         </p:nvSpPr>
         <p:spPr>
           <a:xfrm>
-            <a:off x="209107" y="4670698"/>
+            <a:off x="209107" y="4794523"/>
             <a:ext cx="2824051" cy="707886"/>
           </a:xfrm>
           <a:prstGeom prst="rect">
@@ -4681,7 +4633,7 @@
         </p:nvSpPr>
         <p:spPr>
           <a:xfrm>
-            <a:off x="4036801" y="2673416"/>
+            <a:off x="4036801" y="2587691"/>
             <a:ext cx="1443210" cy="192724"/>
           </a:xfrm>
           <a:prstGeom prst="downArrow">
@@ -4733,7 +4685,7 @@
         </p:nvSpPr>
         <p:spPr>
           <a:xfrm>
-            <a:off x="3557935" y="4715046"/>
+            <a:off x="3557935" y="4838871"/>
             <a:ext cx="1622491" cy="795684"/>
           </a:xfrm>
           <a:prstGeom prst="flowChartAlternateProcess">
@@ -4787,7 +4739,7 @@
         </p:nvSpPr>
         <p:spPr>
           <a:xfrm>
-            <a:off x="3697658" y="5002022"/>
+            <a:off x="3697658" y="5125847"/>
             <a:ext cx="1330192" cy="482950"/>
           </a:xfrm>
           <a:prstGeom prst="flowChartAlternateProcess">
@@ -4846,13 +4798,13 @@
           <p:nvPr>
             <p:extLst>
               <p:ext uri="{D42A27DB-BD31-4B8C-83A1-F6EECF244321}">
-                <p14:modId xmlns:p14="http://schemas.microsoft.com/office/powerpoint/2010/main" val="3785838660"/>
+                <p14:modId xmlns:p14="http://schemas.microsoft.com/office/powerpoint/2010/main" val="1778534259"/>
               </p:ext>
             </p:extLst>
           </p:nvPr>
         </p:nvGraphicFramePr>
         <p:xfrm>
-          <a:off x="271015" y="5284065"/>
+          <a:off x="271015" y="5407890"/>
           <a:ext cx="2882684" cy="2087880"/>
         </p:xfrm>
         <a:graphic>
@@ -5728,29 +5680,23 @@
         </p:nvSpPr>
         <p:spPr>
           <a:xfrm>
-            <a:off x="3557935" y="5538236"/>
+            <a:off x="3557935" y="5662061"/>
             <a:ext cx="3045962" cy="305142"/>
           </a:xfrm>
           <a:prstGeom prst="flowChartAlternateProcess">
             <a:avLst/>
           </a:prstGeom>
-          <a:ln>
-            <a:solidFill>
-              <a:schemeClr val="accent1">
-                <a:lumMod val="75000"/>
-              </a:schemeClr>
-            </a:solidFill>
-          </a:ln>
+          <a:ln/>
         </p:spPr>
         <p:style>
           <a:lnRef idx="2">
-            <a:schemeClr val="accent6"/>
+            <a:schemeClr val="accent3"/>
           </a:lnRef>
           <a:fillRef idx="1">
             <a:schemeClr val="lt1"/>
           </a:fillRef>
           <a:effectRef idx="0">
-            <a:schemeClr val="accent6"/>
+            <a:schemeClr val="accent3"/>
           </a:effectRef>
           <a:fontRef idx="minor">
             <a:schemeClr val="dk1"/>
@@ -5776,29 +5722,23 @@
         </p:nvSpPr>
         <p:spPr>
           <a:xfrm>
-            <a:off x="3557935" y="6185102"/>
+            <a:off x="3557935" y="6308927"/>
             <a:ext cx="3045962" cy="305142"/>
           </a:xfrm>
           <a:prstGeom prst="flowChartAlternateProcess">
             <a:avLst/>
           </a:prstGeom>
-          <a:ln>
-            <a:solidFill>
-              <a:schemeClr val="accent1">
-                <a:lumMod val="75000"/>
-              </a:schemeClr>
-            </a:solidFill>
-          </a:ln>
+          <a:ln/>
         </p:spPr>
         <p:style>
           <a:lnRef idx="2">
-            <a:schemeClr val="accent6"/>
+            <a:schemeClr val="accent3"/>
           </a:lnRef>
           <a:fillRef idx="1">
             <a:schemeClr val="lt1"/>
           </a:fillRef>
           <a:effectRef idx="0">
-            <a:schemeClr val="accent6"/>
+            <a:schemeClr val="accent3"/>
           </a:effectRef>
           <a:fontRef idx="minor">
             <a:schemeClr val="dk1"/>
@@ -5823,12 +5763,12 @@
         </p:nvSpPr>
         <p:spPr>
           <a:xfrm>
-            <a:off x="5261610" y="4752562"/>
-            <a:ext cx="1420251" cy="729831"/>
+            <a:off x="5226050" y="4876387"/>
+            <a:ext cx="1562100" cy="729831"/>
           </a:xfrm>
           <a:prstGeom prst="wedgeRectCallout">
             <a:avLst>
-              <a:gd name="adj1" fmla="val -55185"/>
+              <a:gd name="adj1" fmla="val -52010"/>
               <a:gd name="adj2" fmla="val -31804"/>
             </a:avLst>
           </a:prstGeom>
@@ -5874,12 +5814,12 @@
               <a:rPr lang="en-US" altLang="ja-JP" sz="1400" dirty="0"/>
             </a:br>
             <a:r>
-              <a:rPr lang="en-US" altLang="ja-JP" sz="1400" dirty="0"/>
-              <a:t>P</a:t>
+              <a:rPr lang="ja-JP" altLang="en-US" sz="1400" dirty="0" smtClean="0"/>
+              <a:t>プログラミング言語</a:t>
             </a:r>
             <a:r>
               <a:rPr lang="ja-JP" altLang="en-US" sz="1400" dirty="0"/>
-              <a:t>言語とプログラミング</a:t>
+              <a:t>とプログラミング</a:t>
             </a:r>
           </a:p>
         </p:txBody>
@@ -5892,13 +5832,13 @@
         </p:nvSpPr>
         <p:spPr>
           <a:xfrm>
-            <a:off x="5261609" y="6588916"/>
-            <a:ext cx="1420252" cy="703251"/>
+            <a:off x="5225984" y="6669912"/>
+            <a:ext cx="1562166" cy="703251"/>
           </a:xfrm>
           <a:prstGeom prst="wedgeRectCallout">
             <a:avLst>
-              <a:gd name="adj1" fmla="val -53173"/>
-              <a:gd name="adj2" fmla="val -31360"/>
+              <a:gd name="adj1" fmla="val -51954"/>
+              <a:gd name="adj2" fmla="val -34069"/>
             </a:avLst>
           </a:prstGeom>
           <a:ln>
@@ -5957,29 +5897,23 @@
         </p:nvSpPr>
         <p:spPr>
           <a:xfrm>
-            <a:off x="3573095" y="7110523"/>
+            <a:off x="3573095" y="7234348"/>
             <a:ext cx="1611637" cy="305142"/>
           </a:xfrm>
           <a:prstGeom prst="flowChartAlternateProcess">
             <a:avLst/>
           </a:prstGeom>
-          <a:ln>
-            <a:solidFill>
-              <a:schemeClr val="accent1">
-                <a:lumMod val="75000"/>
-              </a:schemeClr>
-            </a:solidFill>
-          </a:ln>
+          <a:ln/>
         </p:spPr>
         <p:style>
           <a:lnRef idx="2">
-            <a:schemeClr val="accent6"/>
+            <a:schemeClr val="accent3"/>
           </a:lnRef>
           <a:fillRef idx="1">
             <a:schemeClr val="lt1"/>
           </a:fillRef>
           <a:effectRef idx="0">
-            <a:schemeClr val="accent6"/>
+            <a:schemeClr val="accent3"/>
           </a:effectRef>
           <a:fontRef idx="minor">
             <a:schemeClr val="dk1"/>
@@ -6004,7 +5938,7 @@
         </p:nvSpPr>
         <p:spPr>
           <a:xfrm>
-            <a:off x="3498977" y="7956440"/>
+            <a:off x="3498977" y="8013590"/>
             <a:ext cx="3147259" cy="1815882"/>
           </a:xfrm>
           <a:prstGeom prst="rect">
@@ -6079,7 +6013,7 @@
         </p:nvSpPr>
         <p:spPr>
           <a:xfrm>
-            <a:off x="204497" y="7950726"/>
+            <a:off x="204497" y="8007876"/>
             <a:ext cx="3022378" cy="1077218"/>
           </a:xfrm>
           <a:prstGeom prst="rect">
@@ -6129,13 +6063,13 @@
           <p:nvPr>
             <p:extLst>
               <p:ext uri="{D42A27DB-BD31-4B8C-83A1-F6EECF244321}">
-                <p14:modId xmlns:p14="http://schemas.microsoft.com/office/powerpoint/2010/main" val="1662138372"/>
+                <p14:modId xmlns:p14="http://schemas.microsoft.com/office/powerpoint/2010/main" val="175067876"/>
               </p:ext>
             </p:extLst>
           </p:nvPr>
         </p:nvGraphicFramePr>
         <p:xfrm>
-          <a:off x="315773" y="9011118"/>
+          <a:off x="315773" y="9068268"/>
           <a:ext cx="2837926" cy="733425"/>
         </p:xfrm>
         <a:graphic>
@@ -8431,7 +8365,7 @@
         </p:nvSpPr>
         <p:spPr>
           <a:xfrm>
-            <a:off x="3557935" y="6517750"/>
+            <a:off x="3557935" y="6641575"/>
             <a:ext cx="1622491" cy="569241"/>
           </a:xfrm>
           <a:prstGeom prst="flowChartAlternateProcess">
@@ -8482,7 +8416,7 @@
         </p:nvSpPr>
         <p:spPr>
           <a:xfrm>
-            <a:off x="3704084" y="6782852"/>
+            <a:off x="3704084" y="6906677"/>
             <a:ext cx="1330192" cy="282948"/>
           </a:xfrm>
           <a:prstGeom prst="flowChartAlternateProcess">
@@ -8530,19 +8464,13 @@
         </p:nvSpPr>
         <p:spPr>
           <a:xfrm>
-            <a:off x="3557935" y="5870884"/>
+            <a:off x="3557935" y="5994709"/>
             <a:ext cx="3064290" cy="286712"/>
           </a:xfrm>
           <a:prstGeom prst="flowChartAlternateProcess">
             <a:avLst/>
           </a:prstGeom>
-          <a:ln>
-            <a:solidFill>
-              <a:schemeClr val="accent1">
-                <a:lumMod val="75000"/>
-              </a:schemeClr>
-            </a:solidFill>
-          </a:ln>
+          <a:ln/>
         </p:spPr>
         <p:style>
           <a:lnRef idx="2">
@@ -8578,8 +8506,8 @@
         </p:nvSpPr>
         <p:spPr>
           <a:xfrm>
-            <a:off x="228738" y="2948678"/>
-            <a:ext cx="6823965" cy="369332"/>
+            <a:off x="228739" y="2796278"/>
+            <a:ext cx="6417498" cy="646331"/>
           </a:xfrm>
           <a:prstGeom prst="rect">
             <a:avLst/>
@@ -8597,12 +8525,16 @@
               <a:t>MBTI</a:t>
             </a:r>
             <a:r>
+              <a:rPr lang="ja-JP" altLang="en-US" dirty="0"/>
+              <a:t>のいずれかの</a:t>
+            </a:r>
+            <a:r>
+              <a:rPr lang="en-US" altLang="ja-JP" dirty="0" smtClean="0"/>
+              <a:t>16</a:t>
+            </a:r>
+            <a:r>
               <a:rPr lang="ja-JP" altLang="en-US" dirty="0" smtClean="0"/>
-              <a:t>のタイプ</a:t>
-            </a:r>
-            <a:r>
-              <a:rPr lang="ja-JP" altLang="en-US" dirty="0"/>
-              <a:t>の</a:t>
+              <a:t>タイプに該当する性格の</a:t>
             </a:r>
             <a:r>
               <a:rPr lang="ja-JP" altLang="en-US" b="1" u="sng" dirty="0" smtClean="0"/>
@@ -8613,20 +8545,12 @@
               <a:t>作用が原因</a:t>
             </a:r>
             <a:r>
-              <a:rPr lang="ja-JP" altLang="en-US" dirty="0"/>
-              <a:t>と</a:t>
-            </a:r>
-            <a:r>
               <a:rPr lang="ja-JP" altLang="en-US" dirty="0" smtClean="0"/>
-              <a:t>なって起きる</a:t>
-            </a:r>
-            <a:r>
-              <a:rPr lang="ja-JP" altLang="en-US" dirty="0"/>
-              <a:t>事象</a:t>
+              <a:t>となって起きるリスクを</a:t>
             </a:r>
             <a:r>
               <a:rPr lang="ja-JP" altLang="en-US" dirty="0" smtClean="0"/>
-              <a:t>を予測</a:t>
+              <a:t>予測</a:t>
             </a:r>
             <a:r>
               <a:rPr lang="ja-JP" altLang="en-US" dirty="0"/>
